--- a/example/车辆检测.pptx
+++ b/example/车辆检测.pptx
@@ -5,18 +5,28 @@
     <p:sldMasterId id="2147483648" r:id="rId1"/>
   </p:sldMasterIdLst>
   <p:notesMasterIdLst>
-    <p:notesMasterId r:id="rId11"/>
+    <p:notesMasterId r:id="rId21"/>
   </p:notesMasterIdLst>
   <p:sldIdLst>
-    <p:sldId id="256" r:id="rId2"/>
-    <p:sldId id="257" r:id="rId3"/>
-    <p:sldId id="258" r:id="rId4"/>
-    <p:sldId id="260" r:id="rId5"/>
-    <p:sldId id="261" r:id="rId6"/>
-    <p:sldId id="262" r:id="rId7"/>
-    <p:sldId id="263" r:id="rId8"/>
-    <p:sldId id="264" r:id="rId9"/>
-    <p:sldId id="259" r:id="rId10"/>
+    <p:sldId id="265" r:id="rId2"/>
+    <p:sldId id="266" r:id="rId3"/>
+    <p:sldId id="731" r:id="rId4"/>
+    <p:sldId id="257" r:id="rId5"/>
+    <p:sldId id="258" r:id="rId6"/>
+    <p:sldId id="260" r:id="rId7"/>
+    <p:sldId id="261" r:id="rId8"/>
+    <p:sldId id="732" r:id="rId9"/>
+    <p:sldId id="262" r:id="rId10"/>
+    <p:sldId id="263" r:id="rId11"/>
+    <p:sldId id="264" r:id="rId12"/>
+    <p:sldId id="733" r:id="rId13"/>
+    <p:sldId id="734" r:id="rId14"/>
+    <p:sldId id="736" r:id="rId15"/>
+    <p:sldId id="735" r:id="rId16"/>
+    <p:sldId id="737" r:id="rId17"/>
+    <p:sldId id="738" r:id="rId18"/>
+    <p:sldId id="830" r:id="rId19"/>
+    <p:sldId id="259" r:id="rId20"/>
   </p:sldIdLst>
   <p:sldSz cx="12192000" cy="6858000"/>
   <p:notesSz cx="6858000" cy="9144000"/>
@@ -115,6 +125,42 @@
       </a:defRPr>
     </a:lvl9pPr>
   </p:defaultTextStyle>
+  <p:extLst>
+    <p:ext uri="{521415D9-36F7-43E2-AB2F-B90AF26B5E84}">
+      <p14:sectionLst xmlns:p14="http://schemas.microsoft.com/office/powerpoint/2010/main">
+        <p14:section name="0" id="{8AB989FD-8C08-4680-A15D-6E430AFEA495}">
+          <p14:sldIdLst>
+            <p14:sldId id="265"/>
+            <p14:sldId id="266"/>
+            <p14:sldId id="731"/>
+            <p14:sldId id="257"/>
+            <p14:sldId id="258"/>
+            <p14:sldId id="260"/>
+            <p14:sldId id="261"/>
+            <p14:sldId id="732"/>
+            <p14:sldId id="262"/>
+            <p14:sldId id="263"/>
+            <p14:sldId id="264"/>
+            <p14:sldId id="733"/>
+            <p14:sldId id="734"/>
+            <p14:sldId id="736"/>
+            <p14:sldId id="735"/>
+            <p14:sldId id="737"/>
+            <p14:sldId id="738"/>
+            <p14:sldId id="830"/>
+          </p14:sldIdLst>
+        </p14:section>
+        <p14:section name="1" id="{734DEB06-6CCD-4C28-911F-4B0ED70273A2}">
+          <p14:sldIdLst>
+            <p14:sldId id="259"/>
+          </p14:sldIdLst>
+        </p14:section>
+      </p14:sectionLst>
+    </p:ext>
+    <p:ext uri="{EFAFB233-063F-42B5-8137-9DF3F51BA10A}">
+      <p15:sldGuideLst xmlns:p15="http://schemas.microsoft.com/office/powerpoint/2012/main"/>
+    </p:ext>
+  </p:extLst>
 </p:presentation>
 </file>
 
@@ -200,7 +246,7 @@
           <a:p>
             <a:fld id="{F0976CE0-C51E-4272-A7AF-0DF83D74DA22}" type="datetimeFigureOut">
               <a:rPr lang="zh-CN" altLang="en-US" smtClean="0"/>
-              <a:t>2020-05-01</a:t>
+              <a:t>2020-05-13</a:t>
             </a:fld>
             <a:endParaRPr lang="zh-CN" altLang="en-US"/>
           </a:p>
@@ -535,7 +581,7 @@
           <a:p>
             <a:fld id="{33B5EBDE-748B-40CD-BB0E-EFABAE74736E}" type="slidenum">
               <a:rPr lang="zh-CN" altLang="en-US" smtClean="0"/>
-              <a:t>2</a:t>
+              <a:t>4</a:t>
             </a:fld>
             <a:endParaRPr lang="zh-CN" altLang="en-US"/>
           </a:p>
@@ -630,7 +676,7 @@
           <a:p>
             <a:fld id="{33B5EBDE-748B-40CD-BB0E-EFABAE74736E}" type="slidenum">
               <a:rPr lang="zh-CN" altLang="en-US" smtClean="0"/>
-              <a:t>3</a:t>
+              <a:t>5</a:t>
             </a:fld>
             <a:endParaRPr lang="zh-CN" altLang="en-US"/>
           </a:p>
@@ -717,7 +763,7 @@
           <a:p>
             <a:fld id="{33B5EBDE-748B-40CD-BB0E-EFABAE74736E}" type="slidenum">
               <a:rPr lang="zh-CN" altLang="en-US" smtClean="0"/>
-              <a:t>4</a:t>
+              <a:t>6</a:t>
             </a:fld>
             <a:endParaRPr lang="zh-CN" altLang="en-US"/>
           </a:p>
@@ -815,7 +861,7 @@
           <a:p>
             <a:fld id="{33B5EBDE-748B-40CD-BB0E-EFABAE74736E}" type="slidenum">
               <a:rPr lang="zh-CN" altLang="en-US" smtClean="0"/>
-              <a:t>5</a:t>
+              <a:t>7</a:t>
             </a:fld>
             <a:endParaRPr lang="zh-CN" altLang="en-US"/>
           </a:p>
@@ -899,7 +945,7 @@
           <a:p>
             <a:fld id="{33B5EBDE-748B-40CD-BB0E-EFABAE74736E}" type="slidenum">
               <a:rPr lang="zh-CN" altLang="en-US" smtClean="0"/>
-              <a:t>8</a:t>
+              <a:t>11</a:t>
             </a:fld>
             <a:endParaRPr lang="zh-CN" altLang="en-US"/>
           </a:p>
@@ -1065,7 +1111,7 @@
           <a:p>
             <a:fld id="{546DF270-FE5B-4BBA-896F-1E5C21E5FD45}" type="datetimeFigureOut">
               <a:rPr lang="zh-CN" altLang="en-US" smtClean="0"/>
-              <a:t>2020-05-01</a:t>
+              <a:t>2020-05-13</a:t>
             </a:fld>
             <a:endParaRPr lang="zh-CN" altLang="en-US"/>
           </a:p>
@@ -1263,7 +1309,7 @@
           <a:p>
             <a:fld id="{546DF270-FE5B-4BBA-896F-1E5C21E5FD45}" type="datetimeFigureOut">
               <a:rPr lang="zh-CN" altLang="en-US" smtClean="0"/>
-              <a:t>2020-05-01</a:t>
+              <a:t>2020-05-13</a:t>
             </a:fld>
             <a:endParaRPr lang="zh-CN" altLang="en-US"/>
           </a:p>
@@ -1471,7 +1517,7 @@
           <a:p>
             <a:fld id="{546DF270-FE5B-4BBA-896F-1E5C21E5FD45}" type="datetimeFigureOut">
               <a:rPr lang="zh-CN" altLang="en-US" smtClean="0"/>
-              <a:t>2020-05-01</a:t>
+              <a:t>2020-05-13</a:t>
             </a:fld>
             <a:endParaRPr lang="zh-CN" altLang="en-US"/>
           </a:p>
@@ -1669,7 +1715,7 @@
           <a:p>
             <a:fld id="{546DF270-FE5B-4BBA-896F-1E5C21E5FD45}" type="datetimeFigureOut">
               <a:rPr lang="zh-CN" altLang="en-US" smtClean="0"/>
-              <a:t>2020-05-01</a:t>
+              <a:t>2020-05-13</a:t>
             </a:fld>
             <a:endParaRPr lang="zh-CN" altLang="en-US"/>
           </a:p>
@@ -1944,7 +1990,7 @@
           <a:p>
             <a:fld id="{546DF270-FE5B-4BBA-896F-1E5C21E5FD45}" type="datetimeFigureOut">
               <a:rPr lang="zh-CN" altLang="en-US" smtClean="0"/>
-              <a:t>2020-05-01</a:t>
+              <a:t>2020-05-13</a:t>
             </a:fld>
             <a:endParaRPr lang="zh-CN" altLang="en-US"/>
           </a:p>
@@ -2209,7 +2255,7 @@
           <a:p>
             <a:fld id="{546DF270-FE5B-4BBA-896F-1E5C21E5FD45}" type="datetimeFigureOut">
               <a:rPr lang="zh-CN" altLang="en-US" smtClean="0"/>
-              <a:t>2020-05-01</a:t>
+              <a:t>2020-05-13</a:t>
             </a:fld>
             <a:endParaRPr lang="zh-CN" altLang="en-US"/>
           </a:p>
@@ -2621,7 +2667,7 @@
           <a:p>
             <a:fld id="{546DF270-FE5B-4BBA-896F-1E5C21E5FD45}" type="datetimeFigureOut">
               <a:rPr lang="zh-CN" altLang="en-US" smtClean="0"/>
-              <a:t>2020-05-01</a:t>
+              <a:t>2020-05-13</a:t>
             </a:fld>
             <a:endParaRPr lang="zh-CN" altLang="en-US"/>
           </a:p>
@@ -2762,7 +2808,7 @@
           <a:p>
             <a:fld id="{546DF270-FE5B-4BBA-896F-1E5C21E5FD45}" type="datetimeFigureOut">
               <a:rPr lang="zh-CN" altLang="en-US" smtClean="0"/>
-              <a:t>2020-05-01</a:t>
+              <a:t>2020-05-13</a:t>
             </a:fld>
             <a:endParaRPr lang="zh-CN" altLang="en-US"/>
           </a:p>
@@ -2875,7 +2921,7 @@
           <a:p>
             <a:fld id="{546DF270-FE5B-4BBA-896F-1E5C21E5FD45}" type="datetimeFigureOut">
               <a:rPr lang="zh-CN" altLang="en-US" smtClean="0"/>
-              <a:t>2020-05-01</a:t>
+              <a:t>2020-05-13</a:t>
             </a:fld>
             <a:endParaRPr lang="zh-CN" altLang="en-US"/>
           </a:p>
@@ -3186,7 +3232,7 @@
           <a:p>
             <a:fld id="{546DF270-FE5B-4BBA-896F-1E5C21E5FD45}" type="datetimeFigureOut">
               <a:rPr lang="zh-CN" altLang="en-US" smtClean="0"/>
-              <a:t>2020-05-01</a:t>
+              <a:t>2020-05-13</a:t>
             </a:fld>
             <a:endParaRPr lang="zh-CN" altLang="en-US"/>
           </a:p>
@@ -3474,7 +3520,7 @@
           <a:p>
             <a:fld id="{546DF270-FE5B-4BBA-896F-1E5C21E5FD45}" type="datetimeFigureOut">
               <a:rPr lang="zh-CN" altLang="en-US" smtClean="0"/>
-              <a:t>2020-05-01</a:t>
+              <a:t>2020-05-13</a:t>
             </a:fld>
             <a:endParaRPr lang="zh-CN" altLang="en-US"/>
           </a:p>
@@ -3715,7 +3761,7 @@
           <a:p>
             <a:fld id="{546DF270-FE5B-4BBA-896F-1E5C21E5FD45}" type="datetimeFigureOut">
               <a:rPr lang="zh-CN" altLang="en-US" smtClean="0"/>
-              <a:t>2020-05-01</a:t>
+              <a:t>2020-05-13</a:t>
             </a:fld>
             <a:endParaRPr lang="zh-CN" altLang="en-US"/>
           </a:p>
@@ -4132,12 +4178,438 @@
           <a:chExt cx="0" cy="0"/>
         </a:xfrm>
       </p:grpSpPr>
-      <p:sp>
-        <p:nvSpPr>
-          <p:cNvPr id="4" name="文本框 3">
-            <a:extLst>
-              <a:ext uri="{FF2B5EF4-FFF2-40B4-BE49-F238E27FC236}">
-                <a16:creationId xmlns:a16="http://schemas.microsoft.com/office/drawing/2014/main" id="{EA78085E-6B5E-4E8B-AD8A-E5F9D103B6C4}"/>
+      <p:grpSp>
+        <p:nvGrpSpPr>
+          <p:cNvPr id="15" name="组合 14">
+            <a:extLst>
+              <a:ext uri="{FF2B5EF4-FFF2-40B4-BE49-F238E27FC236}">
+                <a16:creationId xmlns:a16="http://schemas.microsoft.com/office/drawing/2014/main" id="{1EE01B59-E92E-4156-9EE1-55E34739E707}"/>
+              </a:ext>
+            </a:extLst>
+          </p:cNvPr>
+          <p:cNvGrpSpPr/>
+          <p:nvPr/>
+        </p:nvGrpSpPr>
+        <p:grpSpPr>
+          <a:xfrm>
+            <a:off x="0" y="893"/>
+            <a:ext cx="12217791" cy="6854429"/>
+            <a:chOff x="0" y="893"/>
+            <a:chExt cx="12217791" cy="6854429"/>
+          </a:xfrm>
+        </p:grpSpPr>
+        <p:pic>
+          <p:nvPicPr>
+            <p:cNvPr id="8" name="图片 7">
+              <a:extLst>
+                <a:ext uri="{FF2B5EF4-FFF2-40B4-BE49-F238E27FC236}">
+                  <a16:creationId xmlns:a16="http://schemas.microsoft.com/office/drawing/2014/main" id="{860BFBEC-67B4-42EB-8662-7778231A20AF}"/>
+                </a:ext>
+              </a:extLst>
+            </p:cNvPr>
+            <p:cNvPicPr>
+              <a:picLocks noChangeAspect="1"/>
+            </p:cNvPicPr>
+            <p:nvPr/>
+          </p:nvPicPr>
+          <p:blipFill>
+            <a:blip r:embed="rId2">
+              <a:extLst>
+                <a:ext uri="{28A0092B-C50C-407E-A947-70E740481C1C}">
+                  <a14:useLocalDpi xmlns:a14="http://schemas.microsoft.com/office/drawing/2010/main" val="0"/>
+                </a:ext>
+              </a:extLst>
+            </a:blip>
+            <a:stretch>
+              <a:fillRect/>
+            </a:stretch>
+          </p:blipFill>
+          <p:spPr>
+            <a:xfrm>
+              <a:off x="0" y="893"/>
+              <a:ext cx="12217791" cy="6854429"/>
+            </a:xfrm>
+            <a:prstGeom prst="rect">
+              <a:avLst/>
+            </a:prstGeom>
+          </p:spPr>
+        </p:pic>
+        <p:grpSp>
+          <p:nvGrpSpPr>
+            <p:cNvPr id="9" name="组合 8">
+              <a:extLst>
+                <a:ext uri="{FF2B5EF4-FFF2-40B4-BE49-F238E27FC236}">
+                  <a16:creationId xmlns:a16="http://schemas.microsoft.com/office/drawing/2014/main" id="{0070D7B4-428A-4EF6-B46C-178A5EA88B79}"/>
+                </a:ext>
+              </a:extLst>
+            </p:cNvPr>
+            <p:cNvGrpSpPr/>
+            <p:nvPr/>
+          </p:nvGrpSpPr>
+          <p:grpSpPr>
+            <a:xfrm>
+              <a:off x="2418809" y="2905014"/>
+              <a:ext cx="7543785" cy="642796"/>
+              <a:chOff x="2187635" y="2536004"/>
+              <a:chExt cx="7547716" cy="643131"/>
+            </a:xfrm>
+          </p:grpSpPr>
+          <p:grpSp>
+            <p:nvGrpSpPr>
+              <p:cNvPr id="10" name="组合 9">
+                <a:extLst>
+                  <a:ext uri="{FF2B5EF4-FFF2-40B4-BE49-F238E27FC236}">
+                    <a16:creationId xmlns:a16="http://schemas.microsoft.com/office/drawing/2014/main" id="{EB73A363-49F2-4E51-A18C-3DDA4B8904E3}"/>
+                  </a:ext>
+                </a:extLst>
+              </p:cNvPr>
+              <p:cNvGrpSpPr/>
+              <p:nvPr/>
+            </p:nvGrpSpPr>
+            <p:grpSpPr>
+              <a:xfrm flipH="1">
+                <a:off x="2187635" y="3173964"/>
+                <a:ext cx="7547716" cy="5171"/>
+                <a:chOff x="3185882" y="2032279"/>
+                <a:chExt cx="6106713" cy="5171"/>
+              </a:xfrm>
+            </p:grpSpPr>
+            <p:cxnSp>
+              <p:nvCxnSpPr>
+                <p:cNvPr id="12" name="直接连接符 11">
+                  <a:extLst>
+                    <a:ext uri="{FF2B5EF4-FFF2-40B4-BE49-F238E27FC236}">
+                      <a16:creationId xmlns:a16="http://schemas.microsoft.com/office/drawing/2014/main" id="{99E36BCC-207C-42B4-8E5C-5952B04E60BC}"/>
+                    </a:ext>
+                  </a:extLst>
+                </p:cNvPr>
+                <p:cNvCxnSpPr>
+                  <a:cxnSpLocks/>
+                </p:cNvCxnSpPr>
+                <p:nvPr/>
+              </p:nvCxnSpPr>
+              <p:spPr>
+                <a:xfrm>
+                  <a:off x="3185882" y="2032279"/>
+                  <a:ext cx="4918042" cy="0"/>
+                </a:xfrm>
+                <a:prstGeom prst="line">
+                  <a:avLst/>
+                </a:prstGeom>
+                <a:noFill/>
+                <a:ln w="7620" cap="flat" cmpd="sng" algn="ctr">
+                  <a:solidFill>
+                    <a:srgbClr val="5F5F5F"/>
+                  </a:solidFill>
+                  <a:prstDash val="solid"/>
+                  <a:miter lim="800000"/>
+                </a:ln>
+                <a:effectLst/>
+              </p:spPr>
+            </p:cxnSp>
+            <p:cxnSp>
+              <p:nvCxnSpPr>
+                <p:cNvPr id="13" name="直接连接符 12">
+                  <a:extLst>
+                    <a:ext uri="{FF2B5EF4-FFF2-40B4-BE49-F238E27FC236}">
+                      <a16:creationId xmlns:a16="http://schemas.microsoft.com/office/drawing/2014/main" id="{D03D5070-83F3-49AD-91DE-75D1AB29236D}"/>
+                    </a:ext>
+                  </a:extLst>
+                </p:cNvPr>
+                <p:cNvCxnSpPr/>
+                <p:nvPr/>
+              </p:nvCxnSpPr>
+              <p:spPr>
+                <a:xfrm>
+                  <a:off x="8194930" y="2032279"/>
+                  <a:ext cx="754055" cy="0"/>
+                </a:xfrm>
+                <a:prstGeom prst="line">
+                  <a:avLst/>
+                </a:prstGeom>
+                <a:noFill/>
+                <a:ln w="7620" cap="flat" cmpd="sng" algn="ctr">
+                  <a:solidFill>
+                    <a:srgbClr val="5F5F5F"/>
+                  </a:solidFill>
+                  <a:prstDash val="dash"/>
+                  <a:miter lim="800000"/>
+                  <a:tailEnd type="diamond"/>
+                </a:ln>
+                <a:effectLst/>
+              </p:spPr>
+            </p:cxnSp>
+            <p:cxnSp>
+              <p:nvCxnSpPr>
+                <p:cNvPr id="14" name="直接连接符 13">
+                  <a:extLst>
+                    <a:ext uri="{FF2B5EF4-FFF2-40B4-BE49-F238E27FC236}">
+                      <a16:creationId xmlns:a16="http://schemas.microsoft.com/office/drawing/2014/main" id="{ADF9499D-C818-4924-A7F9-2A148372D66C}"/>
+                    </a:ext>
+                  </a:extLst>
+                </p:cNvPr>
+                <p:cNvCxnSpPr/>
+                <p:nvPr/>
+              </p:nvCxnSpPr>
+              <p:spPr>
+                <a:xfrm>
+                  <a:off x="8996763" y="2032279"/>
+                  <a:ext cx="295832" cy="5171"/>
+                </a:xfrm>
+                <a:prstGeom prst="line">
+                  <a:avLst/>
+                </a:prstGeom>
+                <a:noFill/>
+                <a:ln w="7620" cap="flat" cmpd="sng" algn="ctr">
+                  <a:solidFill>
+                    <a:srgbClr val="5F5F5F"/>
+                  </a:solidFill>
+                  <a:prstDash val="solid"/>
+                  <a:miter lim="800000"/>
+                </a:ln>
+                <a:effectLst/>
+              </p:spPr>
+            </p:cxnSp>
+          </p:grpSp>
+          <p:sp>
+            <p:nvSpPr>
+              <p:cNvPr id="11" name="矩形 17">
+                <a:extLst>
+                  <a:ext uri="{FF2B5EF4-FFF2-40B4-BE49-F238E27FC236}">
+                    <a16:creationId xmlns:a16="http://schemas.microsoft.com/office/drawing/2014/main" id="{5A4A4E88-9B1F-45B3-9DCF-3A6D133CBC9E}"/>
+                  </a:ext>
+                </a:extLst>
+              </p:cNvPr>
+              <p:cNvSpPr>
+                <a:spLocks noChangeArrowheads="1"/>
+              </p:cNvSpPr>
+              <p:nvPr/>
+            </p:nvSpPr>
+            <p:spPr bwMode="auto">
+              <a:xfrm>
+                <a:off x="3268375" y="2536004"/>
+                <a:ext cx="5196735" cy="523365"/>
+              </a:xfrm>
+              <a:prstGeom prst="rect">
+                <a:avLst/>
+              </a:prstGeom>
+              <a:noFill/>
+              <a:ln>
+                <a:noFill/>
+              </a:ln>
+              <a:extLst>
+                <a:ext uri="{909E8E84-426E-40DD-AFC4-6F175D3DCCD1}">
+                  <a14:hiddenFill xmlns:a14="http://schemas.microsoft.com/office/drawing/2010/main">
+                    <a:solidFill>
+                      <a:srgbClr val="FFFFFF"/>
+                    </a:solidFill>
+                  </a14:hiddenFill>
+                </a:ext>
+                <a:ext uri="{91240B29-F687-4F45-9708-019B960494DF}">
+                  <a14:hiddenLine xmlns:a14="http://schemas.microsoft.com/office/drawing/2010/main" w="9525">
+                    <a:solidFill>
+                      <a:srgbClr val="000000"/>
+                    </a:solidFill>
+                    <a:miter lim="800000"/>
+                    <a:headEnd/>
+                    <a:tailEnd/>
+                  </a14:hiddenLine>
+                </a:ext>
+              </a:extLst>
+            </p:spPr>
+            <p:txBody>
+              <a:bodyPr wrap="square">
+                <a:spAutoFit/>
+              </a:bodyPr>
+              <a:lstStyle>
+                <a:lvl1pPr>
+                  <a:defRPr>
+                    <a:solidFill>
+                      <a:schemeClr val="tx1"/>
+                    </a:solidFill>
+                    <a:latin typeface="Calibri" panose="020F0502020204030204" pitchFamily="34" charset="0"/>
+                    <a:ea typeface="宋体" panose="02010600030101010101" pitchFamily="2" charset="-122"/>
+                  </a:defRPr>
+                </a:lvl1pPr>
+                <a:lvl2pPr marL="742950" indent="-285750">
+                  <a:defRPr>
+                    <a:solidFill>
+                      <a:schemeClr val="tx1"/>
+                    </a:solidFill>
+                    <a:latin typeface="Calibri" panose="020F0502020204030204" pitchFamily="34" charset="0"/>
+                    <a:ea typeface="宋体" panose="02010600030101010101" pitchFamily="2" charset="-122"/>
+                  </a:defRPr>
+                </a:lvl2pPr>
+                <a:lvl3pPr marL="1143000" indent="-228600">
+                  <a:defRPr>
+                    <a:solidFill>
+                      <a:schemeClr val="tx1"/>
+                    </a:solidFill>
+                    <a:latin typeface="Calibri" panose="020F0502020204030204" pitchFamily="34" charset="0"/>
+                    <a:ea typeface="宋体" panose="02010600030101010101" pitchFamily="2" charset="-122"/>
+                  </a:defRPr>
+                </a:lvl3pPr>
+                <a:lvl4pPr marL="1600200" indent="-228600">
+                  <a:defRPr>
+                    <a:solidFill>
+                      <a:schemeClr val="tx1"/>
+                    </a:solidFill>
+                    <a:latin typeface="Calibri" panose="020F0502020204030204" pitchFamily="34" charset="0"/>
+                    <a:ea typeface="宋体" panose="02010600030101010101" pitchFamily="2" charset="-122"/>
+                  </a:defRPr>
+                </a:lvl4pPr>
+                <a:lvl5pPr marL="2057400" indent="-228600">
+                  <a:defRPr>
+                    <a:solidFill>
+                      <a:schemeClr val="tx1"/>
+                    </a:solidFill>
+                    <a:latin typeface="Calibri" panose="020F0502020204030204" pitchFamily="34" charset="0"/>
+                    <a:ea typeface="宋体" panose="02010600030101010101" pitchFamily="2" charset="-122"/>
+                  </a:defRPr>
+                </a:lvl5pPr>
+                <a:lvl6pPr marL="2514600" indent="-228600" eaLnBrk="0" fontAlgn="base" hangingPunct="0">
+                  <a:spcBef>
+                    <a:spcPct val="0"/>
+                  </a:spcBef>
+                  <a:spcAft>
+                    <a:spcPct val="0"/>
+                  </a:spcAft>
+                  <a:defRPr>
+                    <a:solidFill>
+                      <a:schemeClr val="tx1"/>
+                    </a:solidFill>
+                    <a:latin typeface="Calibri" panose="020F0502020204030204" pitchFamily="34" charset="0"/>
+                    <a:ea typeface="宋体" panose="02010600030101010101" pitchFamily="2" charset="-122"/>
+                  </a:defRPr>
+                </a:lvl6pPr>
+                <a:lvl7pPr marL="2971800" indent="-228600" eaLnBrk="0" fontAlgn="base" hangingPunct="0">
+                  <a:spcBef>
+                    <a:spcPct val="0"/>
+                  </a:spcBef>
+                  <a:spcAft>
+                    <a:spcPct val="0"/>
+                  </a:spcAft>
+                  <a:defRPr>
+                    <a:solidFill>
+                      <a:schemeClr val="tx1"/>
+                    </a:solidFill>
+                    <a:latin typeface="Calibri" panose="020F0502020204030204" pitchFamily="34" charset="0"/>
+                    <a:ea typeface="宋体" panose="02010600030101010101" pitchFamily="2" charset="-122"/>
+                  </a:defRPr>
+                </a:lvl7pPr>
+                <a:lvl8pPr marL="3429000" indent="-228600" eaLnBrk="0" fontAlgn="base" hangingPunct="0">
+                  <a:spcBef>
+                    <a:spcPct val="0"/>
+                  </a:spcBef>
+                  <a:spcAft>
+                    <a:spcPct val="0"/>
+                  </a:spcAft>
+                  <a:defRPr>
+                    <a:solidFill>
+                      <a:schemeClr val="tx1"/>
+                    </a:solidFill>
+                    <a:latin typeface="Calibri" panose="020F0502020204030204" pitchFamily="34" charset="0"/>
+                    <a:ea typeface="宋体" panose="02010600030101010101" pitchFamily="2" charset="-122"/>
+                  </a:defRPr>
+                </a:lvl8pPr>
+                <a:lvl9pPr marL="3886200" indent="-228600" eaLnBrk="0" fontAlgn="base" hangingPunct="0">
+                  <a:spcBef>
+                    <a:spcPct val="0"/>
+                  </a:spcBef>
+                  <a:spcAft>
+                    <a:spcPct val="0"/>
+                  </a:spcAft>
+                  <a:defRPr>
+                    <a:solidFill>
+                      <a:schemeClr val="tx1"/>
+                    </a:solidFill>
+                    <a:latin typeface="Calibri" panose="020F0502020204030204" pitchFamily="34" charset="0"/>
+                    <a:ea typeface="宋体" panose="02010600030101010101" pitchFamily="2" charset="-122"/>
+                  </a:defRPr>
+                </a:lvl9pPr>
+              </a:lstStyle>
+              <a:p>
+                <a:pPr defTabSz="914126"/>
+                <a:r>
+                  <a:rPr lang="zh-CN" altLang="en-US" sz="2799" b="1">
+                    <a:solidFill>
+                      <a:prstClr val="black"/>
+                    </a:solidFill>
+                    <a:latin typeface="微软雅黑" panose="020B0503020204020204" pitchFamily="34" charset="-122"/>
+                    <a:ea typeface="微软雅黑" panose="020B0503020204020204" pitchFamily="34" charset="-122"/>
+                  </a:rPr>
+                  <a:t>基于</a:t>
+                </a:r>
+                <a:r>
+                  <a:rPr lang="en-US" altLang="zh-CN" sz="2799" b="1">
+                    <a:solidFill>
+                      <a:prstClr val="black"/>
+                    </a:solidFill>
+                    <a:latin typeface="微软雅黑" panose="020B0503020204020204" pitchFamily="34" charset="-122"/>
+                    <a:ea typeface="微软雅黑" panose="020B0503020204020204" pitchFamily="34" charset="-122"/>
+                  </a:rPr>
+                  <a:t>VGG-SSD</a:t>
+                </a:r>
+                <a:r>
+                  <a:rPr lang="zh-CN" altLang="en-US" sz="2799" b="1">
+                    <a:solidFill>
+                      <a:prstClr val="black"/>
+                    </a:solidFill>
+                    <a:latin typeface="微软雅黑" panose="020B0503020204020204" pitchFamily="34" charset="-122"/>
+                    <a:ea typeface="微软雅黑" panose="020B0503020204020204" pitchFamily="34" charset="-122"/>
+                  </a:rPr>
+                  <a:t>模型的车辆检测</a:t>
+                </a:r>
+                <a:endParaRPr lang="zh-CN" altLang="en-US" sz="4399" b="1" kern="0" dirty="0">
+                  <a:solidFill>
+                    <a:srgbClr val="006666"/>
+                  </a:solidFill>
+                  <a:latin typeface="微软雅黑" panose="020B0503020204020204" pitchFamily="34" charset="-122"/>
+                  <a:ea typeface="微软雅黑" panose="020B0503020204020204" pitchFamily="34" charset="-122"/>
+                  <a:cs typeface="+mn-ea"/>
+                  <a:sym typeface="+mn-lt"/>
+                </a:endParaRPr>
+              </a:p>
+            </p:txBody>
+          </p:sp>
+        </p:grpSp>
+      </p:grpSp>
+    </p:spTree>
+    <p:extLst>
+      <p:ext uri="{BB962C8B-B14F-4D97-AF65-F5344CB8AC3E}">
+        <p14:creationId xmlns:p14="http://schemas.microsoft.com/office/powerpoint/2010/main" val="600726849"/>
+      </p:ext>
+    </p:extLst>
+  </p:cSld>
+  <p:clrMapOvr>
+    <a:masterClrMapping/>
+  </p:clrMapOvr>
+</p:sld>
+</file>
+
+<file path=ppt/slides/slide10.xml><?xml version="1.0" encoding="utf-8"?>
+<p:sld xmlns:a="http://schemas.openxmlformats.org/drawingml/2006/main" xmlns:r="http://schemas.openxmlformats.org/officeDocument/2006/relationships" xmlns:p="http://schemas.openxmlformats.org/presentationml/2006/main">
+  <p:cSld>
+    <p:spTree>
+      <p:nvGrpSpPr>
+        <p:cNvPr id="1" name=""/>
+        <p:cNvGrpSpPr/>
+        <p:nvPr/>
+      </p:nvGrpSpPr>
+      <p:grpSpPr>
+        <a:xfrm>
+          <a:off x="0" y="0"/>
+          <a:ext cx="0" cy="0"/>
+          <a:chOff x="0" y="0"/>
+          <a:chExt cx="0" cy="0"/>
+        </a:xfrm>
+      </p:grpSpPr>
+      <p:sp>
+        <p:nvSpPr>
+          <p:cNvPr id="2" name="文本框 1">
+            <a:extLst>
+              <a:ext uri="{FF2B5EF4-FFF2-40B4-BE49-F238E27FC236}">
+                <a16:creationId xmlns:a16="http://schemas.microsoft.com/office/drawing/2014/main" id="{8E49EA37-3D6B-4238-98A9-651B37B285E4}"/>
               </a:ext>
             </a:extLst>
           </p:cNvPr>
@@ -4146,7 +4618,2265 @@
         </p:nvSpPr>
         <p:spPr>
           <a:xfrm>
-            <a:off x="4888524" y="2945423"/>
+            <a:off x="271504" y="914399"/>
+            <a:ext cx="1858201" cy="369332"/>
+          </a:xfrm>
+          <a:prstGeom prst="rect">
+            <a:avLst/>
+          </a:prstGeom>
+          <a:noFill/>
+        </p:spPr>
+        <p:txBody>
+          <a:bodyPr wrap="none" rtlCol="0">
+            <a:spAutoFit/>
+          </a:bodyPr>
+          <a:lstStyle/>
+          <a:p>
+            <a:pPr marL="285750" indent="-285750">
+              <a:buFont typeface="Arial" panose="020B0604020202020204" pitchFamily="34" charset="0"/>
+              <a:buChar char="•"/>
+            </a:pPr>
+            <a:r>
+              <a:rPr lang="zh-CN" altLang="en-US">
+                <a:latin typeface="微软雅黑" panose="020B0503020204020204" pitchFamily="34" charset="-122"/>
+                <a:ea typeface="微软雅黑" panose="020B0503020204020204" pitchFamily="34" charset="-122"/>
+              </a:rPr>
+              <a:t>定义全局步数</a:t>
+            </a:r>
+          </a:p>
+        </p:txBody>
+      </p:sp>
+      <p:sp>
+        <p:nvSpPr>
+          <p:cNvPr id="3" name="文本框 2">
+            <a:extLst>
+              <a:ext uri="{FF2B5EF4-FFF2-40B4-BE49-F238E27FC236}">
+                <a16:creationId xmlns:a16="http://schemas.microsoft.com/office/drawing/2014/main" id="{3BA5494D-ED66-4707-8693-43252B5716B5}"/>
+              </a:ext>
+            </a:extLst>
+          </p:cNvPr>
+          <p:cNvSpPr txBox="1"/>
+          <p:nvPr/>
+        </p:nvSpPr>
+        <p:spPr>
+          <a:xfrm>
+            <a:off x="170430" y="212220"/>
+            <a:ext cx="1107996" cy="369332"/>
+          </a:xfrm>
+          <a:prstGeom prst="rect">
+            <a:avLst/>
+          </a:prstGeom>
+          <a:noFill/>
+        </p:spPr>
+        <p:txBody>
+          <a:bodyPr wrap="none" rtlCol="0">
+            <a:spAutoFit/>
+          </a:bodyPr>
+          <a:lstStyle/>
+          <a:p>
+            <a:r>
+              <a:rPr lang="zh-CN" altLang="en-US">
+                <a:solidFill>
+                  <a:srgbClr val="006666"/>
+                </a:solidFill>
+                <a:latin typeface="微软雅黑" panose="020B0503020204020204" pitchFamily="34" charset="-122"/>
+                <a:ea typeface="微软雅黑" panose="020B0503020204020204" pitchFamily="34" charset="-122"/>
+              </a:rPr>
+              <a:t>代码逻辑</a:t>
+            </a:r>
+          </a:p>
+        </p:txBody>
+      </p:sp>
+      <p:pic>
+        <p:nvPicPr>
+          <p:cNvPr id="4" name="图片 3">
+            <a:extLst>
+              <a:ext uri="{FF2B5EF4-FFF2-40B4-BE49-F238E27FC236}">
+                <a16:creationId xmlns:a16="http://schemas.microsoft.com/office/drawing/2014/main" id="{35E8FC4D-62C2-4E1C-AB69-C032BF97F146}"/>
+              </a:ext>
+            </a:extLst>
+          </p:cNvPr>
+          <p:cNvPicPr>
+            <a:picLocks noChangeAspect="1"/>
+          </p:cNvPicPr>
+          <p:nvPr/>
+        </p:nvPicPr>
+        <p:blipFill>
+          <a:blip r:embed="rId2"/>
+          <a:stretch>
+            <a:fillRect/>
+          </a:stretch>
+        </p:blipFill>
+        <p:spPr>
+          <a:xfrm>
+            <a:off x="319360" y="1499927"/>
+            <a:ext cx="5523176" cy="1380794"/>
+          </a:xfrm>
+          <a:prstGeom prst="rect">
+            <a:avLst/>
+          </a:prstGeom>
+        </p:spPr>
+      </p:pic>
+      <p:sp>
+        <p:nvSpPr>
+          <p:cNvPr id="5" name="文本框 4">
+            <a:extLst>
+              <a:ext uri="{FF2B5EF4-FFF2-40B4-BE49-F238E27FC236}">
+                <a16:creationId xmlns:a16="http://schemas.microsoft.com/office/drawing/2014/main" id="{A471ED8A-4C81-44C8-8834-84B4057A07AF}"/>
+              </a:ext>
+            </a:extLst>
+          </p:cNvPr>
+          <p:cNvSpPr txBox="1"/>
+          <p:nvPr/>
+        </p:nvSpPr>
+        <p:spPr>
+          <a:xfrm>
+            <a:off x="271504" y="3551352"/>
+            <a:ext cx="8569975" cy="1200329"/>
+          </a:xfrm>
+          <a:prstGeom prst="rect">
+            <a:avLst/>
+          </a:prstGeom>
+          <a:noFill/>
+        </p:spPr>
+        <p:txBody>
+          <a:bodyPr wrap="none" rtlCol="0">
+            <a:spAutoFit/>
+          </a:bodyPr>
+          <a:lstStyle/>
+          <a:p>
+            <a:pPr marL="285750" indent="-285750">
+              <a:buFont typeface="Arial" panose="020B0604020202020204" pitchFamily="34" charset="0"/>
+              <a:buChar char="•"/>
+            </a:pPr>
+            <a:r>
+              <a:rPr lang="zh-CN" altLang="en-US">
+                <a:latin typeface="微软雅黑" panose="020B0503020204020204" pitchFamily="34" charset="-122"/>
+                <a:ea typeface="微软雅黑" panose="020B0503020204020204" pitchFamily="34" charset="-122"/>
+              </a:rPr>
+              <a:t>获取图片队列数据</a:t>
+            </a:r>
+            <a:endParaRPr lang="en-US" altLang="zh-CN">
+              <a:latin typeface="微软雅黑" panose="020B0503020204020204" pitchFamily="34" charset="-122"/>
+              <a:ea typeface="微软雅黑" panose="020B0503020204020204" pitchFamily="34" charset="-122"/>
+            </a:endParaRPr>
+          </a:p>
+          <a:p>
+            <a:pPr marL="742950" lvl="1" indent="-285750">
+              <a:buFont typeface="Wingdings" panose="05000000000000000000" pitchFamily="2" charset="2"/>
+              <a:buChar char="Ø"/>
+            </a:pPr>
+            <a:r>
+              <a:rPr lang="en-US" altLang="zh-CN">
+                <a:latin typeface="微软雅黑" panose="020B0503020204020204" pitchFamily="34" charset="-122"/>
+                <a:ea typeface="微软雅黑" panose="020B0503020204020204" pitchFamily="34" charset="-122"/>
+              </a:rPr>
+              <a:t>slim.dataset_data_provider.DatasetDataProvider()</a:t>
+            </a:r>
+            <a:r>
+              <a:rPr lang="zh-CN" altLang="en-US">
+                <a:latin typeface="微软雅黑" panose="020B0503020204020204" pitchFamily="34" charset="-122"/>
+                <a:ea typeface="微软雅黑" panose="020B0503020204020204" pitchFamily="34" charset="-122"/>
+              </a:rPr>
+              <a:t>通过</a:t>
+            </a:r>
+            <a:r>
+              <a:rPr lang="en-US" altLang="zh-CN">
+                <a:latin typeface="微软雅黑" panose="020B0503020204020204" pitchFamily="34" charset="-122"/>
+                <a:ea typeface="微软雅黑" panose="020B0503020204020204" pitchFamily="34" charset="-122"/>
+              </a:rPr>
+              <a:t>get</a:t>
+            </a:r>
+            <a:r>
+              <a:rPr lang="zh-CN" altLang="en-US">
+                <a:latin typeface="微软雅黑" panose="020B0503020204020204" pitchFamily="34" charset="-122"/>
+                <a:ea typeface="微软雅黑" panose="020B0503020204020204" pitchFamily="34" charset="-122"/>
+              </a:rPr>
+              <a:t>方法获取数据</a:t>
+            </a:r>
+            <a:endParaRPr lang="en-US" altLang="zh-CN">
+              <a:latin typeface="微软雅黑" panose="020B0503020204020204" pitchFamily="34" charset="-122"/>
+              <a:ea typeface="微软雅黑" panose="020B0503020204020204" pitchFamily="34" charset="-122"/>
+            </a:endParaRPr>
+          </a:p>
+          <a:p>
+            <a:pPr marL="742950" lvl="1" indent="-285750">
+              <a:buFont typeface="Wingdings" panose="05000000000000000000" pitchFamily="2" charset="2"/>
+              <a:buChar char="Ø"/>
+            </a:pPr>
+            <a:r>
+              <a:rPr lang="zh-CN" altLang="en-US">
+                <a:latin typeface="微软雅黑" panose="020B0503020204020204" pitchFamily="34" charset="-122"/>
+                <a:ea typeface="微软雅黑" panose="020B0503020204020204" pitchFamily="34" charset="-122"/>
+              </a:rPr>
+              <a:t>数据增强</a:t>
+            </a:r>
+            <a:endParaRPr lang="en-US" altLang="zh-CN">
+              <a:latin typeface="微软雅黑" panose="020B0503020204020204" pitchFamily="34" charset="-122"/>
+              <a:ea typeface="微软雅黑" panose="020B0503020204020204" pitchFamily="34" charset="-122"/>
+            </a:endParaRPr>
+          </a:p>
+          <a:p>
+            <a:pPr marL="742950" lvl="1" indent="-285750">
+              <a:buFont typeface="Wingdings" panose="05000000000000000000" pitchFamily="2" charset="2"/>
+              <a:buChar char="Ø"/>
+            </a:pPr>
+            <a:r>
+              <a:rPr lang="zh-CN" altLang="en-US">
+                <a:latin typeface="微软雅黑" panose="020B0503020204020204" pitchFamily="34" charset="-122"/>
+                <a:ea typeface="微软雅黑" panose="020B0503020204020204" pitchFamily="34" charset="-122"/>
+              </a:rPr>
+              <a:t>将样本组成一个</a:t>
+            </a:r>
+            <a:r>
+              <a:rPr lang="en-US" altLang="zh-CN">
+                <a:latin typeface="微软雅黑" panose="020B0503020204020204" pitchFamily="34" charset="-122"/>
+                <a:ea typeface="微软雅黑" panose="020B0503020204020204" pitchFamily="34" charset="-122"/>
+              </a:rPr>
+              <a:t>batch</a:t>
+            </a:r>
+            <a:r>
+              <a:rPr lang="zh-CN" altLang="en-US">
+                <a:latin typeface="微软雅黑" panose="020B0503020204020204" pitchFamily="34" charset="-122"/>
+                <a:ea typeface="微软雅黑" panose="020B0503020204020204" pitchFamily="34" charset="-122"/>
+              </a:rPr>
+              <a:t>并放入队列</a:t>
+            </a:r>
+          </a:p>
+        </p:txBody>
+      </p:sp>
+    </p:spTree>
+    <p:extLst>
+      <p:ext uri="{BB962C8B-B14F-4D97-AF65-F5344CB8AC3E}">
+        <p14:creationId xmlns:p14="http://schemas.microsoft.com/office/powerpoint/2010/main" val="3392660019"/>
+      </p:ext>
+    </p:extLst>
+  </p:cSld>
+  <p:clrMapOvr>
+    <a:masterClrMapping/>
+  </p:clrMapOvr>
+</p:sld>
+</file>
+
+<file path=ppt/slides/slide11.xml><?xml version="1.0" encoding="utf-8"?>
+<p:sld xmlns:a="http://schemas.openxmlformats.org/drawingml/2006/main" xmlns:r="http://schemas.openxmlformats.org/officeDocument/2006/relationships" xmlns:p="http://schemas.openxmlformats.org/presentationml/2006/main">
+  <p:cSld>
+    <p:spTree>
+      <p:nvGrpSpPr>
+        <p:cNvPr id="1" name=""/>
+        <p:cNvGrpSpPr/>
+        <p:nvPr/>
+      </p:nvGrpSpPr>
+      <p:grpSpPr>
+        <a:xfrm>
+          <a:off x="0" y="0"/>
+          <a:ext cx="0" cy="0"/>
+          <a:chOff x="0" y="0"/>
+          <a:chExt cx="0" cy="0"/>
+        </a:xfrm>
+      </p:grpSpPr>
+      <p:sp>
+        <p:nvSpPr>
+          <p:cNvPr id="2" name="文本框 1">
+            <a:extLst>
+              <a:ext uri="{FF2B5EF4-FFF2-40B4-BE49-F238E27FC236}">
+                <a16:creationId xmlns:a16="http://schemas.microsoft.com/office/drawing/2014/main" id="{E2207D8A-1AF3-4134-A108-ED2ABBC4DB7B}"/>
+              </a:ext>
+            </a:extLst>
+          </p:cNvPr>
+          <p:cNvSpPr txBox="1"/>
+          <p:nvPr/>
+        </p:nvSpPr>
+        <p:spPr>
+          <a:xfrm>
+            <a:off x="318827" y="709792"/>
+            <a:ext cx="3463099" cy="369332"/>
+          </a:xfrm>
+          <a:prstGeom prst="rect">
+            <a:avLst/>
+          </a:prstGeom>
+          <a:noFill/>
+        </p:spPr>
+        <p:txBody>
+          <a:bodyPr wrap="square" rtlCol="0">
+            <a:spAutoFit/>
+          </a:bodyPr>
+          <a:lstStyle/>
+          <a:p>
+            <a:pPr marL="285750" indent="-285750">
+              <a:buFont typeface="Arial" panose="020B0604020202020204" pitchFamily="34" charset="0"/>
+              <a:buChar char="•"/>
+            </a:pPr>
+            <a:r>
+              <a:rPr lang="zh-CN" altLang="en-US">
+                <a:latin typeface="微软雅黑" panose="020B0503020204020204" pitchFamily="34" charset="-122"/>
+                <a:ea typeface="微软雅黑" panose="020B0503020204020204" pitchFamily="34" charset="-122"/>
+              </a:rPr>
+              <a:t>复制模型到不同的</a:t>
+            </a:r>
+            <a:r>
+              <a:rPr lang="en-US" altLang="zh-CN">
+                <a:latin typeface="微软雅黑" panose="020B0503020204020204" pitchFamily="34" charset="-122"/>
+                <a:ea typeface="微软雅黑" panose="020B0503020204020204" pitchFamily="34" charset="-122"/>
+              </a:rPr>
+              <a:t>GPU</a:t>
+            </a:r>
+            <a:r>
+              <a:rPr lang="zh-CN" altLang="en-US">
+                <a:latin typeface="微软雅黑" panose="020B0503020204020204" pitchFamily="34" charset="-122"/>
+                <a:ea typeface="微软雅黑" panose="020B0503020204020204" pitchFamily="34" charset="-122"/>
+              </a:rPr>
+              <a:t>设备</a:t>
+            </a:r>
+          </a:p>
+        </p:txBody>
+      </p:sp>
+      <p:pic>
+        <p:nvPicPr>
+          <p:cNvPr id="4" name="图片 3">
+            <a:extLst>
+              <a:ext uri="{FF2B5EF4-FFF2-40B4-BE49-F238E27FC236}">
+                <a16:creationId xmlns:a16="http://schemas.microsoft.com/office/drawing/2014/main" id="{7B018B5A-61C1-4612-B087-19F735FBC3BE}"/>
+              </a:ext>
+            </a:extLst>
+          </p:cNvPr>
+          <p:cNvPicPr>
+            <a:picLocks noChangeAspect="1"/>
+          </p:cNvPicPr>
+          <p:nvPr/>
+        </p:nvPicPr>
+        <p:blipFill>
+          <a:blip r:embed="rId3"/>
+          <a:stretch>
+            <a:fillRect/>
+          </a:stretch>
+        </p:blipFill>
+        <p:spPr>
+          <a:xfrm>
+            <a:off x="318827" y="1147198"/>
+            <a:ext cx="7295004" cy="3037760"/>
+          </a:xfrm>
+          <a:prstGeom prst="rect">
+            <a:avLst/>
+          </a:prstGeom>
+        </p:spPr>
+      </p:pic>
+      <p:grpSp>
+        <p:nvGrpSpPr>
+          <p:cNvPr id="5" name="组合 4">
+            <a:extLst>
+              <a:ext uri="{FF2B5EF4-FFF2-40B4-BE49-F238E27FC236}">
+                <a16:creationId xmlns:a16="http://schemas.microsoft.com/office/drawing/2014/main" id="{23615748-F138-40E6-8DF0-ED0CD25BAC67}"/>
+              </a:ext>
+            </a:extLst>
+          </p:cNvPr>
+          <p:cNvGrpSpPr/>
+          <p:nvPr/>
+        </p:nvGrpSpPr>
+        <p:grpSpPr>
+          <a:xfrm>
+            <a:off x="318827" y="4316951"/>
+            <a:ext cx="6253956" cy="2541049"/>
+            <a:chOff x="1867593" y="1384069"/>
+            <a:chExt cx="6253956" cy="2541049"/>
+          </a:xfrm>
+        </p:grpSpPr>
+        <p:sp>
+          <p:nvSpPr>
+            <p:cNvPr id="6" name="矩形 5">
+              <a:extLst>
+                <a:ext uri="{FF2B5EF4-FFF2-40B4-BE49-F238E27FC236}">
+                  <a16:creationId xmlns:a16="http://schemas.microsoft.com/office/drawing/2014/main" id="{B3C8FF5A-5B52-44A2-90EA-FD7DCC2C47C3}"/>
+                </a:ext>
+              </a:extLst>
+            </p:cNvPr>
+            <p:cNvSpPr/>
+            <p:nvPr/>
+          </p:nvSpPr>
+          <p:spPr>
+            <a:xfrm>
+              <a:off x="1867593" y="1388225"/>
+              <a:ext cx="698269" cy="764771"/>
+            </a:xfrm>
+            <a:prstGeom prst="rect">
+              <a:avLst/>
+            </a:prstGeom>
+            <a:noFill/>
+            <a:ln w="28575">
+              <a:solidFill>
+                <a:srgbClr val="FF0000"/>
+              </a:solidFill>
+            </a:ln>
+          </p:spPr>
+          <p:style>
+            <a:lnRef idx="2">
+              <a:schemeClr val="accent1">
+                <a:shade val="50000"/>
+              </a:schemeClr>
+            </a:lnRef>
+            <a:fillRef idx="1">
+              <a:schemeClr val="accent1"/>
+            </a:fillRef>
+            <a:effectRef idx="0">
+              <a:schemeClr val="accent1"/>
+            </a:effectRef>
+            <a:fontRef idx="minor">
+              <a:schemeClr val="lt1"/>
+            </a:fontRef>
+          </p:style>
+          <p:txBody>
+            <a:bodyPr rtlCol="0" anchor="ctr"/>
+            <a:lstStyle/>
+            <a:p>
+              <a:pPr algn="ctr"/>
+              <a:r>
+                <a:rPr lang="en-US" altLang="zh-CN">
+                  <a:solidFill>
+                    <a:schemeClr val="tx1"/>
+                  </a:solidFill>
+                  <a:latin typeface="微软雅黑" panose="020B0503020204020204" pitchFamily="34" charset="-122"/>
+                  <a:ea typeface="微软雅黑" panose="020B0503020204020204" pitchFamily="34" charset="-122"/>
+                </a:rPr>
+                <a:t>GPU</a:t>
+              </a:r>
+              <a:endParaRPr lang="zh-CN" altLang="en-US">
+                <a:solidFill>
+                  <a:schemeClr val="tx1"/>
+                </a:solidFill>
+                <a:latin typeface="微软雅黑" panose="020B0503020204020204" pitchFamily="34" charset="-122"/>
+                <a:ea typeface="微软雅黑" panose="020B0503020204020204" pitchFamily="34" charset="-122"/>
+              </a:endParaRPr>
+            </a:p>
+          </p:txBody>
+        </p:sp>
+        <p:sp>
+          <p:nvSpPr>
+            <p:cNvPr id="7" name="矩形 6">
+              <a:extLst>
+                <a:ext uri="{FF2B5EF4-FFF2-40B4-BE49-F238E27FC236}">
+                  <a16:creationId xmlns:a16="http://schemas.microsoft.com/office/drawing/2014/main" id="{122D676B-0852-4402-9361-72DE43A6E8FB}"/>
+                </a:ext>
+              </a:extLst>
+            </p:cNvPr>
+            <p:cNvSpPr/>
+            <p:nvPr/>
+          </p:nvSpPr>
+          <p:spPr>
+            <a:xfrm>
+              <a:off x="4098174" y="1384069"/>
+              <a:ext cx="698269" cy="764771"/>
+            </a:xfrm>
+            <a:prstGeom prst="rect">
+              <a:avLst/>
+            </a:prstGeom>
+            <a:noFill/>
+            <a:ln w="28575">
+              <a:solidFill>
+                <a:srgbClr val="FF0000"/>
+              </a:solidFill>
+            </a:ln>
+          </p:spPr>
+          <p:style>
+            <a:lnRef idx="2">
+              <a:schemeClr val="accent1">
+                <a:shade val="50000"/>
+              </a:schemeClr>
+            </a:lnRef>
+            <a:fillRef idx="1">
+              <a:schemeClr val="accent1"/>
+            </a:fillRef>
+            <a:effectRef idx="0">
+              <a:schemeClr val="accent1"/>
+            </a:effectRef>
+            <a:fontRef idx="minor">
+              <a:schemeClr val="lt1"/>
+            </a:fontRef>
+          </p:style>
+          <p:txBody>
+            <a:bodyPr rtlCol="0" anchor="ctr"/>
+            <a:lstStyle/>
+            <a:p>
+              <a:pPr algn="ctr"/>
+              <a:r>
+                <a:rPr lang="en-US" altLang="zh-CN">
+                  <a:solidFill>
+                    <a:schemeClr val="tx1"/>
+                  </a:solidFill>
+                  <a:latin typeface="微软雅黑" panose="020B0503020204020204" pitchFamily="34" charset="-122"/>
+                  <a:ea typeface="微软雅黑" panose="020B0503020204020204" pitchFamily="34" charset="-122"/>
+                </a:rPr>
+                <a:t>GPU</a:t>
+              </a:r>
+              <a:endParaRPr lang="zh-CN" altLang="en-US">
+                <a:solidFill>
+                  <a:schemeClr val="tx1"/>
+                </a:solidFill>
+                <a:latin typeface="微软雅黑" panose="020B0503020204020204" pitchFamily="34" charset="-122"/>
+                <a:ea typeface="微软雅黑" panose="020B0503020204020204" pitchFamily="34" charset="-122"/>
+              </a:endParaRPr>
+            </a:p>
+          </p:txBody>
+        </p:sp>
+        <p:sp>
+          <p:nvSpPr>
+            <p:cNvPr id="8" name="矩形 7">
+              <a:extLst>
+                <a:ext uri="{FF2B5EF4-FFF2-40B4-BE49-F238E27FC236}">
+                  <a16:creationId xmlns:a16="http://schemas.microsoft.com/office/drawing/2014/main" id="{2D0724D9-2EE2-4A6E-A271-C1723D4DC1DB}"/>
+                </a:ext>
+              </a:extLst>
+            </p:cNvPr>
+            <p:cNvSpPr/>
+            <p:nvPr/>
+          </p:nvSpPr>
+          <p:spPr>
+            <a:xfrm>
+              <a:off x="6328756" y="1384069"/>
+              <a:ext cx="698269" cy="764771"/>
+            </a:xfrm>
+            <a:prstGeom prst="rect">
+              <a:avLst/>
+            </a:prstGeom>
+            <a:noFill/>
+            <a:ln w="28575">
+              <a:solidFill>
+                <a:srgbClr val="FF0000"/>
+              </a:solidFill>
+            </a:ln>
+          </p:spPr>
+          <p:style>
+            <a:lnRef idx="2">
+              <a:schemeClr val="accent1">
+                <a:shade val="50000"/>
+              </a:schemeClr>
+            </a:lnRef>
+            <a:fillRef idx="1">
+              <a:schemeClr val="accent1"/>
+            </a:fillRef>
+            <a:effectRef idx="0">
+              <a:schemeClr val="accent1"/>
+            </a:effectRef>
+            <a:fontRef idx="minor">
+              <a:schemeClr val="lt1"/>
+            </a:fontRef>
+          </p:style>
+          <p:txBody>
+            <a:bodyPr rtlCol="0" anchor="ctr"/>
+            <a:lstStyle/>
+            <a:p>
+              <a:pPr algn="ctr"/>
+              <a:r>
+                <a:rPr lang="en-US" altLang="zh-CN">
+                  <a:solidFill>
+                    <a:schemeClr val="tx1"/>
+                  </a:solidFill>
+                  <a:latin typeface="微软雅黑" panose="020B0503020204020204" pitchFamily="34" charset="-122"/>
+                  <a:ea typeface="微软雅黑" panose="020B0503020204020204" pitchFamily="34" charset="-122"/>
+                </a:rPr>
+                <a:t>GPU</a:t>
+              </a:r>
+              <a:endParaRPr lang="zh-CN" altLang="en-US">
+                <a:solidFill>
+                  <a:schemeClr val="tx1"/>
+                </a:solidFill>
+                <a:latin typeface="微软雅黑" panose="020B0503020204020204" pitchFamily="34" charset="-122"/>
+                <a:ea typeface="微软雅黑" panose="020B0503020204020204" pitchFamily="34" charset="-122"/>
+              </a:endParaRPr>
+            </a:p>
+          </p:txBody>
+        </p:sp>
+        <p:sp>
+          <p:nvSpPr>
+            <p:cNvPr id="9" name="文本框 8">
+              <a:extLst>
+                <a:ext uri="{FF2B5EF4-FFF2-40B4-BE49-F238E27FC236}">
+                  <a16:creationId xmlns:a16="http://schemas.microsoft.com/office/drawing/2014/main" id="{35700B15-077B-48AB-BD34-1F11C03F61C3}"/>
+                </a:ext>
+              </a:extLst>
+            </p:cNvPr>
+            <p:cNvSpPr txBox="1"/>
+            <p:nvPr/>
+          </p:nvSpPr>
+          <p:spPr>
+            <a:xfrm>
+              <a:off x="1867593" y="2909455"/>
+              <a:ext cx="6253956" cy="1015663"/>
+            </a:xfrm>
+            <a:prstGeom prst="rect">
+              <a:avLst/>
+            </a:prstGeom>
+            <a:noFill/>
+          </p:spPr>
+          <p:txBody>
+            <a:bodyPr wrap="none" rtlCol="0">
+              <a:spAutoFit/>
+            </a:bodyPr>
+            <a:lstStyle/>
+            <a:p>
+              <a:r>
+                <a:rPr lang="zh-CN" altLang="en-US" sz="1500">
+                  <a:latin typeface="微软雅黑" panose="020B0503020204020204" pitchFamily="34" charset="-122"/>
+                  <a:ea typeface="微软雅黑" panose="020B0503020204020204" pitchFamily="34" charset="-122"/>
+                </a:rPr>
+                <a:t>假设有三个</a:t>
+              </a:r>
+              <a:r>
+                <a:rPr lang="en-US" altLang="zh-CN" sz="1500">
+                  <a:latin typeface="微软雅黑" panose="020B0503020204020204" pitchFamily="34" charset="-122"/>
+                  <a:ea typeface="微软雅黑" panose="020B0503020204020204" pitchFamily="34" charset="-122"/>
+                </a:rPr>
+                <a:t>GPU</a:t>
+              </a:r>
+              <a:r>
+                <a:rPr lang="zh-CN" altLang="en-US" sz="1500">
+                  <a:latin typeface="微软雅黑" panose="020B0503020204020204" pitchFamily="34" charset="-122"/>
+                  <a:ea typeface="微软雅黑" panose="020B0503020204020204" pitchFamily="34" charset="-122"/>
+                </a:rPr>
+                <a:t>，</a:t>
+              </a:r>
+              <a:endParaRPr lang="en-US" altLang="zh-CN" sz="1500">
+                <a:latin typeface="微软雅黑" panose="020B0503020204020204" pitchFamily="34" charset="-122"/>
+                <a:ea typeface="微软雅黑" panose="020B0503020204020204" pitchFamily="34" charset="-122"/>
+              </a:endParaRPr>
+            </a:p>
+            <a:p>
+              <a:r>
+                <a:rPr lang="en-US" altLang="zh-CN" sz="1500">
+                  <a:latin typeface="微软雅黑" panose="020B0503020204020204" pitchFamily="34" charset="-122"/>
+                  <a:ea typeface="微软雅黑" panose="020B0503020204020204" pitchFamily="34" charset="-122"/>
+                </a:rPr>
+                <a:t>train_tools.deploy_loss_summary</a:t>
+              </a:r>
+              <a:r>
+                <a:rPr lang="zh-CN" altLang="en-US" sz="1500">
+                  <a:latin typeface="微软雅黑" panose="020B0503020204020204" pitchFamily="34" charset="-122"/>
+                  <a:ea typeface="微软雅黑" panose="020B0503020204020204" pitchFamily="34" charset="-122"/>
+                </a:rPr>
+                <a:t>会将 数据</a:t>
+              </a:r>
+              <a:r>
+                <a:rPr lang="en-US" altLang="zh-CN" sz="1500">
+                  <a:latin typeface="微软雅黑" panose="020B0503020204020204" pitchFamily="34" charset="-122"/>
+                  <a:ea typeface="微软雅黑" panose="020B0503020204020204" pitchFamily="34" charset="-122"/>
+                </a:rPr>
+                <a:t>-&gt;</a:t>
+              </a:r>
+              <a:r>
+                <a:rPr lang="zh-CN" altLang="en-US" sz="1500">
+                  <a:latin typeface="微软雅黑" panose="020B0503020204020204" pitchFamily="34" charset="-122"/>
+                  <a:ea typeface="微软雅黑" panose="020B0503020204020204" pitchFamily="34" charset="-122"/>
+                </a:rPr>
+                <a:t>模型</a:t>
+              </a:r>
+              <a:r>
+                <a:rPr lang="en-US" altLang="zh-CN" sz="1500">
+                  <a:latin typeface="微软雅黑" panose="020B0503020204020204" pitchFamily="34" charset="-122"/>
+                  <a:ea typeface="微软雅黑" panose="020B0503020204020204" pitchFamily="34" charset="-122"/>
+                </a:rPr>
+                <a:t>-&gt;</a:t>
+              </a:r>
+              <a:r>
+                <a:rPr lang="zh-CN" altLang="en-US" sz="1500">
+                  <a:latin typeface="微软雅黑" panose="020B0503020204020204" pitchFamily="34" charset="-122"/>
+                  <a:ea typeface="微软雅黑" panose="020B0503020204020204" pitchFamily="34" charset="-122"/>
+                </a:rPr>
+                <a:t>预测结果</a:t>
+              </a:r>
+              <a:r>
+                <a:rPr lang="en-US" altLang="zh-CN" sz="1500">
+                  <a:latin typeface="微软雅黑" panose="020B0503020204020204" pitchFamily="34" charset="-122"/>
+                  <a:ea typeface="微软雅黑" panose="020B0503020204020204" pitchFamily="34" charset="-122"/>
+                </a:rPr>
+                <a:t>-&gt;</a:t>
+              </a:r>
+              <a:r>
+                <a:rPr lang="zh-CN" altLang="en-US" sz="1500">
+                  <a:latin typeface="微软雅黑" panose="020B0503020204020204" pitchFamily="34" charset="-122"/>
+                  <a:ea typeface="微软雅黑" panose="020B0503020204020204" pitchFamily="34" charset="-122"/>
+                </a:rPr>
+                <a:t>损失</a:t>
+              </a:r>
+              <a:endParaRPr lang="en-US" altLang="zh-CN" sz="1500">
+                <a:latin typeface="微软雅黑" panose="020B0503020204020204" pitchFamily="34" charset="-122"/>
+                <a:ea typeface="微软雅黑" panose="020B0503020204020204" pitchFamily="34" charset="-122"/>
+              </a:endParaRPr>
+            </a:p>
+            <a:p>
+              <a:r>
+                <a:rPr lang="zh-CN" altLang="en-US" sz="1500">
+                  <a:latin typeface="微软雅黑" panose="020B0503020204020204" pitchFamily="34" charset="-122"/>
+                  <a:ea typeface="微软雅黑" panose="020B0503020204020204" pitchFamily="34" charset="-122"/>
+                </a:rPr>
+                <a:t>该过程复制到三个</a:t>
+              </a:r>
+              <a:r>
+                <a:rPr lang="en-US" altLang="zh-CN" sz="1500">
+                  <a:latin typeface="微软雅黑" panose="020B0503020204020204" pitchFamily="34" charset="-122"/>
+                  <a:ea typeface="微软雅黑" panose="020B0503020204020204" pitchFamily="34" charset="-122"/>
+                </a:rPr>
+                <a:t>GPU</a:t>
+              </a:r>
+              <a:r>
+                <a:rPr lang="zh-CN" altLang="en-US" sz="1500">
+                  <a:latin typeface="微软雅黑" panose="020B0503020204020204" pitchFamily="34" charset="-122"/>
+                  <a:ea typeface="微软雅黑" panose="020B0503020204020204" pitchFamily="34" charset="-122"/>
+                </a:rPr>
+                <a:t>当中。</a:t>
+              </a:r>
+              <a:endParaRPr lang="en-US" altLang="zh-CN" sz="1500">
+                <a:latin typeface="微软雅黑" panose="020B0503020204020204" pitchFamily="34" charset="-122"/>
+                <a:ea typeface="微软雅黑" panose="020B0503020204020204" pitchFamily="34" charset="-122"/>
+              </a:endParaRPr>
+            </a:p>
+            <a:p>
+              <a:r>
+                <a:rPr lang="zh-CN" altLang="en-US" sz="1500">
+                  <a:latin typeface="微软雅黑" panose="020B0503020204020204" pitchFamily="34" charset="-122"/>
+                  <a:ea typeface="微软雅黑" panose="020B0503020204020204" pitchFamily="34" charset="-122"/>
+                </a:rPr>
+                <a:t>并且只会观察第一个设备上的变量以及损失。</a:t>
+              </a:r>
+              <a:endParaRPr lang="en-US" altLang="zh-CN" sz="1500">
+                <a:latin typeface="微软雅黑" panose="020B0503020204020204" pitchFamily="34" charset="-122"/>
+                <a:ea typeface="微软雅黑" panose="020B0503020204020204" pitchFamily="34" charset="-122"/>
+              </a:endParaRPr>
+            </a:p>
+          </p:txBody>
+        </p:sp>
+        <p:sp>
+          <p:nvSpPr>
+            <p:cNvPr id="10" name="矩形 9">
+              <a:extLst>
+                <a:ext uri="{FF2B5EF4-FFF2-40B4-BE49-F238E27FC236}">
+                  <a16:creationId xmlns:a16="http://schemas.microsoft.com/office/drawing/2014/main" id="{F631B42D-EC25-4B32-B574-EB05116BDD08}"/>
+                </a:ext>
+              </a:extLst>
+            </p:cNvPr>
+            <p:cNvSpPr/>
+            <p:nvPr/>
+          </p:nvSpPr>
+          <p:spPr>
+            <a:xfrm>
+              <a:off x="5335384" y="3186454"/>
+              <a:ext cx="2685011" cy="242546"/>
+            </a:xfrm>
+            <a:prstGeom prst="rect">
+              <a:avLst/>
+            </a:prstGeom>
+            <a:noFill/>
+            <a:ln w="28575">
+              <a:solidFill>
+                <a:srgbClr val="FF0000"/>
+              </a:solidFill>
+            </a:ln>
+          </p:spPr>
+          <p:style>
+            <a:lnRef idx="2">
+              <a:schemeClr val="accent1">
+                <a:shade val="50000"/>
+              </a:schemeClr>
+            </a:lnRef>
+            <a:fillRef idx="1">
+              <a:schemeClr val="accent1"/>
+            </a:fillRef>
+            <a:effectRef idx="0">
+              <a:schemeClr val="accent1"/>
+            </a:effectRef>
+            <a:fontRef idx="minor">
+              <a:schemeClr val="lt1"/>
+            </a:fontRef>
+          </p:style>
+          <p:txBody>
+            <a:bodyPr rtlCol="0" anchor="ctr"/>
+            <a:lstStyle/>
+            <a:p>
+              <a:pPr algn="ctr"/>
+              <a:endParaRPr lang="zh-CN" altLang="en-US">
+                <a:solidFill>
+                  <a:schemeClr val="tx1"/>
+                </a:solidFill>
+                <a:latin typeface="微软雅黑" panose="020B0503020204020204" pitchFamily="34" charset="-122"/>
+                <a:ea typeface="微软雅黑" panose="020B0503020204020204" pitchFamily="34" charset="-122"/>
+              </a:endParaRPr>
+            </a:p>
+          </p:txBody>
+        </p:sp>
+        <p:cxnSp>
+          <p:nvCxnSpPr>
+            <p:cNvPr id="11" name="直接箭头连接符 10">
+              <a:extLst>
+                <a:ext uri="{FF2B5EF4-FFF2-40B4-BE49-F238E27FC236}">
+                  <a16:creationId xmlns:a16="http://schemas.microsoft.com/office/drawing/2014/main" id="{B5D3C3E9-0F53-4E3D-BAD1-804D2129AAF2}"/>
+                </a:ext>
+              </a:extLst>
+            </p:cNvPr>
+            <p:cNvCxnSpPr>
+              <a:endCxn id="6" idx="2"/>
+            </p:cNvCxnSpPr>
+            <p:nvPr/>
+          </p:nvCxnSpPr>
+          <p:spPr>
+            <a:xfrm flipH="1" flipV="1">
+              <a:off x="2216728" y="2152996"/>
+              <a:ext cx="4461161" cy="1033458"/>
+            </a:xfrm>
+            <a:prstGeom prst="straightConnector1">
+              <a:avLst/>
+            </a:prstGeom>
+            <a:ln w="31750">
+              <a:solidFill>
+                <a:srgbClr val="FF0000"/>
+              </a:solidFill>
+              <a:tailEnd type="triangle"/>
+            </a:ln>
+          </p:spPr>
+          <p:style>
+            <a:lnRef idx="1">
+              <a:schemeClr val="accent1"/>
+            </a:lnRef>
+            <a:fillRef idx="0">
+              <a:schemeClr val="accent1"/>
+            </a:fillRef>
+            <a:effectRef idx="0">
+              <a:schemeClr val="accent1"/>
+            </a:effectRef>
+            <a:fontRef idx="minor">
+              <a:schemeClr val="tx1"/>
+            </a:fontRef>
+          </p:style>
+        </p:cxnSp>
+        <p:cxnSp>
+          <p:nvCxnSpPr>
+            <p:cNvPr id="12" name="直接箭头连接符 11">
+              <a:extLst>
+                <a:ext uri="{FF2B5EF4-FFF2-40B4-BE49-F238E27FC236}">
+                  <a16:creationId xmlns:a16="http://schemas.microsoft.com/office/drawing/2014/main" id="{97A07958-73FF-4A01-A514-D0AFE8E36F02}"/>
+                </a:ext>
+              </a:extLst>
+            </p:cNvPr>
+            <p:cNvCxnSpPr>
+              <a:cxnSpLocks/>
+              <a:stCxn id="10" idx="0"/>
+              <a:endCxn id="7" idx="2"/>
+            </p:cNvCxnSpPr>
+            <p:nvPr/>
+          </p:nvCxnSpPr>
+          <p:spPr>
+            <a:xfrm flipH="1" flipV="1">
+              <a:off x="4447309" y="2148840"/>
+              <a:ext cx="2230581" cy="1037614"/>
+            </a:xfrm>
+            <a:prstGeom prst="straightConnector1">
+              <a:avLst/>
+            </a:prstGeom>
+            <a:ln w="31750">
+              <a:solidFill>
+                <a:srgbClr val="FF0000"/>
+              </a:solidFill>
+              <a:tailEnd type="triangle"/>
+            </a:ln>
+          </p:spPr>
+          <p:style>
+            <a:lnRef idx="1">
+              <a:schemeClr val="accent1"/>
+            </a:lnRef>
+            <a:fillRef idx="0">
+              <a:schemeClr val="accent1"/>
+            </a:fillRef>
+            <a:effectRef idx="0">
+              <a:schemeClr val="accent1"/>
+            </a:effectRef>
+            <a:fontRef idx="minor">
+              <a:schemeClr val="tx1"/>
+            </a:fontRef>
+          </p:style>
+        </p:cxnSp>
+        <p:cxnSp>
+          <p:nvCxnSpPr>
+            <p:cNvPr id="13" name="直接箭头连接符 12">
+              <a:extLst>
+                <a:ext uri="{FF2B5EF4-FFF2-40B4-BE49-F238E27FC236}">
+                  <a16:creationId xmlns:a16="http://schemas.microsoft.com/office/drawing/2014/main" id="{E321D87B-C11C-44E4-AA8A-B83327B04A08}"/>
+                </a:ext>
+              </a:extLst>
+            </p:cNvPr>
+            <p:cNvCxnSpPr>
+              <a:cxnSpLocks/>
+              <a:endCxn id="8" idx="2"/>
+            </p:cNvCxnSpPr>
+            <p:nvPr/>
+          </p:nvCxnSpPr>
+          <p:spPr>
+            <a:xfrm flipV="1">
+              <a:off x="6671483" y="2148840"/>
+              <a:ext cx="6408" cy="1037614"/>
+            </a:xfrm>
+            <a:prstGeom prst="straightConnector1">
+              <a:avLst/>
+            </a:prstGeom>
+            <a:ln w="31750">
+              <a:solidFill>
+                <a:srgbClr val="FF0000"/>
+              </a:solidFill>
+              <a:tailEnd type="triangle"/>
+            </a:ln>
+          </p:spPr>
+          <p:style>
+            <a:lnRef idx="1">
+              <a:schemeClr val="accent1"/>
+            </a:lnRef>
+            <a:fillRef idx="0">
+              <a:schemeClr val="accent1"/>
+            </a:fillRef>
+            <a:effectRef idx="0">
+              <a:schemeClr val="accent1"/>
+            </a:effectRef>
+            <a:fontRef idx="minor">
+              <a:schemeClr val="tx1"/>
+            </a:fontRef>
+          </p:style>
+        </p:cxnSp>
+      </p:grpSp>
+      <p:sp>
+        <p:nvSpPr>
+          <p:cNvPr id="14" name="文本框 13">
+            <a:extLst>
+              <a:ext uri="{FF2B5EF4-FFF2-40B4-BE49-F238E27FC236}">
+                <a16:creationId xmlns:a16="http://schemas.microsoft.com/office/drawing/2014/main" id="{B91E3B2F-5613-480A-B6A1-700E9B0D9B62}"/>
+              </a:ext>
+            </a:extLst>
+          </p:cNvPr>
+          <p:cNvSpPr txBox="1"/>
+          <p:nvPr/>
+        </p:nvSpPr>
+        <p:spPr>
+          <a:xfrm>
+            <a:off x="190064" y="140160"/>
+            <a:ext cx="1107996" cy="369332"/>
+          </a:xfrm>
+          <a:prstGeom prst="rect">
+            <a:avLst/>
+          </a:prstGeom>
+          <a:noFill/>
+        </p:spPr>
+        <p:txBody>
+          <a:bodyPr wrap="none" rtlCol="0">
+            <a:spAutoFit/>
+          </a:bodyPr>
+          <a:lstStyle/>
+          <a:p>
+            <a:r>
+              <a:rPr lang="zh-CN" altLang="en-US">
+                <a:solidFill>
+                  <a:srgbClr val="006666"/>
+                </a:solidFill>
+                <a:latin typeface="微软雅黑" panose="020B0503020204020204" pitchFamily="34" charset="-122"/>
+                <a:ea typeface="微软雅黑" panose="020B0503020204020204" pitchFamily="34" charset="-122"/>
+              </a:rPr>
+              <a:t>代码逻辑</a:t>
+            </a:r>
+          </a:p>
+        </p:txBody>
+      </p:sp>
+    </p:spTree>
+    <p:extLst>
+      <p:ext uri="{BB962C8B-B14F-4D97-AF65-F5344CB8AC3E}">
+        <p14:creationId xmlns:p14="http://schemas.microsoft.com/office/powerpoint/2010/main" val="901833887"/>
+      </p:ext>
+    </p:extLst>
+  </p:cSld>
+  <p:clrMapOvr>
+    <a:masterClrMapping/>
+  </p:clrMapOvr>
+</p:sld>
+</file>
+
+<file path=ppt/slides/slide12.xml><?xml version="1.0" encoding="utf-8"?>
+<p:sld xmlns:a="http://schemas.openxmlformats.org/drawingml/2006/main" xmlns:r="http://schemas.openxmlformats.org/officeDocument/2006/relationships" xmlns:p="http://schemas.openxmlformats.org/presentationml/2006/main">
+  <p:cSld>
+    <p:spTree>
+      <p:nvGrpSpPr>
+        <p:cNvPr id="1" name=""/>
+        <p:cNvGrpSpPr/>
+        <p:nvPr/>
+      </p:nvGrpSpPr>
+      <p:grpSpPr>
+        <a:xfrm>
+          <a:off x="0" y="0"/>
+          <a:ext cx="0" cy="0"/>
+          <a:chOff x="0" y="0"/>
+          <a:chExt cx="0" cy="0"/>
+        </a:xfrm>
+      </p:grpSpPr>
+      <p:sp>
+        <p:nvSpPr>
+          <p:cNvPr id="2" name="文本框 1">
+            <a:extLst>
+              <a:ext uri="{FF2B5EF4-FFF2-40B4-BE49-F238E27FC236}">
+                <a16:creationId xmlns:a16="http://schemas.microsoft.com/office/drawing/2014/main" id="{45A75380-4D36-4940-9DA5-12B7526A9769}"/>
+              </a:ext>
+            </a:extLst>
+          </p:cNvPr>
+          <p:cNvSpPr txBox="1"/>
+          <p:nvPr/>
+        </p:nvSpPr>
+        <p:spPr>
+          <a:xfrm>
+            <a:off x="318827" y="709792"/>
+            <a:ext cx="3463099" cy="369332"/>
+          </a:xfrm>
+          <a:prstGeom prst="rect">
+            <a:avLst/>
+          </a:prstGeom>
+          <a:noFill/>
+        </p:spPr>
+        <p:txBody>
+          <a:bodyPr wrap="square" rtlCol="0">
+            <a:spAutoFit/>
+          </a:bodyPr>
+          <a:lstStyle/>
+          <a:p>
+            <a:pPr marL="285750" indent="-285750">
+              <a:buFont typeface="Arial" panose="020B0604020202020204" pitchFamily="34" charset="0"/>
+              <a:buChar char="•"/>
+            </a:pPr>
+            <a:r>
+              <a:rPr lang="zh-CN" altLang="en-US">
+                <a:latin typeface="微软雅黑" panose="020B0503020204020204" pitchFamily="34" charset="-122"/>
+                <a:ea typeface="微软雅黑" panose="020B0503020204020204" pitchFamily="34" charset="-122"/>
+              </a:rPr>
+              <a:t>定义学习率、优化器</a:t>
+            </a:r>
+          </a:p>
+        </p:txBody>
+      </p:sp>
+      <p:sp>
+        <p:nvSpPr>
+          <p:cNvPr id="3" name="文本框 2">
+            <a:extLst>
+              <a:ext uri="{FF2B5EF4-FFF2-40B4-BE49-F238E27FC236}">
+                <a16:creationId xmlns:a16="http://schemas.microsoft.com/office/drawing/2014/main" id="{D2E5489A-89E2-4FA5-B827-22215CAD25EA}"/>
+              </a:ext>
+            </a:extLst>
+          </p:cNvPr>
+          <p:cNvSpPr txBox="1"/>
+          <p:nvPr/>
+        </p:nvSpPr>
+        <p:spPr>
+          <a:xfrm>
+            <a:off x="190064" y="140160"/>
+            <a:ext cx="1107996" cy="369332"/>
+          </a:xfrm>
+          <a:prstGeom prst="rect">
+            <a:avLst/>
+          </a:prstGeom>
+          <a:noFill/>
+        </p:spPr>
+        <p:txBody>
+          <a:bodyPr wrap="none" rtlCol="0">
+            <a:spAutoFit/>
+          </a:bodyPr>
+          <a:lstStyle/>
+          <a:p>
+            <a:r>
+              <a:rPr lang="zh-CN" altLang="en-US">
+                <a:solidFill>
+                  <a:srgbClr val="006666"/>
+                </a:solidFill>
+                <a:latin typeface="微软雅黑" panose="020B0503020204020204" pitchFamily="34" charset="-122"/>
+                <a:ea typeface="微软雅黑" panose="020B0503020204020204" pitchFamily="34" charset="-122"/>
+              </a:rPr>
+              <a:t>代码逻辑</a:t>
+            </a:r>
+          </a:p>
+        </p:txBody>
+      </p:sp>
+      <p:pic>
+        <p:nvPicPr>
+          <p:cNvPr id="4" name="图片 3">
+            <a:extLst>
+              <a:ext uri="{FF2B5EF4-FFF2-40B4-BE49-F238E27FC236}">
+                <a16:creationId xmlns:a16="http://schemas.microsoft.com/office/drawing/2014/main" id="{770742E2-1A55-43E1-A9E0-242A4D81463D}"/>
+              </a:ext>
+            </a:extLst>
+          </p:cNvPr>
+          <p:cNvPicPr>
+            <a:picLocks noChangeAspect="1"/>
+          </p:cNvPicPr>
+          <p:nvPr/>
+        </p:nvPicPr>
+        <p:blipFill>
+          <a:blip r:embed="rId2"/>
+          <a:stretch>
+            <a:fillRect/>
+          </a:stretch>
+        </p:blipFill>
+        <p:spPr>
+          <a:xfrm>
+            <a:off x="395829" y="1175377"/>
+            <a:ext cx="8904762" cy="5076190"/>
+          </a:xfrm>
+          <a:prstGeom prst="rect">
+            <a:avLst/>
+          </a:prstGeom>
+        </p:spPr>
+      </p:pic>
+    </p:spTree>
+    <p:extLst>
+      <p:ext uri="{BB962C8B-B14F-4D97-AF65-F5344CB8AC3E}">
+        <p14:creationId xmlns:p14="http://schemas.microsoft.com/office/powerpoint/2010/main" val="1071703104"/>
+      </p:ext>
+    </p:extLst>
+  </p:cSld>
+  <p:clrMapOvr>
+    <a:masterClrMapping/>
+  </p:clrMapOvr>
+</p:sld>
+</file>
+
+<file path=ppt/slides/slide13.xml><?xml version="1.0" encoding="utf-8"?>
+<p:sld xmlns:a="http://schemas.openxmlformats.org/drawingml/2006/main" xmlns:r="http://schemas.openxmlformats.org/officeDocument/2006/relationships" xmlns:p="http://schemas.openxmlformats.org/presentationml/2006/main">
+  <p:cSld>
+    <p:spTree>
+      <p:nvGrpSpPr>
+        <p:cNvPr id="1" name=""/>
+        <p:cNvGrpSpPr/>
+        <p:nvPr/>
+      </p:nvGrpSpPr>
+      <p:grpSpPr>
+        <a:xfrm>
+          <a:off x="0" y="0"/>
+          <a:ext cx="0" cy="0"/>
+          <a:chOff x="0" y="0"/>
+          <a:chExt cx="0" cy="0"/>
+        </a:xfrm>
+      </p:grpSpPr>
+      <p:sp>
+        <p:nvSpPr>
+          <p:cNvPr id="2" name="文本框 1">
+            <a:extLst>
+              <a:ext uri="{FF2B5EF4-FFF2-40B4-BE49-F238E27FC236}">
+                <a16:creationId xmlns:a16="http://schemas.microsoft.com/office/drawing/2014/main" id="{58F99FA4-A465-455A-A314-7792CC169FDF}"/>
+              </a:ext>
+            </a:extLst>
+          </p:cNvPr>
+          <p:cNvSpPr txBox="1"/>
+          <p:nvPr/>
+        </p:nvSpPr>
+        <p:spPr>
+          <a:xfrm>
+            <a:off x="318827" y="709792"/>
+            <a:ext cx="1538849" cy="369332"/>
+          </a:xfrm>
+          <a:prstGeom prst="rect">
+            <a:avLst/>
+          </a:prstGeom>
+          <a:noFill/>
+        </p:spPr>
+        <p:txBody>
+          <a:bodyPr wrap="square" rtlCol="0">
+            <a:spAutoFit/>
+          </a:bodyPr>
+          <a:lstStyle/>
+          <a:p>
+            <a:pPr marL="285750" indent="-285750">
+              <a:buFont typeface="Arial" panose="020B0604020202020204" pitchFamily="34" charset="0"/>
+              <a:buChar char="•"/>
+            </a:pPr>
+            <a:r>
+              <a:rPr lang="zh-CN" altLang="en-US">
+                <a:latin typeface="微软雅黑" panose="020B0503020204020204" pitchFamily="34" charset="-122"/>
+                <a:ea typeface="微软雅黑" panose="020B0503020204020204" pitchFamily="34" charset="-122"/>
+              </a:rPr>
+              <a:t>定义会话</a:t>
+            </a:r>
+          </a:p>
+        </p:txBody>
+      </p:sp>
+      <p:sp>
+        <p:nvSpPr>
+          <p:cNvPr id="3" name="文本框 2">
+            <a:extLst>
+              <a:ext uri="{FF2B5EF4-FFF2-40B4-BE49-F238E27FC236}">
+                <a16:creationId xmlns:a16="http://schemas.microsoft.com/office/drawing/2014/main" id="{2149EFA8-5793-47CD-AF54-4794E04866FA}"/>
+              </a:ext>
+            </a:extLst>
+          </p:cNvPr>
+          <p:cNvSpPr txBox="1"/>
+          <p:nvPr/>
+        </p:nvSpPr>
+        <p:spPr>
+          <a:xfrm>
+            <a:off x="190064" y="140160"/>
+            <a:ext cx="1107996" cy="369332"/>
+          </a:xfrm>
+          <a:prstGeom prst="rect">
+            <a:avLst/>
+          </a:prstGeom>
+          <a:noFill/>
+        </p:spPr>
+        <p:txBody>
+          <a:bodyPr wrap="none" rtlCol="0">
+            <a:spAutoFit/>
+          </a:bodyPr>
+          <a:lstStyle/>
+          <a:p>
+            <a:r>
+              <a:rPr lang="zh-CN" altLang="en-US">
+                <a:solidFill>
+                  <a:srgbClr val="006666"/>
+                </a:solidFill>
+                <a:latin typeface="微软雅黑" panose="020B0503020204020204" pitchFamily="34" charset="-122"/>
+                <a:ea typeface="微软雅黑" panose="020B0503020204020204" pitchFamily="34" charset="-122"/>
+              </a:rPr>
+              <a:t>代码逻辑</a:t>
+            </a:r>
+          </a:p>
+        </p:txBody>
+      </p:sp>
+      <p:pic>
+        <p:nvPicPr>
+          <p:cNvPr id="4" name="图片 3">
+            <a:extLst>
+              <a:ext uri="{FF2B5EF4-FFF2-40B4-BE49-F238E27FC236}">
+                <a16:creationId xmlns:a16="http://schemas.microsoft.com/office/drawing/2014/main" id="{B1F2F70A-72F0-4C9A-8F8B-F08277515CDE}"/>
+              </a:ext>
+            </a:extLst>
+          </p:cNvPr>
+          <p:cNvPicPr>
+            <a:picLocks noChangeAspect="1"/>
+          </p:cNvPicPr>
+          <p:nvPr/>
+        </p:nvPicPr>
+        <p:blipFill>
+          <a:blip r:embed="rId2"/>
+          <a:stretch>
+            <a:fillRect/>
+          </a:stretch>
+        </p:blipFill>
+        <p:spPr>
+          <a:xfrm>
+            <a:off x="318827" y="1380366"/>
+            <a:ext cx="8628571" cy="3904762"/>
+          </a:xfrm>
+          <a:prstGeom prst="rect">
+            <a:avLst/>
+          </a:prstGeom>
+        </p:spPr>
+      </p:pic>
+    </p:spTree>
+    <p:extLst>
+      <p:ext uri="{BB962C8B-B14F-4D97-AF65-F5344CB8AC3E}">
+        <p14:creationId xmlns:p14="http://schemas.microsoft.com/office/powerpoint/2010/main" val="389444729"/>
+      </p:ext>
+    </p:extLst>
+  </p:cSld>
+  <p:clrMapOvr>
+    <a:masterClrMapping/>
+  </p:clrMapOvr>
+</p:sld>
+</file>
+
+<file path=ppt/slides/slide14.xml><?xml version="1.0" encoding="utf-8"?>
+<p:sld xmlns:a="http://schemas.openxmlformats.org/drawingml/2006/main" xmlns:r="http://schemas.openxmlformats.org/officeDocument/2006/relationships" xmlns:p="http://schemas.openxmlformats.org/presentationml/2006/main">
+  <p:cSld>
+    <p:spTree>
+      <p:nvGrpSpPr>
+        <p:cNvPr id="1" name=""/>
+        <p:cNvGrpSpPr/>
+        <p:nvPr/>
+      </p:nvGrpSpPr>
+      <p:grpSpPr>
+        <a:xfrm>
+          <a:off x="0" y="0"/>
+          <a:ext cx="0" cy="0"/>
+          <a:chOff x="0" y="0"/>
+          <a:chExt cx="0" cy="0"/>
+        </a:xfrm>
+      </p:grpSpPr>
+      <p:sp>
+        <p:nvSpPr>
+          <p:cNvPr id="2" name="文本框 1">
+            <a:extLst>
+              <a:ext uri="{FF2B5EF4-FFF2-40B4-BE49-F238E27FC236}">
+                <a16:creationId xmlns:a16="http://schemas.microsoft.com/office/drawing/2014/main" id="{E43659B1-01A3-4424-93F3-88BF34D040DF}"/>
+              </a:ext>
+            </a:extLst>
+          </p:cNvPr>
+          <p:cNvSpPr txBox="1"/>
+          <p:nvPr/>
+        </p:nvSpPr>
+        <p:spPr>
+          <a:xfrm>
+            <a:off x="5402630" y="3044344"/>
+            <a:ext cx="1386740" cy="769313"/>
+          </a:xfrm>
+          <a:prstGeom prst="rect">
+            <a:avLst/>
+          </a:prstGeom>
+          <a:noFill/>
+        </p:spPr>
+        <p:txBody>
+          <a:bodyPr wrap="square" rtlCol="0">
+            <a:spAutoFit/>
+          </a:bodyPr>
+          <a:lstStyle/>
+          <a:p>
+            <a:pPr defTabSz="914126"/>
+            <a:r>
+              <a:rPr lang="zh-CN" altLang="en-US" sz="4399" b="1">
+                <a:solidFill>
+                  <a:srgbClr val="006666"/>
+                </a:solidFill>
+                <a:latin typeface="Arial" panose="020B0604020202020204" pitchFamily="34" charset="0"/>
+                <a:cs typeface="Arial" panose="020B0604020202020204" pitchFamily="34" charset="0"/>
+              </a:rPr>
+              <a:t>测试</a:t>
+            </a:r>
+          </a:p>
+        </p:txBody>
+      </p:sp>
+      <p:pic>
+        <p:nvPicPr>
+          <p:cNvPr id="4" name="图片 3">
+            <a:extLst>
+              <a:ext uri="{FF2B5EF4-FFF2-40B4-BE49-F238E27FC236}">
+                <a16:creationId xmlns:a16="http://schemas.microsoft.com/office/drawing/2014/main" id="{BA363772-B2D7-4499-ACDA-20E4E891C74E}"/>
+              </a:ext>
+            </a:extLst>
+          </p:cNvPr>
+          <p:cNvPicPr>
+            <a:picLocks noChangeAspect="1"/>
+          </p:cNvPicPr>
+          <p:nvPr/>
+        </p:nvPicPr>
+        <p:blipFill>
+          <a:blip r:embed="rId2"/>
+          <a:stretch>
+            <a:fillRect/>
+          </a:stretch>
+        </p:blipFill>
+        <p:spPr>
+          <a:xfrm>
+            <a:off x="1589" y="895"/>
+            <a:ext cx="1009261" cy="3170603"/>
+          </a:xfrm>
+          <a:prstGeom prst="rect">
+            <a:avLst/>
+          </a:prstGeom>
+        </p:spPr>
+      </p:pic>
+    </p:spTree>
+    <p:extLst>
+      <p:ext uri="{BB962C8B-B14F-4D97-AF65-F5344CB8AC3E}">
+        <p14:creationId xmlns:p14="http://schemas.microsoft.com/office/powerpoint/2010/main" val="1944687987"/>
+      </p:ext>
+    </p:extLst>
+  </p:cSld>
+  <p:clrMapOvr>
+    <a:masterClrMapping/>
+  </p:clrMapOvr>
+</p:sld>
+</file>
+
+<file path=ppt/slides/slide15.xml><?xml version="1.0" encoding="utf-8"?>
+<p:sld xmlns:a="http://schemas.openxmlformats.org/drawingml/2006/main" xmlns:r="http://schemas.openxmlformats.org/officeDocument/2006/relationships" xmlns:p="http://schemas.openxmlformats.org/presentationml/2006/main">
+  <p:cSld>
+    <p:spTree>
+      <p:nvGrpSpPr>
+        <p:cNvPr id="1" name=""/>
+        <p:cNvGrpSpPr/>
+        <p:nvPr/>
+      </p:nvGrpSpPr>
+      <p:grpSpPr>
+        <a:xfrm>
+          <a:off x="0" y="0"/>
+          <a:ext cx="0" cy="0"/>
+          <a:chOff x="0" y="0"/>
+          <a:chExt cx="0" cy="0"/>
+        </a:xfrm>
+      </p:grpSpPr>
+      <p:sp>
+        <p:nvSpPr>
+          <p:cNvPr id="2" name="文本框 1">
+            <a:extLst>
+              <a:ext uri="{FF2B5EF4-FFF2-40B4-BE49-F238E27FC236}">
+                <a16:creationId xmlns:a16="http://schemas.microsoft.com/office/drawing/2014/main" id="{F8EB4377-09A7-4BF9-AC21-23022A60D393}"/>
+              </a:ext>
+            </a:extLst>
+          </p:cNvPr>
+          <p:cNvSpPr txBox="1"/>
+          <p:nvPr/>
+        </p:nvSpPr>
+        <p:spPr>
+          <a:xfrm>
+            <a:off x="250853" y="709792"/>
+            <a:ext cx="2588002" cy="369332"/>
+          </a:xfrm>
+          <a:prstGeom prst="rect">
+            <a:avLst/>
+          </a:prstGeom>
+          <a:noFill/>
+        </p:spPr>
+        <p:txBody>
+          <a:bodyPr wrap="square" rtlCol="0">
+            <a:spAutoFit/>
+          </a:bodyPr>
+          <a:lstStyle/>
+          <a:p>
+            <a:pPr marL="285750" indent="-285750">
+              <a:buFont typeface="Arial" panose="020B0604020202020204" pitchFamily="34" charset="0"/>
+              <a:buChar char="•"/>
+            </a:pPr>
+            <a:r>
+              <a:rPr lang="zh-CN" altLang="en-US">
+                <a:latin typeface="微软雅黑" panose="020B0503020204020204" pitchFamily="34" charset="-122"/>
+                <a:ea typeface="微软雅黑" panose="020B0503020204020204" pitchFamily="34" charset="-122"/>
+              </a:rPr>
+              <a:t>定义输入数据占位符</a:t>
+            </a:r>
+          </a:p>
+        </p:txBody>
+      </p:sp>
+      <p:sp>
+        <p:nvSpPr>
+          <p:cNvPr id="3" name="文本框 2">
+            <a:extLst>
+              <a:ext uri="{FF2B5EF4-FFF2-40B4-BE49-F238E27FC236}">
+                <a16:creationId xmlns:a16="http://schemas.microsoft.com/office/drawing/2014/main" id="{C8F4AB73-8C0A-417D-8405-C16FCFC47761}"/>
+              </a:ext>
+            </a:extLst>
+          </p:cNvPr>
+          <p:cNvSpPr txBox="1"/>
+          <p:nvPr/>
+        </p:nvSpPr>
+        <p:spPr>
+          <a:xfrm>
+            <a:off x="190064" y="140160"/>
+            <a:ext cx="1107996" cy="369332"/>
+          </a:xfrm>
+          <a:prstGeom prst="rect">
+            <a:avLst/>
+          </a:prstGeom>
+          <a:noFill/>
+        </p:spPr>
+        <p:txBody>
+          <a:bodyPr wrap="none" rtlCol="0">
+            <a:spAutoFit/>
+          </a:bodyPr>
+          <a:lstStyle/>
+          <a:p>
+            <a:r>
+              <a:rPr lang="zh-CN" altLang="en-US">
+                <a:solidFill>
+                  <a:srgbClr val="006666"/>
+                </a:solidFill>
+                <a:latin typeface="微软雅黑" panose="020B0503020204020204" pitchFamily="34" charset="-122"/>
+                <a:ea typeface="微软雅黑" panose="020B0503020204020204" pitchFamily="34" charset="-122"/>
+              </a:rPr>
+              <a:t>代码逻辑</a:t>
+            </a:r>
+          </a:p>
+        </p:txBody>
+      </p:sp>
+      <p:pic>
+        <p:nvPicPr>
+          <p:cNvPr id="4" name="图片 3">
+            <a:extLst>
+              <a:ext uri="{FF2B5EF4-FFF2-40B4-BE49-F238E27FC236}">
+                <a16:creationId xmlns:a16="http://schemas.microsoft.com/office/drawing/2014/main" id="{D29CBF95-730F-4E97-B3B8-EFB52D0D9CD8}"/>
+              </a:ext>
+            </a:extLst>
+          </p:cNvPr>
+          <p:cNvPicPr>
+            <a:picLocks noChangeAspect="1"/>
+          </p:cNvPicPr>
+          <p:nvPr/>
+        </p:nvPicPr>
+        <p:blipFill>
+          <a:blip r:embed="rId2"/>
+          <a:stretch>
+            <a:fillRect/>
+          </a:stretch>
+        </p:blipFill>
+        <p:spPr>
+          <a:xfrm>
+            <a:off x="470128" y="1279424"/>
+            <a:ext cx="6342857" cy="542857"/>
+          </a:xfrm>
+          <a:prstGeom prst="rect">
+            <a:avLst/>
+          </a:prstGeom>
+        </p:spPr>
+      </p:pic>
+      <p:sp>
+        <p:nvSpPr>
+          <p:cNvPr id="5" name="文本框 4">
+            <a:extLst>
+              <a:ext uri="{FF2B5EF4-FFF2-40B4-BE49-F238E27FC236}">
+                <a16:creationId xmlns:a16="http://schemas.microsoft.com/office/drawing/2014/main" id="{CDD1149C-1E30-4ED9-B2AB-C7A8D4002AF9}"/>
+              </a:ext>
+            </a:extLst>
+          </p:cNvPr>
+          <p:cNvSpPr txBox="1"/>
+          <p:nvPr/>
+        </p:nvSpPr>
+        <p:spPr>
+          <a:xfrm>
+            <a:off x="250853" y="2022581"/>
+            <a:ext cx="5311952" cy="369332"/>
+          </a:xfrm>
+          <a:prstGeom prst="rect">
+            <a:avLst/>
+          </a:prstGeom>
+          <a:noFill/>
+        </p:spPr>
+        <p:txBody>
+          <a:bodyPr wrap="square" rtlCol="0">
+            <a:spAutoFit/>
+          </a:bodyPr>
+          <a:lstStyle/>
+          <a:p>
+            <a:pPr marL="285750" indent="-285750">
+              <a:buFont typeface="Arial" panose="020B0604020202020204" pitchFamily="34" charset="0"/>
+              <a:buChar char="•"/>
+            </a:pPr>
+            <a:r>
+              <a:rPr lang="zh-CN" altLang="en-US">
+                <a:latin typeface="微软雅黑" panose="020B0503020204020204" pitchFamily="34" charset="-122"/>
+                <a:ea typeface="微软雅黑" panose="020B0503020204020204" pitchFamily="34" charset="-122"/>
+              </a:rPr>
+              <a:t>数据预处理：将测试图片</a:t>
+            </a:r>
+            <a:r>
+              <a:rPr lang="en-US" altLang="zh-CN">
+                <a:latin typeface="微软雅黑" panose="020B0503020204020204" pitchFamily="34" charset="-122"/>
+                <a:ea typeface="微软雅黑" panose="020B0503020204020204" pitchFamily="34" charset="-122"/>
+              </a:rPr>
+              <a:t>resize</a:t>
+            </a:r>
+            <a:r>
+              <a:rPr lang="zh-CN" altLang="en-US">
+                <a:latin typeface="微软雅黑" panose="020B0503020204020204" pitchFamily="34" charset="-122"/>
+                <a:ea typeface="微软雅黑" panose="020B0503020204020204" pitchFamily="34" charset="-122"/>
+              </a:rPr>
+              <a:t>成模型指定大小</a:t>
+            </a:r>
+          </a:p>
+        </p:txBody>
+      </p:sp>
+      <p:pic>
+        <p:nvPicPr>
+          <p:cNvPr id="6" name="图片 5">
+            <a:extLst>
+              <a:ext uri="{FF2B5EF4-FFF2-40B4-BE49-F238E27FC236}">
+                <a16:creationId xmlns:a16="http://schemas.microsoft.com/office/drawing/2014/main" id="{F81BCEE6-E27B-4171-94D0-C06F4EBD82AF}"/>
+              </a:ext>
+            </a:extLst>
+          </p:cNvPr>
+          <p:cNvPicPr>
+            <a:picLocks noChangeAspect="1"/>
+          </p:cNvPicPr>
+          <p:nvPr/>
+        </p:nvPicPr>
+        <p:blipFill>
+          <a:blip r:embed="rId3"/>
+          <a:stretch>
+            <a:fillRect/>
+          </a:stretch>
+        </p:blipFill>
+        <p:spPr>
+          <a:xfrm>
+            <a:off x="470128" y="2391913"/>
+            <a:ext cx="9085714" cy="1619048"/>
+          </a:xfrm>
+          <a:prstGeom prst="rect">
+            <a:avLst/>
+          </a:prstGeom>
+        </p:spPr>
+      </p:pic>
+      <p:sp>
+        <p:nvSpPr>
+          <p:cNvPr id="7" name="文本框 6">
+            <a:extLst>
+              <a:ext uri="{FF2B5EF4-FFF2-40B4-BE49-F238E27FC236}">
+                <a16:creationId xmlns:a16="http://schemas.microsoft.com/office/drawing/2014/main" id="{467A8B85-87DF-44BE-81BC-9F34C62859C3}"/>
+              </a:ext>
+            </a:extLst>
+          </p:cNvPr>
+          <p:cNvSpPr txBox="1"/>
+          <p:nvPr/>
+        </p:nvSpPr>
+        <p:spPr>
+          <a:xfrm>
+            <a:off x="250853" y="4096756"/>
+            <a:ext cx="2088086" cy="369332"/>
+          </a:xfrm>
+          <a:prstGeom prst="rect">
+            <a:avLst/>
+          </a:prstGeom>
+          <a:noFill/>
+        </p:spPr>
+        <p:txBody>
+          <a:bodyPr wrap="square" rtlCol="0">
+            <a:spAutoFit/>
+          </a:bodyPr>
+          <a:lstStyle/>
+          <a:p>
+            <a:pPr marL="285750" indent="-285750">
+              <a:buFont typeface="Arial" panose="020B0604020202020204" pitchFamily="34" charset="0"/>
+              <a:buChar char="•"/>
+            </a:pPr>
+            <a:r>
+              <a:rPr lang="zh-CN" altLang="en-US">
+                <a:latin typeface="微软雅黑" panose="020B0503020204020204" pitchFamily="34" charset="-122"/>
+                <a:ea typeface="微软雅黑" panose="020B0503020204020204" pitchFamily="34" charset="-122"/>
+              </a:rPr>
+              <a:t>模型预测</a:t>
+            </a:r>
+          </a:p>
+        </p:txBody>
+      </p:sp>
+      <p:pic>
+        <p:nvPicPr>
+          <p:cNvPr id="8" name="图片 7">
+            <a:extLst>
+              <a:ext uri="{FF2B5EF4-FFF2-40B4-BE49-F238E27FC236}">
+                <a16:creationId xmlns:a16="http://schemas.microsoft.com/office/drawing/2014/main" id="{0BF67095-FC78-4369-9F0D-319D8952F76D}"/>
+              </a:ext>
+            </a:extLst>
+          </p:cNvPr>
+          <p:cNvPicPr>
+            <a:picLocks noChangeAspect="1"/>
+          </p:cNvPicPr>
+          <p:nvPr/>
+        </p:nvPicPr>
+        <p:blipFill>
+          <a:blip r:embed="rId4"/>
+          <a:stretch>
+            <a:fillRect/>
+          </a:stretch>
+        </p:blipFill>
+        <p:spPr>
+          <a:xfrm>
+            <a:off x="470128" y="4502385"/>
+            <a:ext cx="9152381" cy="2152381"/>
+          </a:xfrm>
+          <a:prstGeom prst="rect">
+            <a:avLst/>
+          </a:prstGeom>
+        </p:spPr>
+      </p:pic>
+    </p:spTree>
+    <p:extLst>
+      <p:ext uri="{BB962C8B-B14F-4D97-AF65-F5344CB8AC3E}">
+        <p14:creationId xmlns:p14="http://schemas.microsoft.com/office/powerpoint/2010/main" val="854516598"/>
+      </p:ext>
+    </p:extLst>
+  </p:cSld>
+  <p:clrMapOvr>
+    <a:masterClrMapping/>
+  </p:clrMapOvr>
+</p:sld>
+</file>
+
+<file path=ppt/slides/slide16.xml><?xml version="1.0" encoding="utf-8"?>
+<p:sld xmlns:a="http://schemas.openxmlformats.org/drawingml/2006/main" xmlns:r="http://schemas.openxmlformats.org/officeDocument/2006/relationships" xmlns:p="http://schemas.openxmlformats.org/presentationml/2006/main">
+  <p:cSld>
+    <p:spTree>
+      <p:nvGrpSpPr>
+        <p:cNvPr id="1" name=""/>
+        <p:cNvGrpSpPr/>
+        <p:nvPr/>
+      </p:nvGrpSpPr>
+      <p:grpSpPr>
+        <a:xfrm>
+          <a:off x="0" y="0"/>
+          <a:ext cx="0" cy="0"/>
+          <a:chOff x="0" y="0"/>
+          <a:chExt cx="0" cy="0"/>
+        </a:xfrm>
+      </p:grpSpPr>
+      <p:sp>
+        <p:nvSpPr>
+          <p:cNvPr id="2" name="文本框 1">
+            <a:extLst>
+              <a:ext uri="{FF2B5EF4-FFF2-40B4-BE49-F238E27FC236}">
+                <a16:creationId xmlns:a16="http://schemas.microsoft.com/office/drawing/2014/main" id="{F94B425E-7028-4CC4-B71B-6B641440F502}"/>
+              </a:ext>
+            </a:extLst>
+          </p:cNvPr>
+          <p:cNvSpPr txBox="1"/>
+          <p:nvPr/>
+        </p:nvSpPr>
+        <p:spPr>
+          <a:xfrm>
+            <a:off x="250852" y="709792"/>
+            <a:ext cx="3878385" cy="369332"/>
+          </a:xfrm>
+          <a:prstGeom prst="rect">
+            <a:avLst/>
+          </a:prstGeom>
+          <a:noFill/>
+        </p:spPr>
+        <p:txBody>
+          <a:bodyPr wrap="square" rtlCol="0">
+            <a:spAutoFit/>
+          </a:bodyPr>
+          <a:lstStyle/>
+          <a:p>
+            <a:pPr marL="285750" indent="-285750">
+              <a:buFont typeface="Arial" panose="020B0604020202020204" pitchFamily="34" charset="0"/>
+              <a:buChar char="•"/>
+            </a:pPr>
+            <a:r>
+              <a:rPr lang="zh-CN" altLang="en-US">
+                <a:latin typeface="微软雅黑" panose="020B0503020204020204" pitchFamily="34" charset="-122"/>
+                <a:ea typeface="微软雅黑" panose="020B0503020204020204" pitchFamily="34" charset="-122"/>
+              </a:rPr>
+              <a:t>定义会话，得到模型预测结果</a:t>
+            </a:r>
+          </a:p>
+        </p:txBody>
+      </p:sp>
+      <p:sp>
+        <p:nvSpPr>
+          <p:cNvPr id="3" name="文本框 2">
+            <a:extLst>
+              <a:ext uri="{FF2B5EF4-FFF2-40B4-BE49-F238E27FC236}">
+                <a16:creationId xmlns:a16="http://schemas.microsoft.com/office/drawing/2014/main" id="{2278F038-0D58-4812-825C-590599CD4317}"/>
+              </a:ext>
+            </a:extLst>
+          </p:cNvPr>
+          <p:cNvSpPr txBox="1"/>
+          <p:nvPr/>
+        </p:nvSpPr>
+        <p:spPr>
+          <a:xfrm>
+            <a:off x="190064" y="140160"/>
+            <a:ext cx="1107996" cy="369332"/>
+          </a:xfrm>
+          <a:prstGeom prst="rect">
+            <a:avLst/>
+          </a:prstGeom>
+          <a:noFill/>
+        </p:spPr>
+        <p:txBody>
+          <a:bodyPr wrap="none" rtlCol="0">
+            <a:spAutoFit/>
+          </a:bodyPr>
+          <a:lstStyle/>
+          <a:p>
+            <a:r>
+              <a:rPr lang="zh-CN" altLang="en-US">
+                <a:solidFill>
+                  <a:srgbClr val="006666"/>
+                </a:solidFill>
+                <a:latin typeface="微软雅黑" panose="020B0503020204020204" pitchFamily="34" charset="-122"/>
+                <a:ea typeface="微软雅黑" panose="020B0503020204020204" pitchFamily="34" charset="-122"/>
+              </a:rPr>
+              <a:t>代码逻辑</a:t>
+            </a:r>
+          </a:p>
+        </p:txBody>
+      </p:sp>
+      <p:pic>
+        <p:nvPicPr>
+          <p:cNvPr id="4" name="图片 3">
+            <a:extLst>
+              <a:ext uri="{FF2B5EF4-FFF2-40B4-BE49-F238E27FC236}">
+                <a16:creationId xmlns:a16="http://schemas.microsoft.com/office/drawing/2014/main" id="{E95BE2D3-EF9A-4919-89C3-9EA176BFFE1B}"/>
+              </a:ext>
+            </a:extLst>
+          </p:cNvPr>
+          <p:cNvPicPr>
+            <a:picLocks noChangeAspect="1"/>
+          </p:cNvPicPr>
+          <p:nvPr/>
+        </p:nvPicPr>
+        <p:blipFill>
+          <a:blip r:embed="rId2"/>
+          <a:stretch>
+            <a:fillRect/>
+          </a:stretch>
+        </p:blipFill>
+        <p:spPr>
+          <a:xfrm>
+            <a:off x="190064" y="1279424"/>
+            <a:ext cx="10390476" cy="371429"/>
+          </a:xfrm>
+          <a:prstGeom prst="rect">
+            <a:avLst/>
+          </a:prstGeom>
+        </p:spPr>
+      </p:pic>
+      <p:sp>
+        <p:nvSpPr>
+          <p:cNvPr id="5" name="文本框 4">
+            <a:extLst>
+              <a:ext uri="{FF2B5EF4-FFF2-40B4-BE49-F238E27FC236}">
+                <a16:creationId xmlns:a16="http://schemas.microsoft.com/office/drawing/2014/main" id="{58332EF8-7408-4B9F-8577-70B0E531BD73}"/>
+              </a:ext>
+            </a:extLst>
+          </p:cNvPr>
+          <p:cNvSpPr txBox="1"/>
+          <p:nvPr/>
+        </p:nvSpPr>
+        <p:spPr>
+          <a:xfrm>
+            <a:off x="250852" y="1959472"/>
+            <a:ext cx="3878385" cy="1200329"/>
+          </a:xfrm>
+          <a:prstGeom prst="rect">
+            <a:avLst/>
+          </a:prstGeom>
+          <a:noFill/>
+        </p:spPr>
+        <p:txBody>
+          <a:bodyPr wrap="square" rtlCol="0">
+            <a:spAutoFit/>
+          </a:bodyPr>
+          <a:lstStyle/>
+          <a:p>
+            <a:pPr marL="285750" indent="-285750">
+              <a:buFont typeface="Arial" panose="020B0604020202020204" pitchFamily="34" charset="0"/>
+              <a:buChar char="•"/>
+            </a:pPr>
+            <a:r>
+              <a:rPr lang="zh-CN" altLang="en-US">
+                <a:latin typeface="微软雅黑" panose="020B0503020204020204" pitchFamily="34" charset="-122"/>
+                <a:ea typeface="微软雅黑" panose="020B0503020204020204" pitchFamily="34" charset="-122"/>
+              </a:rPr>
+              <a:t>预测结果后期处理</a:t>
+            </a:r>
+            <a:endParaRPr lang="en-US" altLang="zh-CN">
+              <a:latin typeface="微软雅黑" panose="020B0503020204020204" pitchFamily="34" charset="-122"/>
+              <a:ea typeface="微软雅黑" panose="020B0503020204020204" pitchFamily="34" charset="-122"/>
+            </a:endParaRPr>
+          </a:p>
+          <a:p>
+            <a:pPr marL="800100" lvl="1" indent="-342900">
+              <a:buFont typeface="Wingdings" panose="05000000000000000000" pitchFamily="2" charset="2"/>
+              <a:buChar char="Ø"/>
+            </a:pPr>
+            <a:r>
+              <a:rPr lang="zh-CN" altLang="en-US">
+                <a:latin typeface="微软雅黑" panose="020B0503020204020204" pitchFamily="34" charset="-122"/>
+                <a:ea typeface="微软雅黑" panose="020B0503020204020204" pitchFamily="34" charset="-122"/>
+              </a:rPr>
+              <a:t>通过</a:t>
+            </a:r>
+            <a:r>
+              <a:rPr lang="en-US" altLang="zh-CN">
+                <a:latin typeface="微软雅黑" panose="020B0503020204020204" pitchFamily="34" charset="-122"/>
+                <a:ea typeface="微软雅黑" panose="020B0503020204020204" pitchFamily="34" charset="-122"/>
+              </a:rPr>
+              <a:t>score</a:t>
+            </a:r>
+            <a:r>
+              <a:rPr lang="zh-CN" altLang="en-US">
+                <a:latin typeface="微软雅黑" panose="020B0503020204020204" pitchFamily="34" charset="-122"/>
+                <a:ea typeface="微软雅黑" panose="020B0503020204020204" pitchFamily="34" charset="-122"/>
+              </a:rPr>
+              <a:t>筛选</a:t>
+            </a:r>
+            <a:r>
+              <a:rPr lang="en-US" altLang="zh-CN">
+                <a:latin typeface="微软雅黑" panose="020B0503020204020204" pitchFamily="34" charset="-122"/>
+                <a:ea typeface="微软雅黑" panose="020B0503020204020204" pitchFamily="34" charset="-122"/>
+              </a:rPr>
+              <a:t>bbox</a:t>
+            </a:r>
+          </a:p>
+          <a:p>
+            <a:pPr marL="742950" lvl="1" indent="-285750">
+              <a:buFont typeface="Wingdings" panose="05000000000000000000" pitchFamily="2" charset="2"/>
+              <a:buChar char="Ø"/>
+            </a:pPr>
+            <a:r>
+              <a:rPr lang="zh-CN" altLang="en-US">
+                <a:latin typeface="微软雅黑" panose="020B0503020204020204" pitchFamily="34" charset="-122"/>
+                <a:ea typeface="微软雅黑" panose="020B0503020204020204" pitchFamily="34" charset="-122"/>
+              </a:rPr>
+              <a:t>调整超出图片的</a:t>
+            </a:r>
+            <a:r>
+              <a:rPr lang="en-US" altLang="zh-CN">
+                <a:latin typeface="微软雅黑" panose="020B0503020204020204" pitchFamily="34" charset="-122"/>
+                <a:ea typeface="微软雅黑" panose="020B0503020204020204" pitchFamily="34" charset="-122"/>
+              </a:rPr>
+              <a:t>bbox</a:t>
+            </a:r>
+          </a:p>
+          <a:p>
+            <a:pPr marL="742950" lvl="1" indent="-285750">
+              <a:buFont typeface="Wingdings" panose="05000000000000000000" pitchFamily="2" charset="2"/>
+              <a:buChar char="Ø"/>
+            </a:pPr>
+            <a:r>
+              <a:rPr lang="zh-CN" altLang="en-US">
+                <a:latin typeface="微软雅黑" panose="020B0503020204020204" pitchFamily="34" charset="-122"/>
+                <a:ea typeface="微软雅黑" panose="020B0503020204020204" pitchFamily="34" charset="-122"/>
+              </a:rPr>
+              <a:t>使用</a:t>
+            </a:r>
+            <a:r>
+              <a:rPr lang="en-US" altLang="zh-CN">
+                <a:latin typeface="微软雅黑" panose="020B0503020204020204" pitchFamily="34" charset="-122"/>
+                <a:ea typeface="微软雅黑" panose="020B0503020204020204" pitchFamily="34" charset="-122"/>
+              </a:rPr>
+              <a:t>nms</a:t>
+            </a:r>
+            <a:r>
+              <a:rPr lang="zh-CN" altLang="en-US">
+                <a:latin typeface="微软雅黑" panose="020B0503020204020204" pitchFamily="34" charset="-122"/>
+                <a:ea typeface="微软雅黑" panose="020B0503020204020204" pitchFamily="34" charset="-122"/>
+              </a:rPr>
+              <a:t>去除冗余检测</a:t>
+            </a:r>
+          </a:p>
+        </p:txBody>
+      </p:sp>
+      <p:pic>
+        <p:nvPicPr>
+          <p:cNvPr id="6" name="图片 5">
+            <a:extLst>
+              <a:ext uri="{FF2B5EF4-FFF2-40B4-BE49-F238E27FC236}">
+                <a16:creationId xmlns:a16="http://schemas.microsoft.com/office/drawing/2014/main" id="{3C540729-3830-4FDF-954F-478C12207500}"/>
+              </a:ext>
+            </a:extLst>
+          </p:cNvPr>
+          <p:cNvPicPr>
+            <a:picLocks noChangeAspect="1"/>
+          </p:cNvPicPr>
+          <p:nvPr/>
+        </p:nvPicPr>
+        <p:blipFill>
+          <a:blip r:embed="rId3"/>
+          <a:stretch>
+            <a:fillRect/>
+          </a:stretch>
+        </p:blipFill>
+        <p:spPr>
+          <a:xfrm>
+            <a:off x="190064" y="3295166"/>
+            <a:ext cx="11367436" cy="2542512"/>
+          </a:xfrm>
+          <a:prstGeom prst="rect">
+            <a:avLst/>
+          </a:prstGeom>
+        </p:spPr>
+      </p:pic>
+    </p:spTree>
+    <p:extLst>
+      <p:ext uri="{BB962C8B-B14F-4D97-AF65-F5344CB8AC3E}">
+        <p14:creationId xmlns:p14="http://schemas.microsoft.com/office/powerpoint/2010/main" val="789212451"/>
+      </p:ext>
+    </p:extLst>
+  </p:cSld>
+  <p:clrMapOvr>
+    <a:masterClrMapping/>
+  </p:clrMapOvr>
+</p:sld>
+</file>
+
+<file path=ppt/slides/slide17.xml><?xml version="1.0" encoding="utf-8"?>
+<p:sld xmlns:a="http://schemas.openxmlformats.org/drawingml/2006/main" xmlns:r="http://schemas.openxmlformats.org/officeDocument/2006/relationships" xmlns:p="http://schemas.openxmlformats.org/presentationml/2006/main">
+  <p:cSld>
+    <p:spTree>
+      <p:nvGrpSpPr>
+        <p:cNvPr id="1" name=""/>
+        <p:cNvGrpSpPr/>
+        <p:nvPr/>
+      </p:nvGrpSpPr>
+      <p:grpSpPr>
+        <a:xfrm>
+          <a:off x="0" y="0"/>
+          <a:ext cx="0" cy="0"/>
+          <a:chOff x="0" y="0"/>
+          <a:chExt cx="0" cy="0"/>
+        </a:xfrm>
+      </p:grpSpPr>
+      <p:sp>
+        <p:nvSpPr>
+          <p:cNvPr id="2" name="文本框 1">
+            <a:extLst>
+              <a:ext uri="{FF2B5EF4-FFF2-40B4-BE49-F238E27FC236}">
+                <a16:creationId xmlns:a16="http://schemas.microsoft.com/office/drawing/2014/main" id="{40171A05-985F-4AA6-8F14-A26C514CCF7D}"/>
+              </a:ext>
+            </a:extLst>
+          </p:cNvPr>
+          <p:cNvSpPr txBox="1"/>
+          <p:nvPr/>
+        </p:nvSpPr>
+        <p:spPr>
+          <a:xfrm>
+            <a:off x="190064" y="207535"/>
+            <a:ext cx="1898618" cy="369332"/>
+          </a:xfrm>
+          <a:prstGeom prst="rect">
+            <a:avLst/>
+          </a:prstGeom>
+          <a:noFill/>
+        </p:spPr>
+        <p:txBody>
+          <a:bodyPr wrap="square" rtlCol="0">
+            <a:spAutoFit/>
+          </a:bodyPr>
+          <a:lstStyle/>
+          <a:p>
+            <a:r>
+              <a:rPr lang="zh-CN" altLang="en-US">
+                <a:solidFill>
+                  <a:srgbClr val="006666"/>
+                </a:solidFill>
+                <a:latin typeface="微软雅黑" panose="020B0503020204020204" pitchFamily="34" charset="-122"/>
+                <a:ea typeface="微软雅黑" panose="020B0503020204020204" pitchFamily="34" charset="-122"/>
+              </a:rPr>
+              <a:t>命令行调用模型</a:t>
+            </a:r>
+          </a:p>
+        </p:txBody>
+      </p:sp>
+      <p:sp>
+        <p:nvSpPr>
+          <p:cNvPr id="4" name="矩形 3">
+            <a:extLst>
+              <a:ext uri="{FF2B5EF4-FFF2-40B4-BE49-F238E27FC236}">
+                <a16:creationId xmlns:a16="http://schemas.microsoft.com/office/drawing/2014/main" id="{FA93D6C4-C956-4CC7-A864-99E41643A0B2}"/>
+              </a:ext>
+            </a:extLst>
+          </p:cNvPr>
+          <p:cNvSpPr/>
+          <p:nvPr/>
+        </p:nvSpPr>
+        <p:spPr>
+          <a:xfrm>
+            <a:off x="166837" y="984532"/>
+            <a:ext cx="11858325" cy="1477328"/>
+          </a:xfrm>
+          <a:prstGeom prst="rect">
+            <a:avLst/>
+          </a:prstGeom>
+        </p:spPr>
+        <p:txBody>
+          <a:bodyPr wrap="square">
+            <a:spAutoFit/>
+          </a:bodyPr>
+          <a:lstStyle/>
+          <a:p>
+            <a:r>
+              <a:rPr lang="en-US" altLang="zh-CN">
+                <a:latin typeface="微软雅黑" panose="020B0503020204020204" pitchFamily="34" charset="-122"/>
+                <a:ea typeface="微软雅黑" panose="020B0503020204020204" pitchFamily="34" charset="-122"/>
+              </a:rPr>
+              <a:t>python  detector.py  --ckpt_path=..\ckpt\fine_tuning\model.ckpt-0   --image_path=test_img\2.jpg</a:t>
+            </a:r>
+          </a:p>
+          <a:p>
+            <a:endParaRPr lang="en-US" altLang="zh-CN">
+              <a:latin typeface="微软雅黑" panose="020B0503020204020204" pitchFamily="34" charset="-122"/>
+              <a:ea typeface="微软雅黑" panose="020B0503020204020204" pitchFamily="34" charset="-122"/>
+            </a:endParaRPr>
+          </a:p>
+          <a:p>
+            <a:r>
+              <a:rPr lang="en-US" altLang="zh-CN">
+                <a:latin typeface="微软雅黑" panose="020B0503020204020204" pitchFamily="34" charset="-122"/>
+                <a:ea typeface="微软雅黑" panose="020B0503020204020204" pitchFamily="34" charset="-122"/>
+              </a:rPr>
+              <a:t>--ckpt_path</a:t>
+            </a:r>
+            <a:r>
+              <a:rPr lang="zh-CN" altLang="en-US">
+                <a:latin typeface="微软雅黑" panose="020B0503020204020204" pitchFamily="34" charset="-122"/>
+                <a:ea typeface="微软雅黑" panose="020B0503020204020204" pitchFamily="34" charset="-122"/>
+              </a:rPr>
+              <a:t>：</a:t>
+            </a:r>
+            <a:r>
+              <a:rPr lang="en-US" altLang="zh-CN">
+                <a:latin typeface="微软雅黑" panose="020B0503020204020204" pitchFamily="34" charset="-122"/>
+                <a:ea typeface="微软雅黑" panose="020B0503020204020204" pitchFamily="34" charset="-122"/>
+              </a:rPr>
+              <a:t>ckpt</a:t>
+            </a:r>
+            <a:r>
+              <a:rPr lang="zh-CN" altLang="en-US">
+                <a:latin typeface="微软雅黑" panose="020B0503020204020204" pitchFamily="34" charset="-122"/>
+                <a:ea typeface="微软雅黑" panose="020B0503020204020204" pitchFamily="34" charset="-122"/>
+              </a:rPr>
+              <a:t>文件所在路径</a:t>
+            </a:r>
+            <a:endParaRPr lang="en-US" altLang="zh-CN">
+              <a:latin typeface="微软雅黑" panose="020B0503020204020204" pitchFamily="34" charset="-122"/>
+              <a:ea typeface="微软雅黑" panose="020B0503020204020204" pitchFamily="34" charset="-122"/>
+            </a:endParaRPr>
+          </a:p>
+          <a:p>
+            <a:r>
+              <a:rPr lang="en-US" altLang="zh-CN">
+                <a:latin typeface="微软雅黑" panose="020B0503020204020204" pitchFamily="34" charset="-122"/>
+                <a:ea typeface="微软雅黑" panose="020B0503020204020204" pitchFamily="34" charset="-122"/>
+              </a:rPr>
+              <a:t>--image_path</a:t>
+            </a:r>
+            <a:r>
+              <a:rPr lang="zh-CN" altLang="en-US">
+                <a:latin typeface="微软雅黑" panose="020B0503020204020204" pitchFamily="34" charset="-122"/>
+                <a:ea typeface="微软雅黑" panose="020B0503020204020204" pitchFamily="34" charset="-122"/>
+              </a:rPr>
+              <a:t>：测试图片路径</a:t>
+            </a:r>
+            <a:endParaRPr lang="en-US" altLang="zh-CN">
+              <a:latin typeface="微软雅黑" panose="020B0503020204020204" pitchFamily="34" charset="-122"/>
+              <a:ea typeface="微软雅黑" panose="020B0503020204020204" pitchFamily="34" charset="-122"/>
+            </a:endParaRPr>
+          </a:p>
+          <a:p>
+            <a:endParaRPr lang="zh-CN" altLang="en-US">
+              <a:latin typeface="微软雅黑" panose="020B0503020204020204" pitchFamily="34" charset="-122"/>
+              <a:ea typeface="微软雅黑" panose="020B0503020204020204" pitchFamily="34" charset="-122"/>
+            </a:endParaRPr>
+          </a:p>
+        </p:txBody>
+      </p:sp>
+      <p:pic>
+        <p:nvPicPr>
+          <p:cNvPr id="7" name="图片 6">
+            <a:hlinkClick r:id="rId2"/>
+            <a:extLst>
+              <a:ext uri="{FF2B5EF4-FFF2-40B4-BE49-F238E27FC236}">
+                <a16:creationId xmlns:a16="http://schemas.microsoft.com/office/drawing/2014/main" id="{D4627722-36F9-49C2-B170-5856848A2B0B}"/>
+              </a:ext>
+            </a:extLst>
+          </p:cNvPr>
+          <p:cNvPicPr>
+            <a:picLocks noChangeAspect="1"/>
+          </p:cNvPicPr>
+          <p:nvPr/>
+        </p:nvPicPr>
+        <p:blipFill>
+          <a:blip r:embed="rId3">
+            <a:extLst>
+              <a:ext uri="{28A0092B-C50C-407E-A947-70E740481C1C}">
+                <a14:useLocalDpi xmlns:a14="http://schemas.microsoft.com/office/drawing/2010/main" val="0"/>
+              </a:ext>
+            </a:extLst>
+          </a:blip>
+          <a:stretch>
+            <a:fillRect/>
+          </a:stretch>
+        </p:blipFill>
+        <p:spPr>
+          <a:xfrm>
+            <a:off x="4722395" y="4913998"/>
+            <a:ext cx="2747211" cy="1442286"/>
+          </a:xfrm>
+          <a:prstGeom prst="rect">
+            <a:avLst/>
+          </a:prstGeom>
+        </p:spPr>
+      </p:pic>
+    </p:spTree>
+    <p:extLst>
+      <p:ext uri="{BB962C8B-B14F-4D97-AF65-F5344CB8AC3E}">
+        <p14:creationId xmlns:p14="http://schemas.microsoft.com/office/powerpoint/2010/main" val="3545310571"/>
+      </p:ext>
+    </p:extLst>
+  </p:cSld>
+  <p:clrMapOvr>
+    <a:masterClrMapping/>
+  </p:clrMapOvr>
+</p:sld>
+</file>
+
+<file path=ppt/slides/slide18.xml><?xml version="1.0" encoding="utf-8"?>
+<p:sld xmlns:a="http://schemas.openxmlformats.org/drawingml/2006/main" xmlns:r="http://schemas.openxmlformats.org/officeDocument/2006/relationships" xmlns:p="http://schemas.openxmlformats.org/presentationml/2006/main">
+  <p:cSld>
+    <p:spTree>
+      <p:nvGrpSpPr>
+        <p:cNvPr id="1" name=""/>
+        <p:cNvGrpSpPr/>
+        <p:nvPr/>
+      </p:nvGrpSpPr>
+      <p:grpSpPr>
+        <a:xfrm>
+          <a:off x="0" y="0"/>
+          <a:ext cx="0" cy="0"/>
+          <a:chOff x="0" y="0"/>
+          <a:chExt cx="0" cy="0"/>
+        </a:xfrm>
+      </p:grpSpPr>
+      <p:pic>
+        <p:nvPicPr>
+          <p:cNvPr id="2" name="图片 1"/>
+          <p:cNvPicPr>
+            <a:picLocks noChangeAspect="1"/>
+          </p:cNvPicPr>
+          <p:nvPr/>
+        </p:nvPicPr>
+        <p:blipFill>
+          <a:blip r:embed="rId2"/>
+          <a:stretch>
+            <a:fillRect/>
+          </a:stretch>
+        </p:blipFill>
+        <p:spPr>
+          <a:xfrm>
+            <a:off x="4092353" y="1697541"/>
+            <a:ext cx="4047041" cy="2687869"/>
+          </a:xfrm>
+          <a:prstGeom prst="rect">
+            <a:avLst/>
+          </a:prstGeom>
+        </p:spPr>
+      </p:pic>
+    </p:spTree>
+    <p:extLst>
+      <p:ext uri="{BB962C8B-B14F-4D97-AF65-F5344CB8AC3E}">
+        <p14:creationId xmlns:p14="http://schemas.microsoft.com/office/powerpoint/2010/main" val="3457504989"/>
+      </p:ext>
+    </p:extLst>
+  </p:cSld>
+  <p:clrMapOvr>
+    <a:masterClrMapping/>
+  </p:clrMapOvr>
+</p:sld>
+</file>
+
+<file path=ppt/slides/slide19.xml><?xml version="1.0" encoding="utf-8"?>
+<p:sld xmlns:a="http://schemas.openxmlformats.org/drawingml/2006/main" xmlns:r="http://schemas.openxmlformats.org/officeDocument/2006/relationships" xmlns:p="http://schemas.openxmlformats.org/presentationml/2006/main">
+  <p:cSld>
+    <p:spTree>
+      <p:nvGrpSpPr>
+        <p:cNvPr id="1" name=""/>
+        <p:cNvGrpSpPr/>
+        <p:nvPr/>
+      </p:nvGrpSpPr>
+      <p:grpSpPr>
+        <a:xfrm>
+          <a:off x="0" y="0"/>
+          <a:ext cx="0" cy="0"/>
+          <a:chOff x="0" y="0"/>
+          <a:chExt cx="0" cy="0"/>
+        </a:xfrm>
+      </p:grpSpPr>
+      <p:sp>
+        <p:nvSpPr>
+          <p:cNvPr id="2" name="文本框 1">
+            <a:extLst>
+              <a:ext uri="{FF2B5EF4-FFF2-40B4-BE49-F238E27FC236}">
+                <a16:creationId xmlns:a16="http://schemas.microsoft.com/office/drawing/2014/main" id="{7C180F8A-4CC8-485F-9BD4-65A351FC5FCE}"/>
+              </a:ext>
+            </a:extLst>
+          </p:cNvPr>
+          <p:cNvSpPr txBox="1"/>
+          <p:nvPr/>
+        </p:nvSpPr>
+        <p:spPr>
+          <a:xfrm>
+            <a:off x="590550" y="476250"/>
             <a:ext cx="1338828" cy="369332"/>
           </a:xfrm>
           <a:prstGeom prst="rect">
@@ -4160,12 +6890,87 @@
           </a:bodyPr>
           <a:lstStyle/>
           <a:p>
+            <a:pPr algn="l"/>
             <a:r>
               <a:rPr lang="zh-CN" altLang="en-US">
                 <a:latin typeface="微软雅黑" panose="020B0503020204020204" pitchFamily="34" charset="-122"/>
                 <a:ea typeface="微软雅黑" panose="020B0503020204020204" pitchFamily="34" charset="-122"/>
               </a:rPr>
-              <a:t>数据集处理</a:t>
+              <a:t>下一步工作</a:t>
+            </a:r>
+          </a:p>
+        </p:txBody>
+      </p:sp>
+      <p:sp>
+        <p:nvSpPr>
+          <p:cNvPr id="3" name="文本框 2">
+            <a:extLst>
+              <a:ext uri="{FF2B5EF4-FFF2-40B4-BE49-F238E27FC236}">
+                <a16:creationId xmlns:a16="http://schemas.microsoft.com/office/drawing/2014/main" id="{0AC7C2F0-4C47-46ED-ACF6-835E55EAE83E}"/>
+              </a:ext>
+            </a:extLst>
+          </p:cNvPr>
+          <p:cNvSpPr txBox="1"/>
+          <p:nvPr/>
+        </p:nvSpPr>
+        <p:spPr>
+          <a:xfrm>
+            <a:off x="1259964" y="1571625"/>
+            <a:ext cx="3320140" cy="923330"/>
+          </a:xfrm>
+          <a:prstGeom prst="rect">
+            <a:avLst/>
+          </a:prstGeom>
+          <a:noFill/>
+        </p:spPr>
+        <p:txBody>
+          <a:bodyPr wrap="none" rtlCol="0">
+            <a:spAutoFit/>
+          </a:bodyPr>
+          <a:lstStyle/>
+          <a:p>
+            <a:pPr algn="l"/>
+            <a:r>
+              <a:rPr lang="en-US" altLang="zh-CN">
+                <a:latin typeface="微软雅黑" panose="020B0503020204020204" pitchFamily="34" charset="-122"/>
+                <a:ea typeface="微软雅黑" panose="020B0503020204020204" pitchFamily="34" charset="-122"/>
+              </a:rPr>
+              <a:t>1</a:t>
+            </a:r>
+            <a:r>
+              <a:rPr lang="zh-CN" altLang="en-US">
+                <a:latin typeface="微软雅黑" panose="020B0503020204020204" pitchFamily="34" charset="-122"/>
+                <a:ea typeface="微软雅黑" panose="020B0503020204020204" pitchFamily="34" charset="-122"/>
+              </a:rPr>
+              <a:t>、用检测模型将车辆检测出来</a:t>
+            </a:r>
+            <a:endParaRPr lang="en-US" altLang="zh-CN">
+              <a:latin typeface="微软雅黑" panose="020B0503020204020204" pitchFamily="34" charset="-122"/>
+              <a:ea typeface="微软雅黑" panose="020B0503020204020204" pitchFamily="34" charset="-122"/>
+            </a:endParaRPr>
+          </a:p>
+          <a:p>
+            <a:pPr algn="l"/>
+            <a:endParaRPr lang="en-US" altLang="zh-CN">
+              <a:latin typeface="微软雅黑" panose="020B0503020204020204" pitchFamily="34" charset="-122"/>
+              <a:ea typeface="微软雅黑" panose="020B0503020204020204" pitchFamily="34" charset="-122"/>
+            </a:endParaRPr>
+          </a:p>
+          <a:p>
+            <a:pPr algn="l"/>
+            <a:r>
+              <a:rPr lang="en-US" altLang="zh-CN">
+                <a:latin typeface="微软雅黑" panose="020B0503020204020204" pitchFamily="34" charset="-122"/>
+                <a:ea typeface="微软雅黑" panose="020B0503020204020204" pitchFamily="34" charset="-122"/>
+              </a:rPr>
+              <a:t>2</a:t>
+            </a:r>
+            <a:r>
+              <a:rPr lang="zh-CN" altLang="en-US">
+                <a:latin typeface="微软雅黑" panose="020B0503020204020204" pitchFamily="34" charset="-122"/>
+                <a:ea typeface="微软雅黑" panose="020B0503020204020204" pitchFamily="34" charset="-122"/>
+              </a:rPr>
+              <a:t>、用分类网络进行细分</a:t>
             </a:r>
           </a:p>
         </p:txBody>
@@ -4173,7 +6978,7 @@
     </p:spTree>
     <p:extLst>
       <p:ext uri="{BB962C8B-B14F-4D97-AF65-F5344CB8AC3E}">
-        <p14:creationId xmlns:p14="http://schemas.microsoft.com/office/powerpoint/2010/main" val="3781886619"/>
+        <p14:creationId xmlns:p14="http://schemas.microsoft.com/office/powerpoint/2010/main" val="3469158366"/>
       </p:ext>
     </p:extLst>
   </p:cSld>
@@ -4200,6 +7005,138 @@
           <a:chExt cx="0" cy="0"/>
         </a:xfrm>
       </p:grpSpPr>
+    </p:spTree>
+    <p:extLst>
+      <p:ext uri="{BB962C8B-B14F-4D97-AF65-F5344CB8AC3E}">
+        <p14:creationId xmlns:p14="http://schemas.microsoft.com/office/powerpoint/2010/main" val="3184694980"/>
+      </p:ext>
+    </p:extLst>
+  </p:cSld>
+  <p:clrMapOvr>
+    <a:masterClrMapping/>
+  </p:clrMapOvr>
+</p:sld>
+</file>
+
+<file path=ppt/slides/slide3.xml><?xml version="1.0" encoding="utf-8"?>
+<p:sld xmlns:a="http://schemas.openxmlformats.org/drawingml/2006/main" xmlns:r="http://schemas.openxmlformats.org/officeDocument/2006/relationships" xmlns:p="http://schemas.openxmlformats.org/presentationml/2006/main">
+  <p:cSld>
+    <p:spTree>
+      <p:nvGrpSpPr>
+        <p:cNvPr id="1" name=""/>
+        <p:cNvGrpSpPr/>
+        <p:nvPr/>
+      </p:nvGrpSpPr>
+      <p:grpSpPr>
+        <a:xfrm>
+          <a:off x="0" y="0"/>
+          <a:ext cx="0" cy="0"/>
+          <a:chOff x="0" y="0"/>
+          <a:chExt cx="0" cy="0"/>
+        </a:xfrm>
+      </p:grpSpPr>
+      <p:sp>
+        <p:nvSpPr>
+          <p:cNvPr id="2" name="文本框 1">
+            <a:extLst>
+              <a:ext uri="{FF2B5EF4-FFF2-40B4-BE49-F238E27FC236}">
+                <a16:creationId xmlns:a16="http://schemas.microsoft.com/office/drawing/2014/main" id="{E43659B1-01A3-4424-93F3-88BF34D040DF}"/>
+              </a:ext>
+            </a:extLst>
+          </p:cNvPr>
+          <p:cNvSpPr txBox="1"/>
+          <p:nvPr/>
+        </p:nvSpPr>
+        <p:spPr>
+          <a:xfrm>
+            <a:off x="4580923" y="2705853"/>
+            <a:ext cx="3030155" cy="769313"/>
+          </a:xfrm>
+          <a:prstGeom prst="rect">
+            <a:avLst/>
+          </a:prstGeom>
+          <a:noFill/>
+        </p:spPr>
+        <p:txBody>
+          <a:bodyPr wrap="square" rtlCol="0">
+            <a:spAutoFit/>
+          </a:bodyPr>
+          <a:lstStyle/>
+          <a:p>
+            <a:pPr defTabSz="914126"/>
+            <a:r>
+              <a:rPr lang="zh-CN" altLang="en-US" sz="4399" b="1">
+                <a:solidFill>
+                  <a:srgbClr val="006666"/>
+                </a:solidFill>
+                <a:latin typeface="Arial" panose="020B0604020202020204" pitchFamily="34" charset="0"/>
+                <a:cs typeface="Arial" panose="020B0604020202020204" pitchFamily="34" charset="0"/>
+              </a:rPr>
+              <a:t>数据集处理</a:t>
+            </a:r>
+          </a:p>
+        </p:txBody>
+      </p:sp>
+      <p:pic>
+        <p:nvPicPr>
+          <p:cNvPr id="4" name="图片 3">
+            <a:extLst>
+              <a:ext uri="{FF2B5EF4-FFF2-40B4-BE49-F238E27FC236}">
+                <a16:creationId xmlns:a16="http://schemas.microsoft.com/office/drawing/2014/main" id="{BA363772-B2D7-4499-ACDA-20E4E891C74E}"/>
+              </a:ext>
+            </a:extLst>
+          </p:cNvPr>
+          <p:cNvPicPr>
+            <a:picLocks noChangeAspect="1"/>
+          </p:cNvPicPr>
+          <p:nvPr/>
+        </p:nvPicPr>
+        <p:blipFill>
+          <a:blip r:embed="rId2"/>
+          <a:stretch>
+            <a:fillRect/>
+          </a:stretch>
+        </p:blipFill>
+        <p:spPr>
+          <a:xfrm>
+            <a:off x="1589" y="895"/>
+            <a:ext cx="1009261" cy="3170603"/>
+          </a:xfrm>
+          <a:prstGeom prst="rect">
+            <a:avLst/>
+          </a:prstGeom>
+        </p:spPr>
+      </p:pic>
+    </p:spTree>
+    <p:extLst>
+      <p:ext uri="{BB962C8B-B14F-4D97-AF65-F5344CB8AC3E}">
+        <p14:creationId xmlns:p14="http://schemas.microsoft.com/office/powerpoint/2010/main" val="2777837126"/>
+      </p:ext>
+    </p:extLst>
+  </p:cSld>
+  <p:clrMapOvr>
+    <a:masterClrMapping/>
+  </p:clrMapOvr>
+</p:sld>
+</file>
+
+<file path=ppt/slides/slide4.xml><?xml version="1.0" encoding="utf-8"?>
+<p:sld xmlns:a="http://schemas.openxmlformats.org/drawingml/2006/main" xmlns:r="http://schemas.openxmlformats.org/officeDocument/2006/relationships" xmlns:p="http://schemas.openxmlformats.org/presentationml/2006/main">
+  <p:cSld>
+    <p:spTree>
+      <p:nvGrpSpPr>
+        <p:cNvPr id="1" name=""/>
+        <p:cNvGrpSpPr/>
+        <p:nvPr/>
+      </p:nvGrpSpPr>
+      <p:grpSpPr>
+        <a:xfrm>
+          <a:off x="0" y="0"/>
+          <a:ext cx="0" cy="0"/>
+          <a:chOff x="0" y="0"/>
+          <a:chExt cx="0" cy="0"/>
+        </a:xfrm>
+      </p:grpSpPr>
       <p:grpSp>
         <p:nvGrpSpPr>
           <p:cNvPr id="12" name="组合 11">
@@ -4214,7 +7151,7 @@
         </p:nvGrpSpPr>
         <p:grpSpPr>
           <a:xfrm>
-            <a:off x="429106" y="1105933"/>
+            <a:off x="429106" y="1067833"/>
             <a:ext cx="11333788" cy="4965587"/>
             <a:chOff x="659424" y="1201183"/>
             <a:chExt cx="11333788" cy="4965587"/>
@@ -4563,6 +7500,48 @@
           </p:txBody>
         </p:sp>
       </p:grpSp>
+      <p:sp>
+        <p:nvSpPr>
+          <p:cNvPr id="6" name="文本框 5">
+            <a:extLst>
+              <a:ext uri="{FF2B5EF4-FFF2-40B4-BE49-F238E27FC236}">
+                <a16:creationId xmlns:a16="http://schemas.microsoft.com/office/drawing/2014/main" id="{27584C9E-1585-4C59-83B5-69BA42480654}"/>
+              </a:ext>
+            </a:extLst>
+          </p:cNvPr>
+          <p:cNvSpPr txBox="1"/>
+          <p:nvPr/>
+        </p:nvSpPr>
+        <p:spPr>
+          <a:xfrm>
+            <a:off x="189179" y="338535"/>
+            <a:ext cx="2262158" cy="369332"/>
+          </a:xfrm>
+          <a:prstGeom prst="rect">
+            <a:avLst/>
+          </a:prstGeom>
+          <a:noFill/>
+        </p:spPr>
+        <p:txBody>
+          <a:bodyPr wrap="none" rtlCol="0">
+            <a:spAutoFit/>
+          </a:bodyPr>
+          <a:lstStyle/>
+          <a:p>
+            <a:pPr algn="l"/>
+            <a:r>
+              <a:rPr lang="zh-CN" altLang="en-US">
+                <a:solidFill>
+                  <a:srgbClr val="006666"/>
+                </a:solidFill>
+                <a:latin typeface="微软雅黑" panose="020B0503020204020204" pitchFamily="34" charset="-122"/>
+                <a:ea typeface="微软雅黑" panose="020B0503020204020204" pitchFamily="34" charset="-122"/>
+              </a:rPr>
+              <a:t>去除分类错误的样本</a:t>
+            </a:r>
+          </a:p>
+        </p:txBody>
+      </p:sp>
     </p:spTree>
     <p:extLst>
       <p:ext uri="{BB962C8B-B14F-4D97-AF65-F5344CB8AC3E}">
@@ -4576,7 +7555,7 @@
 </p:sld>
 </file>
 
-<file path=ppt/slides/slide3.xml><?xml version="1.0" encoding="utf-8"?>
+<file path=ppt/slides/slide5.xml><?xml version="1.0" encoding="utf-8"?>
 <p:sld xmlns:a="http://schemas.openxmlformats.org/drawingml/2006/main" xmlns:r="http://schemas.openxmlformats.org/officeDocument/2006/relationships" xmlns:p="http://schemas.openxmlformats.org/presentationml/2006/main">
   <p:cSld>
     <p:spTree>
@@ -4623,42 +7602,12 @@
           </a:prstGeom>
         </p:spPr>
       </p:pic>
-    </p:spTree>
-    <p:extLst>
-      <p:ext uri="{BB962C8B-B14F-4D97-AF65-F5344CB8AC3E}">
-        <p14:creationId xmlns:p14="http://schemas.microsoft.com/office/powerpoint/2010/main" val="4104241898"/>
-      </p:ext>
-    </p:extLst>
-  </p:cSld>
-  <p:clrMapOvr>
-    <a:masterClrMapping/>
-  </p:clrMapOvr>
-</p:sld>
-</file>
-
-<file path=ppt/slides/slide4.xml><?xml version="1.0" encoding="utf-8"?>
-<p:sld xmlns:a="http://schemas.openxmlformats.org/drawingml/2006/main" xmlns:r="http://schemas.openxmlformats.org/officeDocument/2006/relationships" xmlns:p="http://schemas.openxmlformats.org/presentationml/2006/main">
-  <p:cSld>
-    <p:spTree>
-      <p:nvGrpSpPr>
-        <p:cNvPr id="1" name=""/>
-        <p:cNvGrpSpPr/>
-        <p:nvPr/>
-      </p:nvGrpSpPr>
-      <p:grpSpPr>
-        <a:xfrm>
-          <a:off x="0" y="0"/>
-          <a:ext cx="0" cy="0"/>
-          <a:chOff x="0" y="0"/>
-          <a:chExt cx="0" cy="0"/>
-        </a:xfrm>
-      </p:grpSpPr>
-      <p:sp>
-        <p:nvSpPr>
-          <p:cNvPr id="2" name="文本框 1">
-            <a:extLst>
-              <a:ext uri="{FF2B5EF4-FFF2-40B4-BE49-F238E27FC236}">
-                <a16:creationId xmlns:a16="http://schemas.microsoft.com/office/drawing/2014/main" id="{8EDD6911-6A00-440E-AC3F-6D20794D73FB}"/>
+      <p:sp>
+        <p:nvSpPr>
+          <p:cNvPr id="3" name="文本框 2">
+            <a:extLst>
+              <a:ext uri="{FF2B5EF4-FFF2-40B4-BE49-F238E27FC236}">
+                <a16:creationId xmlns:a16="http://schemas.microsoft.com/office/drawing/2014/main" id="{1816DF98-0F8E-4ED5-AD96-A3ABD36BB836}"/>
               </a:ext>
             </a:extLst>
           </p:cNvPr>
@@ -4667,8 +7616,8 @@
         </p:nvSpPr>
         <p:spPr>
           <a:xfrm>
-            <a:off x="342899" y="314325"/>
-            <a:ext cx="7639051" cy="3108543"/>
+            <a:off x="141554" y="90885"/>
+            <a:ext cx="2760692" cy="369332"/>
           </a:xfrm>
           <a:prstGeom prst="rect">
             <a:avLst/>
@@ -4676,569 +7625,30 @@
           <a:noFill/>
         </p:spPr>
         <p:txBody>
-          <a:bodyPr wrap="square" rtlCol="0">
-            <a:spAutoFit/>
-          </a:bodyPr>
-          <a:lstStyle/>
-          <a:p>
-            <a:pPr algn="l"/>
-            <a:r>
-              <a:rPr lang="zh-CN" altLang="en-US">
-                <a:latin typeface="微软雅黑" panose="020B0503020204020204" pitchFamily="34" charset="-122"/>
-                <a:ea typeface="微软雅黑" panose="020B0503020204020204" pitchFamily="34" charset="-122"/>
-              </a:rPr>
-              <a:t>主要函数：</a:t>
-            </a:r>
-            <a:endParaRPr lang="en-US" altLang="zh-CN">
-              <a:latin typeface="微软雅黑" panose="020B0503020204020204" pitchFamily="34" charset="-122"/>
-              <a:ea typeface="微软雅黑" panose="020B0503020204020204" pitchFamily="34" charset="-122"/>
-            </a:endParaRPr>
-          </a:p>
-          <a:p>
-            <a:pPr algn="l"/>
-            <a:endParaRPr lang="en-US" altLang="zh-CN">
-              <a:latin typeface="微软雅黑" panose="020B0503020204020204" pitchFamily="34" charset="-122"/>
-              <a:ea typeface="微软雅黑" panose="020B0503020204020204" pitchFamily="34" charset="-122"/>
-            </a:endParaRPr>
-          </a:p>
-          <a:p>
-            <a:pPr marL="285750" indent="-285750">
-              <a:buFont typeface="Wingdings" panose="05000000000000000000" pitchFamily="2" charset="2"/>
-              <a:buChar char="l"/>
-            </a:pPr>
-            <a:r>
-              <a:rPr lang="en-US" altLang="zh-CN" sz="1600">
-                <a:latin typeface="微软雅黑" panose="020B0503020204020204" pitchFamily="34" charset="-122"/>
-                <a:ea typeface="微软雅黑" panose="020B0503020204020204" pitchFamily="34" charset="-122"/>
-              </a:rPr>
-              <a:t>tf.python_io.TFRecordWriter(path)</a:t>
-            </a:r>
-          </a:p>
-          <a:p>
-            <a:pPr marL="742950" lvl="1" indent="-285750">
-              <a:buFont typeface="Arial" panose="020B0604020202020204" pitchFamily="34" charset="0"/>
-              <a:buChar char="•"/>
-            </a:pPr>
-            <a:r>
-              <a:rPr lang="en-US" altLang="zh-CN" sz="1400">
-                <a:latin typeface="微软雅黑" panose="020B0503020204020204" pitchFamily="34" charset="-122"/>
-                <a:ea typeface="微软雅黑" panose="020B0503020204020204" pitchFamily="34" charset="-122"/>
-              </a:rPr>
-              <a:t>TFRecord</a:t>
-            </a:r>
-            <a:r>
-              <a:rPr lang="zh-CN" altLang="en-US" sz="1400">
-                <a:latin typeface="微软雅黑" panose="020B0503020204020204" pitchFamily="34" charset="-122"/>
-                <a:ea typeface="微软雅黑" panose="020B0503020204020204" pitchFamily="34" charset="-122"/>
-              </a:rPr>
-              <a:t>文件存储器</a:t>
-            </a:r>
-            <a:endParaRPr lang="en-US" altLang="zh-CN" sz="1400">
-              <a:latin typeface="微软雅黑" panose="020B0503020204020204" pitchFamily="34" charset="-122"/>
-              <a:ea typeface="微软雅黑" panose="020B0503020204020204" pitchFamily="34" charset="-122"/>
-            </a:endParaRPr>
-          </a:p>
-          <a:p>
-            <a:pPr marL="742950" lvl="1" indent="-285750">
-              <a:buFont typeface="Arial" panose="020B0604020202020204" pitchFamily="34" charset="0"/>
-              <a:buChar char="•"/>
-            </a:pPr>
-            <a:r>
-              <a:rPr lang="en-US" altLang="zh-CN" sz="1400">
-                <a:latin typeface="微软雅黑" panose="020B0503020204020204" pitchFamily="34" charset="-122"/>
-                <a:ea typeface="微软雅黑" panose="020B0503020204020204" pitchFamily="34" charset="-122"/>
-              </a:rPr>
-              <a:t>path</a:t>
-            </a:r>
-            <a:r>
-              <a:rPr lang="zh-CN" altLang="en-US" sz="1400">
-                <a:latin typeface="微软雅黑" panose="020B0503020204020204" pitchFamily="34" charset="-122"/>
-                <a:ea typeface="微软雅黑" panose="020B0503020204020204" pitchFamily="34" charset="-122"/>
-              </a:rPr>
-              <a:t>：写入的</a:t>
-            </a:r>
-            <a:r>
-              <a:rPr lang="en-US" altLang="zh-CN" sz="1400">
-                <a:latin typeface="微软雅黑" panose="020B0503020204020204" pitchFamily="34" charset="-122"/>
-                <a:ea typeface="微软雅黑" panose="020B0503020204020204" pitchFamily="34" charset="-122"/>
-              </a:rPr>
-              <a:t>TFRecord</a:t>
-            </a:r>
-            <a:r>
-              <a:rPr lang="zh-CN" altLang="en-US" sz="1400">
-                <a:latin typeface="微软雅黑" panose="020B0503020204020204" pitchFamily="34" charset="-122"/>
-                <a:ea typeface="微软雅黑" panose="020B0503020204020204" pitchFamily="34" charset="-122"/>
-              </a:rPr>
-              <a:t>文件路径</a:t>
-            </a:r>
-            <a:endParaRPr lang="en-US" altLang="zh-CN" sz="1400">
-              <a:latin typeface="微软雅黑" panose="020B0503020204020204" pitchFamily="34" charset="-122"/>
-              <a:ea typeface="微软雅黑" panose="020B0503020204020204" pitchFamily="34" charset="-122"/>
-            </a:endParaRPr>
-          </a:p>
-          <a:p>
-            <a:pPr marL="742950" lvl="1" indent="-285750">
-              <a:buFont typeface="Arial" panose="020B0604020202020204" pitchFamily="34" charset="0"/>
-              <a:buChar char="•"/>
-            </a:pPr>
-            <a:r>
-              <a:rPr lang="zh-CN" altLang="en-US" sz="1400">
-                <a:latin typeface="微软雅黑" panose="020B0503020204020204" pitchFamily="34" charset="-122"/>
-                <a:ea typeface="微软雅黑" panose="020B0503020204020204" pitchFamily="34" charset="-122"/>
-              </a:rPr>
-              <a:t>方法：</a:t>
-            </a:r>
-            <a:endParaRPr lang="en-US" altLang="zh-CN" sz="1400">
-              <a:latin typeface="微软雅黑" panose="020B0503020204020204" pitchFamily="34" charset="-122"/>
-              <a:ea typeface="微软雅黑" panose="020B0503020204020204" pitchFamily="34" charset="-122"/>
-            </a:endParaRPr>
-          </a:p>
-          <a:p>
-            <a:pPr lvl="1"/>
-            <a:r>
-              <a:rPr lang="en-US" altLang="zh-CN" sz="1400">
-                <a:latin typeface="微软雅黑" panose="020B0503020204020204" pitchFamily="34" charset="-122"/>
-                <a:ea typeface="微软雅黑" panose="020B0503020204020204" pitchFamily="34" charset="-122"/>
-              </a:rPr>
-              <a:t>	write(Example.SerializeToString()):</a:t>
-            </a:r>
-            <a:r>
-              <a:rPr lang="zh-CN" altLang="en-US" sz="1400">
-                <a:latin typeface="微软雅黑" panose="020B0503020204020204" pitchFamily="34" charset="-122"/>
-                <a:ea typeface="微软雅黑" panose="020B0503020204020204" pitchFamily="34" charset="-122"/>
-              </a:rPr>
-              <a:t>向文件中写入一个</a:t>
-            </a:r>
-            <a:r>
-              <a:rPr lang="en-US" altLang="zh-CN" sz="1400">
-                <a:latin typeface="微软雅黑" panose="020B0503020204020204" pitchFamily="34" charset="-122"/>
-                <a:ea typeface="微软雅黑" panose="020B0503020204020204" pitchFamily="34" charset="-122"/>
-              </a:rPr>
-              <a:t>Example</a:t>
-            </a:r>
-          </a:p>
-          <a:p>
-            <a:r>
-              <a:rPr lang="en-US" altLang="zh-CN" sz="1400">
-                <a:latin typeface="微软雅黑" panose="020B0503020204020204" pitchFamily="34" charset="-122"/>
-                <a:ea typeface="微软雅黑" panose="020B0503020204020204" pitchFamily="34" charset="-122"/>
-              </a:rPr>
-              <a:t>	close():</a:t>
-            </a:r>
-            <a:r>
-              <a:rPr lang="zh-CN" altLang="en-US" sz="1400">
-                <a:latin typeface="微软雅黑" panose="020B0503020204020204" pitchFamily="34" charset="-122"/>
-                <a:ea typeface="微软雅黑" panose="020B0503020204020204" pitchFamily="34" charset="-122"/>
-              </a:rPr>
-              <a:t>关闭文件写入器</a:t>
-            </a:r>
-            <a:endParaRPr lang="en-US" altLang="zh-CN" sz="1400">
-              <a:latin typeface="微软雅黑" panose="020B0503020204020204" pitchFamily="34" charset="-122"/>
-              <a:ea typeface="微软雅黑" panose="020B0503020204020204" pitchFamily="34" charset="-122"/>
-            </a:endParaRPr>
-          </a:p>
-          <a:p>
-            <a:endParaRPr lang="en-US" altLang="zh-CN" sz="1600">
-              <a:latin typeface="微软雅黑" panose="020B0503020204020204" pitchFamily="34" charset="-122"/>
-              <a:ea typeface="微软雅黑" panose="020B0503020204020204" pitchFamily="34" charset="-122"/>
-            </a:endParaRPr>
-          </a:p>
-          <a:p>
-            <a:pPr marL="342900" indent="-342900">
-              <a:buFont typeface="Wingdings" panose="05000000000000000000" pitchFamily="2" charset="2"/>
-              <a:buChar char="l"/>
-            </a:pPr>
-            <a:r>
-              <a:rPr lang="en-US" altLang="zh-CN" sz="1600">
-                <a:latin typeface="微软雅黑" panose="020B0503020204020204" pitchFamily="34" charset="-122"/>
-                <a:ea typeface="微软雅黑" panose="020B0503020204020204" pitchFamily="34" charset="-122"/>
-              </a:rPr>
-              <a:t>tf.train.Example(features=None)</a:t>
-            </a:r>
-          </a:p>
-          <a:p>
-            <a:pPr marL="742950" lvl="1" indent="-285750">
-              <a:buFont typeface="Arial" panose="020B0604020202020204" pitchFamily="34" charset="0"/>
-              <a:buChar char="•"/>
-            </a:pPr>
-            <a:r>
-              <a:rPr lang="zh-CN" altLang="en-US" sz="1400">
-                <a:latin typeface="微软雅黑" panose="020B0503020204020204" pitchFamily="34" charset="-122"/>
-                <a:ea typeface="微软雅黑" panose="020B0503020204020204" pitchFamily="34" charset="-122"/>
-              </a:rPr>
-              <a:t>对图片数据和</a:t>
-            </a:r>
-            <a:r>
-              <a:rPr lang="en-US" altLang="zh-CN" sz="1400">
-                <a:latin typeface="微软雅黑" panose="020B0503020204020204" pitchFamily="34" charset="-122"/>
-                <a:ea typeface="微软雅黑" panose="020B0503020204020204" pitchFamily="34" charset="-122"/>
-              </a:rPr>
-              <a:t>XML</a:t>
-            </a:r>
-            <a:r>
-              <a:rPr lang="zh-CN" altLang="en-US" sz="1400">
-                <a:latin typeface="微软雅黑" panose="020B0503020204020204" pitchFamily="34" charset="-122"/>
-                <a:ea typeface="微软雅黑" panose="020B0503020204020204" pitchFamily="34" charset="-122"/>
-              </a:rPr>
-              <a:t>文件进行封装</a:t>
-            </a:r>
-            <a:r>
-              <a:rPr lang="en-US" altLang="zh-CN" sz="1400">
-                <a:latin typeface="微软雅黑" panose="020B0503020204020204" pitchFamily="34" charset="-122"/>
-                <a:ea typeface="微软雅黑" panose="020B0503020204020204" pitchFamily="34" charset="-122"/>
-              </a:rPr>
-              <a:t>		</a:t>
-            </a:r>
-          </a:p>
-          <a:p>
-            <a:pPr marL="742950" lvl="1" indent="-285750">
-              <a:buFont typeface="Arial" panose="020B0604020202020204" pitchFamily="34" charset="0"/>
-              <a:buChar char="•"/>
-            </a:pPr>
-            <a:r>
-              <a:rPr lang="en-US" altLang="zh-CN" sz="1400">
-                <a:latin typeface="微软雅黑" panose="020B0503020204020204" pitchFamily="34" charset="-122"/>
-                <a:ea typeface="微软雅黑" panose="020B0503020204020204" pitchFamily="34" charset="-122"/>
-              </a:rPr>
-              <a:t>features</a:t>
-            </a:r>
-            <a:r>
-              <a:rPr lang="zh-CN" altLang="en-US" sz="1400">
-                <a:latin typeface="微软雅黑" panose="020B0503020204020204" pitchFamily="34" charset="-122"/>
-                <a:ea typeface="微软雅黑" panose="020B0503020204020204" pitchFamily="34" charset="-122"/>
-              </a:rPr>
-              <a:t>：</a:t>
-            </a:r>
-            <a:r>
-              <a:rPr lang="en-US" altLang="zh-CN" sz="1400">
-                <a:latin typeface="微软雅黑" panose="020B0503020204020204" pitchFamily="34" charset="-122"/>
-                <a:ea typeface="微软雅黑" panose="020B0503020204020204" pitchFamily="34" charset="-122"/>
-              </a:rPr>
-              <a:t>tf.train.Features</a:t>
-            </a:r>
-            <a:r>
-              <a:rPr lang="zh-CN" altLang="en-US" sz="1400">
-                <a:latin typeface="微软雅黑" panose="020B0503020204020204" pitchFamily="34" charset="-122"/>
-                <a:ea typeface="微软雅黑" panose="020B0503020204020204" pitchFamily="34" charset="-122"/>
-              </a:rPr>
-              <a:t>类型的特征实例</a:t>
-            </a:r>
-          </a:p>
-          <a:p>
-            <a:pPr marL="742950" lvl="1" indent="-285750">
-              <a:buFont typeface="Arial" panose="020B0604020202020204" pitchFamily="34" charset="0"/>
-              <a:buChar char="•"/>
-            </a:pPr>
-            <a:r>
-              <a:rPr lang="en-US" altLang="zh-CN" sz="1400">
-                <a:latin typeface="微软雅黑" panose="020B0503020204020204" pitchFamily="34" charset="-122"/>
-                <a:ea typeface="微软雅黑" panose="020B0503020204020204" pitchFamily="34" charset="-122"/>
-              </a:rPr>
-              <a:t>return</a:t>
-            </a:r>
-            <a:r>
-              <a:rPr lang="zh-CN" altLang="en-US" sz="1400">
-                <a:latin typeface="微软雅黑" panose="020B0503020204020204" pitchFamily="34" charset="-122"/>
-                <a:ea typeface="微软雅黑" panose="020B0503020204020204" pitchFamily="34" charset="-122"/>
-              </a:rPr>
-              <a:t>：</a:t>
-            </a:r>
-            <a:r>
-              <a:rPr lang="en-US" altLang="zh-CN" sz="1400">
-                <a:latin typeface="微软雅黑" panose="020B0503020204020204" pitchFamily="34" charset="-122"/>
-                <a:ea typeface="微软雅黑" panose="020B0503020204020204" pitchFamily="34" charset="-122"/>
-              </a:rPr>
-              <a:t>example</a:t>
-            </a:r>
-            <a:r>
-              <a:rPr lang="zh-CN" altLang="en-US" sz="1400">
-                <a:latin typeface="微软雅黑" panose="020B0503020204020204" pitchFamily="34" charset="-122"/>
-                <a:ea typeface="微软雅黑" panose="020B0503020204020204" pitchFamily="34" charset="-122"/>
-              </a:rPr>
-              <a:t>格式协议块</a:t>
-            </a:r>
-            <a:endParaRPr lang="en-US" altLang="zh-CN" sz="1400">
-              <a:latin typeface="微软雅黑" panose="020B0503020204020204" pitchFamily="34" charset="-122"/>
-              <a:ea typeface="微软雅黑" panose="020B0503020204020204" pitchFamily="34" charset="-122"/>
-            </a:endParaRPr>
-          </a:p>
-        </p:txBody>
-      </p:sp>
-      <p:sp>
-        <p:nvSpPr>
-          <p:cNvPr id="3" name="文本框 2">
-            <a:extLst>
-              <a:ext uri="{FF2B5EF4-FFF2-40B4-BE49-F238E27FC236}">
-                <a16:creationId xmlns:a16="http://schemas.microsoft.com/office/drawing/2014/main" id="{484E89EE-DC93-4F72-8E54-617FFE154097}"/>
-              </a:ext>
-            </a:extLst>
-          </p:cNvPr>
-          <p:cNvSpPr txBox="1"/>
-          <p:nvPr/>
-        </p:nvSpPr>
-        <p:spPr>
-          <a:xfrm>
-            <a:off x="609600" y="2981325"/>
-            <a:ext cx="184731" cy="369332"/>
-          </a:xfrm>
-          <a:prstGeom prst="rect">
-            <a:avLst/>
-          </a:prstGeom>
-          <a:noFill/>
-        </p:spPr>
-        <p:txBody>
           <a:bodyPr wrap="none" rtlCol="0">
             <a:spAutoFit/>
           </a:bodyPr>
           <a:lstStyle/>
           <a:p>
-            <a:endParaRPr lang="zh-CN" altLang="en-US">
-              <a:latin typeface="微软雅黑" panose="020B0503020204020204" pitchFamily="34" charset="-122"/>
-              <a:ea typeface="微软雅黑" panose="020B0503020204020204" pitchFamily="34" charset="-122"/>
-            </a:endParaRPr>
-          </a:p>
-        </p:txBody>
-      </p:sp>
-      <p:pic>
-        <p:nvPicPr>
-          <p:cNvPr id="4" name="图片 3">
-            <a:extLst>
-              <a:ext uri="{FF2B5EF4-FFF2-40B4-BE49-F238E27FC236}">
-                <a16:creationId xmlns:a16="http://schemas.microsoft.com/office/drawing/2014/main" id="{E7018240-4FD2-46C2-91B3-4BF0C7C2D880}"/>
-              </a:ext>
-            </a:extLst>
-          </p:cNvPr>
-          <p:cNvPicPr>
-            <a:picLocks noChangeAspect="1"/>
-          </p:cNvPicPr>
-          <p:nvPr/>
-        </p:nvPicPr>
-        <p:blipFill>
-          <a:blip r:embed="rId3"/>
-          <a:stretch>
-            <a:fillRect/>
-          </a:stretch>
-        </p:blipFill>
-        <p:spPr>
-          <a:xfrm>
-            <a:off x="641684" y="3435133"/>
-            <a:ext cx="6229350" cy="3258429"/>
-          </a:xfrm>
-          <a:prstGeom prst="rect">
-            <a:avLst/>
-          </a:prstGeom>
-        </p:spPr>
-      </p:pic>
-      <p:sp>
-        <p:nvSpPr>
-          <p:cNvPr id="5" name="矩形 4">
-            <a:extLst>
-              <a:ext uri="{FF2B5EF4-FFF2-40B4-BE49-F238E27FC236}">
-                <a16:creationId xmlns:a16="http://schemas.microsoft.com/office/drawing/2014/main" id="{031C90FA-7FF6-452A-8F0A-5A782AE090D0}"/>
-              </a:ext>
-            </a:extLst>
-          </p:cNvPr>
-          <p:cNvSpPr/>
-          <p:nvPr/>
-        </p:nvSpPr>
-        <p:spPr>
-          <a:xfrm>
-            <a:off x="342899" y="3495079"/>
-            <a:ext cx="6096000" cy="2554545"/>
-          </a:xfrm>
-          <a:prstGeom prst="rect">
-            <a:avLst/>
-          </a:prstGeom>
-        </p:spPr>
-        <p:txBody>
-          <a:bodyPr>
-            <a:spAutoFit/>
-          </a:bodyPr>
-          <a:lstStyle/>
-          <a:p>
-            <a:pPr marL="285750" indent="-285750">
-              <a:buFont typeface="Wingdings" panose="05000000000000000000" pitchFamily="2" charset="2"/>
-              <a:buChar char="l"/>
-            </a:pPr>
-            <a:r>
-              <a:rPr lang="en-US" altLang="zh-CN" sz="1600">
-                <a:latin typeface="微软雅黑" panose="020B0503020204020204" pitchFamily="34" charset="-122"/>
-                <a:ea typeface="微软雅黑" panose="020B0503020204020204" pitchFamily="34" charset="-122"/>
-              </a:rPr>
-              <a:t>tf.train.Features(feature=None)</a:t>
-            </a:r>
-          </a:p>
-          <a:p>
-            <a:pPr marL="742950" lvl="1" indent="-285750">
-              <a:buFont typeface="Arial" panose="020B0604020202020204" pitchFamily="34" charset="0"/>
-              <a:buChar char="•"/>
-            </a:pPr>
-            <a:r>
-              <a:rPr lang="zh-CN" altLang="en-US" sz="1600">
-                <a:latin typeface="微软雅黑" panose="020B0503020204020204" pitchFamily="34" charset="-122"/>
-                <a:ea typeface="微软雅黑" panose="020B0503020204020204" pitchFamily="34" charset="-122"/>
-              </a:rPr>
-              <a:t>构建每个样本的信息键值对</a:t>
-            </a:r>
-          </a:p>
-          <a:p>
-            <a:pPr marL="742950" lvl="1" indent="-285750">
-              <a:buFont typeface="Arial" panose="020B0604020202020204" pitchFamily="34" charset="0"/>
-              <a:buChar char="•"/>
-            </a:pPr>
-            <a:r>
-              <a:rPr lang="en-US" altLang="zh-CN" sz="1600">
-                <a:latin typeface="微软雅黑" panose="020B0503020204020204" pitchFamily="34" charset="-122"/>
-                <a:ea typeface="微软雅黑" panose="020B0503020204020204" pitchFamily="34" charset="-122"/>
-              </a:rPr>
-              <a:t>feature</a:t>
-            </a:r>
-            <a:r>
-              <a:rPr lang="zh-CN" altLang="en-US" sz="1600">
-                <a:latin typeface="微软雅黑" panose="020B0503020204020204" pitchFamily="34" charset="-122"/>
-                <a:ea typeface="微软雅黑" panose="020B0503020204020204" pitchFamily="34" charset="-122"/>
-              </a:rPr>
-              <a:t>：字典数据</a:t>
-            </a:r>
-            <a:r>
-              <a:rPr lang="en-US" altLang="zh-CN" sz="1600">
-                <a:latin typeface="微软雅黑" panose="020B0503020204020204" pitchFamily="34" charset="-122"/>
-                <a:ea typeface="微软雅黑" panose="020B0503020204020204" pitchFamily="34" charset="-122"/>
-              </a:rPr>
-              <a:t>,key</a:t>
-            </a:r>
-            <a:r>
-              <a:rPr lang="zh-CN" altLang="en-US" sz="1600">
-                <a:latin typeface="微软雅黑" panose="020B0503020204020204" pitchFamily="34" charset="-122"/>
-                <a:ea typeface="微软雅黑" panose="020B0503020204020204" pitchFamily="34" charset="-122"/>
-              </a:rPr>
-              <a:t>为要保存的名字，</a:t>
-            </a:r>
-            <a:r>
-              <a:rPr lang="en-US" altLang="zh-CN" sz="1600">
-                <a:latin typeface="微软雅黑" panose="020B0503020204020204" pitchFamily="34" charset="-122"/>
-                <a:ea typeface="微软雅黑" panose="020B0503020204020204" pitchFamily="34" charset="-122"/>
-              </a:rPr>
-              <a:t>value</a:t>
-            </a:r>
-            <a:r>
-              <a:rPr lang="zh-CN" altLang="en-US" sz="1600">
-                <a:latin typeface="微软雅黑" panose="020B0503020204020204" pitchFamily="34" charset="-122"/>
-                <a:ea typeface="微软雅黑" panose="020B0503020204020204" pitchFamily="34" charset="-122"/>
-              </a:rPr>
-              <a:t>为</a:t>
-            </a:r>
-            <a:r>
-              <a:rPr lang="en-US" altLang="zh-CN" sz="1600">
-                <a:latin typeface="微软雅黑" panose="020B0503020204020204" pitchFamily="34" charset="-122"/>
-                <a:ea typeface="微软雅黑" panose="020B0503020204020204" pitchFamily="34" charset="-122"/>
-              </a:rPr>
-              <a:t>tf.train.Feature</a:t>
-            </a:r>
-            <a:r>
-              <a:rPr lang="zh-CN" altLang="en-US" sz="1600">
-                <a:latin typeface="微软雅黑" panose="020B0503020204020204" pitchFamily="34" charset="-122"/>
-                <a:ea typeface="微软雅黑" panose="020B0503020204020204" pitchFamily="34" charset="-122"/>
-              </a:rPr>
-              <a:t>实例</a:t>
-            </a:r>
-          </a:p>
-          <a:p>
-            <a:pPr marL="742950" lvl="1" indent="-285750">
-              <a:buFont typeface="Arial" panose="020B0604020202020204" pitchFamily="34" charset="0"/>
-              <a:buChar char="•"/>
-            </a:pPr>
-            <a:r>
-              <a:rPr lang="en-US" altLang="zh-CN" sz="1600">
-                <a:latin typeface="微软雅黑" panose="020B0503020204020204" pitchFamily="34" charset="-122"/>
-                <a:ea typeface="微软雅黑" panose="020B0503020204020204" pitchFamily="34" charset="-122"/>
-              </a:rPr>
-              <a:t>return</a:t>
-            </a:r>
-            <a:r>
-              <a:rPr lang="zh-CN" altLang="en-US" sz="1600">
-                <a:latin typeface="微软雅黑" panose="020B0503020204020204" pitchFamily="34" charset="-122"/>
-                <a:ea typeface="微软雅黑" panose="020B0503020204020204" pitchFamily="34" charset="-122"/>
-              </a:rPr>
-              <a:t>：</a:t>
-            </a:r>
-            <a:r>
-              <a:rPr lang="en-US" altLang="zh-CN" sz="1600">
-                <a:latin typeface="微软雅黑" panose="020B0503020204020204" pitchFamily="34" charset="-122"/>
-                <a:ea typeface="微软雅黑" panose="020B0503020204020204" pitchFamily="34" charset="-122"/>
-              </a:rPr>
-              <a:t>Features</a:t>
-            </a:r>
-            <a:r>
-              <a:rPr lang="zh-CN" altLang="en-US" sz="1600">
-                <a:latin typeface="微软雅黑" panose="020B0503020204020204" pitchFamily="34" charset="-122"/>
-                <a:ea typeface="微软雅黑" panose="020B0503020204020204" pitchFamily="34" charset="-122"/>
-              </a:rPr>
-              <a:t>类型</a:t>
-            </a:r>
-            <a:endParaRPr lang="en-US" altLang="zh-CN" sz="1600">
-              <a:latin typeface="微软雅黑" panose="020B0503020204020204" pitchFamily="34" charset="-122"/>
-              <a:ea typeface="微软雅黑" panose="020B0503020204020204" pitchFamily="34" charset="-122"/>
-            </a:endParaRPr>
-          </a:p>
-          <a:p>
-            <a:pPr lvl="1"/>
-            <a:endParaRPr lang="en-US" altLang="zh-CN" sz="1600">
-              <a:latin typeface="微软雅黑" panose="020B0503020204020204" pitchFamily="34" charset="-122"/>
-              <a:ea typeface="微软雅黑" panose="020B0503020204020204" pitchFamily="34" charset="-122"/>
-            </a:endParaRPr>
-          </a:p>
-          <a:p>
-            <a:pPr marL="285750" indent="-285750">
-              <a:buFont typeface="Wingdings" panose="05000000000000000000" pitchFamily="2" charset="2"/>
-              <a:buChar char="l"/>
-            </a:pPr>
-            <a:r>
-              <a:rPr lang="en-US" altLang="zh-CN" sz="1600">
-                <a:latin typeface="微软雅黑" panose="020B0503020204020204" pitchFamily="34" charset="-122"/>
-                <a:ea typeface="微软雅黑" panose="020B0503020204020204" pitchFamily="34" charset="-122"/>
-              </a:rPr>
-              <a:t>tf.train.Feature(**options)</a:t>
-            </a:r>
-          </a:p>
-          <a:p>
-            <a:pPr marL="742950" lvl="1" indent="-285750">
-              <a:buFont typeface="Arial" panose="020B0604020202020204" pitchFamily="34" charset="0"/>
-              <a:buChar char="•"/>
-            </a:pPr>
-            <a:r>
-              <a:rPr lang="en-US" altLang="zh-CN" sz="1600">
-                <a:latin typeface="微软雅黑" panose="020B0503020204020204" pitchFamily="34" charset="-122"/>
-                <a:ea typeface="微软雅黑" panose="020B0503020204020204" pitchFamily="34" charset="-122"/>
-              </a:rPr>
-              <a:t>**options</a:t>
-            </a:r>
-            <a:r>
-              <a:rPr lang="zh-CN" altLang="en-US" sz="1600">
-                <a:latin typeface="微软雅黑" panose="020B0503020204020204" pitchFamily="34" charset="-122"/>
-                <a:ea typeface="微软雅黑" panose="020B0503020204020204" pitchFamily="34" charset="-122"/>
-              </a:rPr>
-              <a:t>：例如</a:t>
-            </a:r>
-          </a:p>
-          <a:p>
-            <a:pPr lvl="1"/>
-            <a:r>
-              <a:rPr lang="en-US" altLang="zh-CN" sz="1600">
-                <a:latin typeface="微软雅黑" panose="020B0503020204020204" pitchFamily="34" charset="-122"/>
-                <a:ea typeface="微软雅黑" panose="020B0503020204020204" pitchFamily="34" charset="-122"/>
-              </a:rPr>
-              <a:t>bytes_list=tf.train. BytesList(value=[Bytes])</a:t>
-            </a:r>
-          </a:p>
-          <a:p>
-            <a:pPr lvl="1"/>
-            <a:r>
-              <a:rPr lang="en-US" altLang="zh-CN" sz="1600">
-                <a:latin typeface="微软雅黑" panose="020B0503020204020204" pitchFamily="34" charset="-122"/>
-                <a:ea typeface="微软雅黑" panose="020B0503020204020204" pitchFamily="34" charset="-122"/>
-              </a:rPr>
-              <a:t>int64_list=tf.train. Int64List(value=[Value])</a:t>
+            <a:r>
+              <a:rPr lang="en-US" altLang="zh-CN">
+                <a:solidFill>
+                  <a:srgbClr val="006666"/>
+                </a:solidFill>
+                <a:latin typeface="微软雅黑" panose="020B0503020204020204" pitchFamily="34" charset="-122"/>
+                <a:ea typeface="微软雅黑" panose="020B0503020204020204" pitchFamily="34" charset="-122"/>
+              </a:rPr>
+              <a:t>labelImg</a:t>
+            </a:r>
+            <a:r>
+              <a:rPr lang="zh-CN" altLang="en-US">
+                <a:solidFill>
+                  <a:srgbClr val="006666"/>
+                </a:solidFill>
+                <a:latin typeface="微软雅黑" panose="020B0503020204020204" pitchFamily="34" charset="-122"/>
+                <a:ea typeface="微软雅黑" panose="020B0503020204020204" pitchFamily="34" charset="-122"/>
+              </a:rPr>
+              <a:t>对图片进行标注</a:t>
             </a:r>
           </a:p>
         </p:txBody>
@@ -5246,443 +7656,7 @@
     </p:spTree>
     <p:extLst>
       <p:ext uri="{BB962C8B-B14F-4D97-AF65-F5344CB8AC3E}">
-        <p14:creationId xmlns:p14="http://schemas.microsoft.com/office/powerpoint/2010/main" val="4127781426"/>
-      </p:ext>
-    </p:extLst>
-  </p:cSld>
-  <p:clrMapOvr>
-    <a:masterClrMapping/>
-  </p:clrMapOvr>
-  <p:timing>
-    <p:tnLst>
-      <p:par>
-        <p:cTn id="1" dur="indefinite" restart="never" nodeType="tmRoot">
-          <p:childTnLst>
-            <p:seq concurrent="1" nextAc="seek">
-              <p:cTn id="2" dur="indefinite" nodeType="mainSeq">
-                <p:childTnLst>
-                  <p:par>
-                    <p:cTn id="3" fill="hold">
-                      <p:stCondLst>
-                        <p:cond delay="indefinite"/>
-                      </p:stCondLst>
-                      <p:childTnLst>
-                        <p:par>
-                          <p:cTn id="4" fill="hold">
-                            <p:stCondLst>
-                              <p:cond delay="0"/>
-                            </p:stCondLst>
-                            <p:childTnLst>
-                              <p:par>
-                                <p:cTn id="5" presetID="10" presetClass="exit" presetSubtype="0" fill="hold" grpId="0" nodeType="clickEffect">
-                                  <p:stCondLst>
-                                    <p:cond delay="0"/>
-                                  </p:stCondLst>
-                                  <p:childTnLst>
-                                    <p:animEffect transition="out" filter="fade">
-                                      <p:cBhvr>
-                                        <p:cTn id="6" dur="500"/>
-                                        <p:tgtEl>
-                                          <p:spTgt spid="5"/>
-                                        </p:tgtEl>
-                                      </p:cBhvr>
-                                    </p:animEffect>
-                                    <p:set>
-                                      <p:cBhvr>
-                                        <p:cTn id="7" dur="1" fill="hold">
-                                          <p:stCondLst>
-                                            <p:cond delay="499"/>
-                                          </p:stCondLst>
-                                        </p:cTn>
-                                        <p:tgtEl>
-                                          <p:spTgt spid="5"/>
-                                        </p:tgtEl>
-                                        <p:attrNameLst>
-                                          <p:attrName>style.visibility</p:attrName>
-                                        </p:attrNameLst>
-                                      </p:cBhvr>
-                                      <p:to>
-                                        <p:strVal val="hidden"/>
-                                      </p:to>
-                                    </p:set>
-                                  </p:childTnLst>
-                                </p:cTn>
-                              </p:par>
-                              <p:par>
-                                <p:cTn id="8" presetID="10" presetClass="entr" presetSubtype="0" fill="hold" nodeType="withEffect">
-                                  <p:stCondLst>
-                                    <p:cond delay="0"/>
-                                  </p:stCondLst>
-                                  <p:childTnLst>
-                                    <p:set>
-                                      <p:cBhvr>
-                                        <p:cTn id="9" dur="1" fill="hold">
-                                          <p:stCondLst>
-                                            <p:cond delay="0"/>
-                                          </p:stCondLst>
-                                        </p:cTn>
-                                        <p:tgtEl>
-                                          <p:spTgt spid="4"/>
-                                        </p:tgtEl>
-                                        <p:attrNameLst>
-                                          <p:attrName>style.visibility</p:attrName>
-                                        </p:attrNameLst>
-                                      </p:cBhvr>
-                                      <p:to>
-                                        <p:strVal val="visible"/>
-                                      </p:to>
-                                    </p:set>
-                                    <p:animEffect transition="in" filter="fade">
-                                      <p:cBhvr>
-                                        <p:cTn id="10" dur="500"/>
-                                        <p:tgtEl>
-                                          <p:spTgt spid="4"/>
-                                        </p:tgtEl>
-                                      </p:cBhvr>
-                                    </p:animEffect>
-                                  </p:childTnLst>
-                                </p:cTn>
-                              </p:par>
-                            </p:childTnLst>
-                          </p:cTn>
-                        </p:par>
-                      </p:childTnLst>
-                    </p:cTn>
-                  </p:par>
-                </p:childTnLst>
-              </p:cTn>
-              <p:prevCondLst>
-                <p:cond evt="onPrev" delay="0">
-                  <p:tgtEl>
-                    <p:sldTgt/>
-                  </p:tgtEl>
-                </p:cond>
-              </p:prevCondLst>
-              <p:nextCondLst>
-                <p:cond evt="onNext" delay="0">
-                  <p:tgtEl>
-                    <p:sldTgt/>
-                  </p:tgtEl>
-                </p:cond>
-              </p:nextCondLst>
-            </p:seq>
-          </p:childTnLst>
-        </p:cTn>
-      </p:par>
-    </p:tnLst>
-    <p:bldLst>
-      <p:bldP spid="5" grpId="0"/>
-    </p:bldLst>
-  </p:timing>
-</p:sld>
-</file>
-
-<file path=ppt/slides/slide5.xml><?xml version="1.0" encoding="utf-8"?>
-<p:sld xmlns:a="http://schemas.openxmlformats.org/drawingml/2006/main" xmlns:r="http://schemas.openxmlformats.org/officeDocument/2006/relationships" xmlns:p="http://schemas.openxmlformats.org/presentationml/2006/main">
-  <p:cSld>
-    <p:spTree>
-      <p:nvGrpSpPr>
-        <p:cNvPr id="1" name=""/>
-        <p:cNvGrpSpPr/>
-        <p:nvPr/>
-      </p:nvGrpSpPr>
-      <p:grpSpPr>
-        <a:xfrm>
-          <a:off x="0" y="0"/>
-          <a:ext cx="0" cy="0"/>
-          <a:chOff x="0" y="0"/>
-          <a:chExt cx="0" cy="0"/>
-        </a:xfrm>
-      </p:grpSpPr>
-      <p:sp>
-        <p:nvSpPr>
-          <p:cNvPr id="2" name="文本框 1">
-            <a:extLst>
-              <a:ext uri="{FF2B5EF4-FFF2-40B4-BE49-F238E27FC236}">
-                <a16:creationId xmlns:a16="http://schemas.microsoft.com/office/drawing/2014/main" id="{252545FA-72B3-4C8B-9CC7-29E230C4CD13}"/>
-              </a:ext>
-            </a:extLst>
-          </p:cNvPr>
-          <p:cNvSpPr txBox="1"/>
-          <p:nvPr/>
-        </p:nvSpPr>
-        <p:spPr>
-          <a:xfrm>
-            <a:off x="440656" y="3552411"/>
-            <a:ext cx="1293944" cy="830997"/>
-          </a:xfrm>
-          <a:prstGeom prst="rect">
-            <a:avLst/>
-          </a:prstGeom>
-          <a:noFill/>
-        </p:spPr>
-        <p:txBody>
-          <a:bodyPr wrap="none" rtlCol="0">
-            <a:spAutoFit/>
-          </a:bodyPr>
-          <a:lstStyle/>
-          <a:p>
-            <a:pPr lvl="1"/>
-            <a:endParaRPr lang="en-US" altLang="zh-CN" sz="1400">
-              <a:latin typeface="微软雅黑" panose="020B0503020204020204" pitchFamily="34" charset="-122"/>
-              <a:ea typeface="微软雅黑" panose="020B0503020204020204" pitchFamily="34" charset="-122"/>
-            </a:endParaRPr>
-          </a:p>
-          <a:p>
-            <a:pPr marL="285750" indent="-285750">
-              <a:buFont typeface="Wingdings" panose="05000000000000000000" pitchFamily="2" charset="2"/>
-              <a:buChar char="l"/>
-            </a:pPr>
-            <a:r>
-              <a:rPr lang="zh-CN" altLang="en-US" sz="1600">
-                <a:latin typeface="微软雅黑" panose="020B0503020204020204" pitchFamily="34" charset="-122"/>
-                <a:ea typeface="微软雅黑" panose="020B0503020204020204" pitchFamily="34" charset="-122"/>
-              </a:rPr>
-              <a:t>随机裁剪</a:t>
-            </a:r>
-            <a:endParaRPr lang="en-US" altLang="zh-CN" sz="1600">
-              <a:latin typeface="微软雅黑" panose="020B0503020204020204" pitchFamily="34" charset="-122"/>
-              <a:ea typeface="微软雅黑" panose="020B0503020204020204" pitchFamily="34" charset="-122"/>
-            </a:endParaRPr>
-          </a:p>
-          <a:p>
-            <a:pPr algn="l"/>
-            <a:endParaRPr lang="zh-CN" altLang="en-US">
-              <a:latin typeface="微软雅黑" panose="020B0503020204020204" pitchFamily="34" charset="-122"/>
-              <a:ea typeface="微软雅黑" panose="020B0503020204020204" pitchFamily="34" charset="-122"/>
-            </a:endParaRPr>
-          </a:p>
-        </p:txBody>
-      </p:sp>
-      <p:pic>
-        <p:nvPicPr>
-          <p:cNvPr id="3" name="图片 2">
-            <a:extLst>
-              <a:ext uri="{FF2B5EF4-FFF2-40B4-BE49-F238E27FC236}">
-                <a16:creationId xmlns:a16="http://schemas.microsoft.com/office/drawing/2014/main" id="{6720278A-E66B-43EB-9B86-F321A77E5502}"/>
-              </a:ext>
-            </a:extLst>
-          </p:cNvPr>
-          <p:cNvPicPr>
-            <a:picLocks noChangeAspect="1"/>
-          </p:cNvPicPr>
-          <p:nvPr/>
-        </p:nvPicPr>
-        <p:blipFill>
-          <a:blip r:embed="rId3"/>
-          <a:stretch>
-            <a:fillRect/>
-          </a:stretch>
-        </p:blipFill>
-        <p:spPr>
-          <a:xfrm>
-            <a:off x="460841" y="707822"/>
-            <a:ext cx="4694346" cy="2704690"/>
-          </a:xfrm>
-          <a:prstGeom prst="rect">
-            <a:avLst/>
-          </a:prstGeom>
-        </p:spPr>
-      </p:pic>
-      <p:sp>
-        <p:nvSpPr>
-          <p:cNvPr id="4" name="矩形 3">
-            <a:extLst>
-              <a:ext uri="{FF2B5EF4-FFF2-40B4-BE49-F238E27FC236}">
-                <a16:creationId xmlns:a16="http://schemas.microsoft.com/office/drawing/2014/main" id="{B045F09A-3251-4B77-9CB4-D8DA91FB1003}"/>
-              </a:ext>
-            </a:extLst>
-          </p:cNvPr>
-          <p:cNvSpPr/>
-          <p:nvPr/>
-        </p:nvSpPr>
-        <p:spPr>
-          <a:xfrm>
-            <a:off x="440656" y="281393"/>
-            <a:ext cx="3039807" cy="338554"/>
-          </a:xfrm>
-          <a:prstGeom prst="rect">
-            <a:avLst/>
-          </a:prstGeom>
-        </p:spPr>
-        <p:txBody>
-          <a:bodyPr wrap="none">
-            <a:spAutoFit/>
-          </a:bodyPr>
-          <a:lstStyle/>
-          <a:p>
-            <a:pPr marL="285750" indent="-285750">
-              <a:buFont typeface="Wingdings" panose="05000000000000000000" pitchFamily="2" charset="2"/>
-              <a:buChar char="l"/>
-            </a:pPr>
-            <a:r>
-              <a:rPr lang="zh-CN" altLang="en-US" sz="1600">
-                <a:latin typeface="微软雅黑" panose="020B0503020204020204" pitchFamily="34" charset="-122"/>
-                <a:ea typeface="微软雅黑" panose="020B0503020204020204" pitchFamily="34" charset="-122"/>
-              </a:rPr>
-              <a:t>减去图像均值（</a:t>
-            </a:r>
-            <a:r>
-              <a:rPr lang="en-US" altLang="zh-CN" sz="1600">
-                <a:latin typeface="微软雅黑" panose="020B0503020204020204" pitchFamily="34" charset="-122"/>
-                <a:ea typeface="微软雅黑" panose="020B0503020204020204" pitchFamily="34" charset="-122"/>
-              </a:rPr>
-              <a:t>SSD_VGG</a:t>
-            </a:r>
-            <a:r>
-              <a:rPr lang="zh-CN" altLang="en-US" sz="1600">
-                <a:latin typeface="微软雅黑" panose="020B0503020204020204" pitchFamily="34" charset="-122"/>
-                <a:ea typeface="微软雅黑" panose="020B0503020204020204" pitchFamily="34" charset="-122"/>
-              </a:rPr>
-              <a:t>）</a:t>
-            </a:r>
-            <a:endParaRPr lang="zh-CN" altLang="en-US" sz="1600"/>
-          </a:p>
-        </p:txBody>
-      </p:sp>
-      <p:pic>
-        <p:nvPicPr>
-          <p:cNvPr id="5" name="图片 4">
-            <a:extLst>
-              <a:ext uri="{FF2B5EF4-FFF2-40B4-BE49-F238E27FC236}">
-                <a16:creationId xmlns:a16="http://schemas.microsoft.com/office/drawing/2014/main" id="{191C64E6-2437-4F9B-B5FF-B48FADCE2E79}"/>
-              </a:ext>
-            </a:extLst>
-          </p:cNvPr>
-          <p:cNvPicPr>
-            <a:picLocks noChangeAspect="1"/>
-          </p:cNvPicPr>
-          <p:nvPr/>
-        </p:nvPicPr>
-        <p:blipFill>
-          <a:blip r:embed="rId4"/>
-          <a:stretch>
-            <a:fillRect/>
-          </a:stretch>
-        </p:blipFill>
-        <p:spPr>
-          <a:xfrm>
-            <a:off x="6700865" y="1151929"/>
-            <a:ext cx="4694346" cy="3231479"/>
-          </a:xfrm>
-          <a:prstGeom prst="rect">
-            <a:avLst/>
-          </a:prstGeom>
-        </p:spPr>
-      </p:pic>
-      <p:sp>
-        <p:nvSpPr>
-          <p:cNvPr id="6" name="矩形 5">
-            <a:extLst>
-              <a:ext uri="{FF2B5EF4-FFF2-40B4-BE49-F238E27FC236}">
-                <a16:creationId xmlns:a16="http://schemas.microsoft.com/office/drawing/2014/main" id="{63966FE6-C5A9-44CD-B98A-B666D9DFA164}"/>
-              </a:ext>
-            </a:extLst>
-          </p:cNvPr>
-          <p:cNvSpPr/>
-          <p:nvPr/>
-        </p:nvSpPr>
-        <p:spPr>
-          <a:xfrm>
-            <a:off x="6431170" y="281393"/>
-            <a:ext cx="1960345" cy="769441"/>
-          </a:xfrm>
-          <a:prstGeom prst="rect">
-            <a:avLst/>
-          </a:prstGeom>
-        </p:spPr>
-        <p:txBody>
-          <a:bodyPr wrap="square">
-            <a:spAutoFit/>
-          </a:bodyPr>
-          <a:lstStyle/>
-          <a:p>
-            <a:pPr marL="285750" indent="-285750">
-              <a:buFont typeface="Wingdings" panose="05000000000000000000" pitchFamily="2" charset="2"/>
-              <a:buChar char="l"/>
-            </a:pPr>
-            <a:r>
-              <a:rPr lang="zh-CN" altLang="en-US" sz="1600">
-                <a:latin typeface="微软雅黑" panose="020B0503020204020204" pitchFamily="34" charset="-122"/>
-                <a:ea typeface="微软雅黑" panose="020B0503020204020204" pitchFamily="34" charset="-122"/>
-              </a:rPr>
-              <a:t>随机颜色抖动</a:t>
-            </a:r>
-            <a:endParaRPr lang="en-US" altLang="zh-CN" sz="1600">
-              <a:latin typeface="微软雅黑" panose="020B0503020204020204" pitchFamily="34" charset="-122"/>
-              <a:ea typeface="微软雅黑" panose="020B0503020204020204" pitchFamily="34" charset="-122"/>
-            </a:endParaRPr>
-          </a:p>
-          <a:p>
-            <a:pPr marL="742950" lvl="1" indent="-285750">
-              <a:buFont typeface="Arial" panose="020B0604020202020204" pitchFamily="34" charset="0"/>
-              <a:buChar char="•"/>
-            </a:pPr>
-            <a:r>
-              <a:rPr lang="zh-CN" altLang="en-US" sz="1400">
-                <a:latin typeface="微软雅黑" panose="020B0503020204020204" pitchFamily="34" charset="-122"/>
-                <a:ea typeface="微软雅黑" panose="020B0503020204020204" pitchFamily="34" charset="-122"/>
-              </a:rPr>
-              <a:t>明亮程度</a:t>
-            </a:r>
-            <a:endParaRPr lang="en-US" altLang="zh-CN" sz="1400">
-              <a:latin typeface="微软雅黑" panose="020B0503020204020204" pitchFamily="34" charset="-122"/>
-              <a:ea typeface="微软雅黑" panose="020B0503020204020204" pitchFamily="34" charset="-122"/>
-            </a:endParaRPr>
-          </a:p>
-          <a:p>
-            <a:pPr marL="742950" lvl="1" indent="-285750">
-              <a:buFont typeface="Arial" panose="020B0604020202020204" pitchFamily="34" charset="0"/>
-              <a:buChar char="•"/>
-            </a:pPr>
-            <a:r>
-              <a:rPr lang="zh-CN" altLang="en-US" sz="1400">
-                <a:latin typeface="微软雅黑" panose="020B0503020204020204" pitchFamily="34" charset="-122"/>
-                <a:ea typeface="微软雅黑" panose="020B0503020204020204" pitchFamily="34" charset="-122"/>
-              </a:rPr>
-              <a:t>饱和度</a:t>
-            </a:r>
-            <a:endParaRPr lang="en-US" altLang="zh-CN" sz="1400">
-              <a:latin typeface="微软雅黑" panose="020B0503020204020204" pitchFamily="34" charset="-122"/>
-              <a:ea typeface="微软雅黑" panose="020B0503020204020204" pitchFamily="34" charset="-122"/>
-            </a:endParaRPr>
-          </a:p>
-        </p:txBody>
-      </p:sp>
-      <p:pic>
-        <p:nvPicPr>
-          <p:cNvPr id="7" name="图片 6">
-            <a:extLst>
-              <a:ext uri="{FF2B5EF4-FFF2-40B4-BE49-F238E27FC236}">
-                <a16:creationId xmlns:a16="http://schemas.microsoft.com/office/drawing/2014/main" id="{8D869F05-6E42-48CB-A948-243853D11BC3}"/>
-              </a:ext>
-            </a:extLst>
-          </p:cNvPr>
-          <p:cNvPicPr>
-            <a:picLocks noChangeAspect="1"/>
-          </p:cNvPicPr>
-          <p:nvPr/>
-        </p:nvPicPr>
-        <p:blipFill>
-          <a:blip r:embed="rId5"/>
-          <a:stretch>
-            <a:fillRect/>
-          </a:stretch>
-        </p:blipFill>
-        <p:spPr>
-          <a:xfrm>
-            <a:off x="440656" y="4238994"/>
-            <a:ext cx="4694346" cy="1911184"/>
-          </a:xfrm>
-          <a:prstGeom prst="rect">
-            <a:avLst/>
-          </a:prstGeom>
-        </p:spPr>
-      </p:pic>
-    </p:spTree>
-    <p:extLst>
-      <p:ext uri="{BB962C8B-B14F-4D97-AF65-F5344CB8AC3E}">
-        <p14:creationId xmlns:p14="http://schemas.microsoft.com/office/powerpoint/2010/main" val="1509286996"/>
+        <p14:creationId xmlns:p14="http://schemas.microsoft.com/office/powerpoint/2010/main" val="4104241898"/>
       </p:ext>
     </p:extLst>
   </p:cSld>
@@ -5709,10 +7683,648 @@
           <a:chExt cx="0" cy="0"/>
         </a:xfrm>
       </p:grpSpPr>
+      <p:sp>
+        <p:nvSpPr>
+          <p:cNvPr id="2" name="文本框 1">
+            <a:extLst>
+              <a:ext uri="{FF2B5EF4-FFF2-40B4-BE49-F238E27FC236}">
+                <a16:creationId xmlns:a16="http://schemas.microsoft.com/office/drawing/2014/main" id="{8EDD6911-6A00-440E-AC3F-6D20794D73FB}"/>
+              </a:ext>
+            </a:extLst>
+          </p:cNvPr>
+          <p:cNvSpPr txBox="1"/>
+          <p:nvPr/>
+        </p:nvSpPr>
+        <p:spPr>
+          <a:xfrm>
+            <a:off x="342899" y="956611"/>
+            <a:ext cx="7639051" cy="3108543"/>
+          </a:xfrm>
+          <a:prstGeom prst="rect">
+            <a:avLst/>
+          </a:prstGeom>
+          <a:noFill/>
+        </p:spPr>
+        <p:txBody>
+          <a:bodyPr wrap="square" rtlCol="0">
+            <a:spAutoFit/>
+          </a:bodyPr>
+          <a:lstStyle/>
+          <a:p>
+            <a:pPr algn="l"/>
+            <a:r>
+              <a:rPr lang="zh-CN" altLang="en-US">
+                <a:latin typeface="微软雅黑" panose="020B0503020204020204" pitchFamily="34" charset="-122"/>
+                <a:ea typeface="微软雅黑" panose="020B0503020204020204" pitchFamily="34" charset="-122"/>
+              </a:rPr>
+              <a:t>主要函数：</a:t>
+            </a:r>
+            <a:endParaRPr lang="en-US" altLang="zh-CN">
+              <a:latin typeface="微软雅黑" panose="020B0503020204020204" pitchFamily="34" charset="-122"/>
+              <a:ea typeface="微软雅黑" panose="020B0503020204020204" pitchFamily="34" charset="-122"/>
+            </a:endParaRPr>
+          </a:p>
+          <a:p>
+            <a:pPr algn="l"/>
+            <a:endParaRPr lang="en-US" altLang="zh-CN">
+              <a:latin typeface="微软雅黑" panose="020B0503020204020204" pitchFamily="34" charset="-122"/>
+              <a:ea typeface="微软雅黑" panose="020B0503020204020204" pitchFamily="34" charset="-122"/>
+            </a:endParaRPr>
+          </a:p>
+          <a:p>
+            <a:pPr marL="285750" indent="-285750">
+              <a:buFont typeface="Wingdings" panose="05000000000000000000" pitchFamily="2" charset="2"/>
+              <a:buChar char="l"/>
+            </a:pPr>
+            <a:r>
+              <a:rPr lang="en-US" altLang="zh-CN" sz="1600">
+                <a:latin typeface="微软雅黑" panose="020B0503020204020204" pitchFamily="34" charset="-122"/>
+                <a:ea typeface="微软雅黑" panose="020B0503020204020204" pitchFamily="34" charset="-122"/>
+              </a:rPr>
+              <a:t>tf.python_io.TFRecordWriter(path)</a:t>
+            </a:r>
+          </a:p>
+          <a:p>
+            <a:pPr marL="742950" lvl="1" indent="-285750">
+              <a:buFont typeface="Arial" panose="020B0604020202020204" pitchFamily="34" charset="0"/>
+              <a:buChar char="•"/>
+            </a:pPr>
+            <a:r>
+              <a:rPr lang="en-US" altLang="zh-CN" sz="1400">
+                <a:latin typeface="微软雅黑" panose="020B0503020204020204" pitchFamily="34" charset="-122"/>
+                <a:ea typeface="微软雅黑" panose="020B0503020204020204" pitchFamily="34" charset="-122"/>
+              </a:rPr>
+              <a:t>TFRecord</a:t>
+            </a:r>
+            <a:r>
+              <a:rPr lang="zh-CN" altLang="en-US" sz="1400">
+                <a:latin typeface="微软雅黑" panose="020B0503020204020204" pitchFamily="34" charset="-122"/>
+                <a:ea typeface="微软雅黑" panose="020B0503020204020204" pitchFamily="34" charset="-122"/>
+              </a:rPr>
+              <a:t>文件存储器</a:t>
+            </a:r>
+            <a:endParaRPr lang="en-US" altLang="zh-CN" sz="1400">
+              <a:latin typeface="微软雅黑" panose="020B0503020204020204" pitchFamily="34" charset="-122"/>
+              <a:ea typeface="微软雅黑" panose="020B0503020204020204" pitchFamily="34" charset="-122"/>
+            </a:endParaRPr>
+          </a:p>
+          <a:p>
+            <a:pPr marL="742950" lvl="1" indent="-285750">
+              <a:buFont typeface="Arial" panose="020B0604020202020204" pitchFamily="34" charset="0"/>
+              <a:buChar char="•"/>
+            </a:pPr>
+            <a:r>
+              <a:rPr lang="en-US" altLang="zh-CN" sz="1400">
+                <a:latin typeface="微软雅黑" panose="020B0503020204020204" pitchFamily="34" charset="-122"/>
+                <a:ea typeface="微软雅黑" panose="020B0503020204020204" pitchFamily="34" charset="-122"/>
+              </a:rPr>
+              <a:t>path</a:t>
+            </a:r>
+            <a:r>
+              <a:rPr lang="zh-CN" altLang="en-US" sz="1400">
+                <a:latin typeface="微软雅黑" panose="020B0503020204020204" pitchFamily="34" charset="-122"/>
+                <a:ea typeface="微软雅黑" panose="020B0503020204020204" pitchFamily="34" charset="-122"/>
+              </a:rPr>
+              <a:t>：写入的</a:t>
+            </a:r>
+            <a:r>
+              <a:rPr lang="en-US" altLang="zh-CN" sz="1400">
+                <a:latin typeface="微软雅黑" panose="020B0503020204020204" pitchFamily="34" charset="-122"/>
+                <a:ea typeface="微软雅黑" panose="020B0503020204020204" pitchFamily="34" charset="-122"/>
+              </a:rPr>
+              <a:t>TFRecord</a:t>
+            </a:r>
+            <a:r>
+              <a:rPr lang="zh-CN" altLang="en-US" sz="1400">
+                <a:latin typeface="微软雅黑" panose="020B0503020204020204" pitchFamily="34" charset="-122"/>
+                <a:ea typeface="微软雅黑" panose="020B0503020204020204" pitchFamily="34" charset="-122"/>
+              </a:rPr>
+              <a:t>文件路径</a:t>
+            </a:r>
+            <a:endParaRPr lang="en-US" altLang="zh-CN" sz="1400">
+              <a:latin typeface="微软雅黑" panose="020B0503020204020204" pitchFamily="34" charset="-122"/>
+              <a:ea typeface="微软雅黑" panose="020B0503020204020204" pitchFamily="34" charset="-122"/>
+            </a:endParaRPr>
+          </a:p>
+          <a:p>
+            <a:pPr marL="742950" lvl="1" indent="-285750">
+              <a:buFont typeface="Arial" panose="020B0604020202020204" pitchFamily="34" charset="0"/>
+              <a:buChar char="•"/>
+            </a:pPr>
+            <a:r>
+              <a:rPr lang="zh-CN" altLang="en-US" sz="1400">
+                <a:latin typeface="微软雅黑" panose="020B0503020204020204" pitchFamily="34" charset="-122"/>
+                <a:ea typeface="微软雅黑" panose="020B0503020204020204" pitchFamily="34" charset="-122"/>
+              </a:rPr>
+              <a:t>方法：</a:t>
+            </a:r>
+            <a:endParaRPr lang="en-US" altLang="zh-CN" sz="1400">
+              <a:latin typeface="微软雅黑" panose="020B0503020204020204" pitchFamily="34" charset="-122"/>
+              <a:ea typeface="微软雅黑" panose="020B0503020204020204" pitchFamily="34" charset="-122"/>
+            </a:endParaRPr>
+          </a:p>
+          <a:p>
+            <a:pPr lvl="1"/>
+            <a:r>
+              <a:rPr lang="en-US" altLang="zh-CN" sz="1400">
+                <a:latin typeface="微软雅黑" panose="020B0503020204020204" pitchFamily="34" charset="-122"/>
+                <a:ea typeface="微软雅黑" panose="020B0503020204020204" pitchFamily="34" charset="-122"/>
+              </a:rPr>
+              <a:t>	write(Example.SerializeToString()):</a:t>
+            </a:r>
+            <a:r>
+              <a:rPr lang="zh-CN" altLang="en-US" sz="1400">
+                <a:latin typeface="微软雅黑" panose="020B0503020204020204" pitchFamily="34" charset="-122"/>
+                <a:ea typeface="微软雅黑" panose="020B0503020204020204" pitchFamily="34" charset="-122"/>
+              </a:rPr>
+              <a:t>向文件中写入一个</a:t>
+            </a:r>
+            <a:r>
+              <a:rPr lang="en-US" altLang="zh-CN" sz="1400">
+                <a:latin typeface="微软雅黑" panose="020B0503020204020204" pitchFamily="34" charset="-122"/>
+                <a:ea typeface="微软雅黑" panose="020B0503020204020204" pitchFamily="34" charset="-122"/>
+              </a:rPr>
+              <a:t>Example</a:t>
+            </a:r>
+          </a:p>
+          <a:p>
+            <a:r>
+              <a:rPr lang="en-US" altLang="zh-CN" sz="1400">
+                <a:latin typeface="微软雅黑" panose="020B0503020204020204" pitchFamily="34" charset="-122"/>
+                <a:ea typeface="微软雅黑" panose="020B0503020204020204" pitchFamily="34" charset="-122"/>
+              </a:rPr>
+              <a:t>	close():</a:t>
+            </a:r>
+            <a:r>
+              <a:rPr lang="zh-CN" altLang="en-US" sz="1400">
+                <a:latin typeface="微软雅黑" panose="020B0503020204020204" pitchFamily="34" charset="-122"/>
+                <a:ea typeface="微软雅黑" panose="020B0503020204020204" pitchFamily="34" charset="-122"/>
+              </a:rPr>
+              <a:t>关闭文件写入器</a:t>
+            </a:r>
+            <a:endParaRPr lang="en-US" altLang="zh-CN" sz="1400">
+              <a:latin typeface="微软雅黑" panose="020B0503020204020204" pitchFamily="34" charset="-122"/>
+              <a:ea typeface="微软雅黑" panose="020B0503020204020204" pitchFamily="34" charset="-122"/>
+            </a:endParaRPr>
+          </a:p>
+          <a:p>
+            <a:endParaRPr lang="en-US" altLang="zh-CN" sz="1600">
+              <a:latin typeface="微软雅黑" panose="020B0503020204020204" pitchFamily="34" charset="-122"/>
+              <a:ea typeface="微软雅黑" panose="020B0503020204020204" pitchFamily="34" charset="-122"/>
+            </a:endParaRPr>
+          </a:p>
+          <a:p>
+            <a:pPr marL="342900" indent="-342900">
+              <a:buFont typeface="Wingdings" panose="05000000000000000000" pitchFamily="2" charset="2"/>
+              <a:buChar char="l"/>
+            </a:pPr>
+            <a:r>
+              <a:rPr lang="en-US" altLang="zh-CN" sz="1600">
+                <a:latin typeface="微软雅黑" panose="020B0503020204020204" pitchFamily="34" charset="-122"/>
+                <a:ea typeface="微软雅黑" panose="020B0503020204020204" pitchFamily="34" charset="-122"/>
+              </a:rPr>
+              <a:t>tf.train.Example(features=None)</a:t>
+            </a:r>
+          </a:p>
+          <a:p>
+            <a:pPr marL="742950" lvl="1" indent="-285750">
+              <a:buFont typeface="Arial" panose="020B0604020202020204" pitchFamily="34" charset="0"/>
+              <a:buChar char="•"/>
+            </a:pPr>
+            <a:r>
+              <a:rPr lang="zh-CN" altLang="en-US" sz="1400">
+                <a:latin typeface="微软雅黑" panose="020B0503020204020204" pitchFamily="34" charset="-122"/>
+                <a:ea typeface="微软雅黑" panose="020B0503020204020204" pitchFamily="34" charset="-122"/>
+              </a:rPr>
+              <a:t>对图片数据和</a:t>
+            </a:r>
+            <a:r>
+              <a:rPr lang="en-US" altLang="zh-CN" sz="1400">
+                <a:latin typeface="微软雅黑" panose="020B0503020204020204" pitchFamily="34" charset="-122"/>
+                <a:ea typeface="微软雅黑" panose="020B0503020204020204" pitchFamily="34" charset="-122"/>
+              </a:rPr>
+              <a:t>XML</a:t>
+            </a:r>
+            <a:r>
+              <a:rPr lang="zh-CN" altLang="en-US" sz="1400">
+                <a:latin typeface="微软雅黑" panose="020B0503020204020204" pitchFamily="34" charset="-122"/>
+                <a:ea typeface="微软雅黑" panose="020B0503020204020204" pitchFamily="34" charset="-122"/>
+              </a:rPr>
+              <a:t>文件进行封装</a:t>
+            </a:r>
+            <a:r>
+              <a:rPr lang="en-US" altLang="zh-CN" sz="1400">
+                <a:latin typeface="微软雅黑" panose="020B0503020204020204" pitchFamily="34" charset="-122"/>
+                <a:ea typeface="微软雅黑" panose="020B0503020204020204" pitchFamily="34" charset="-122"/>
+              </a:rPr>
+              <a:t>		</a:t>
+            </a:r>
+          </a:p>
+          <a:p>
+            <a:pPr marL="742950" lvl="1" indent="-285750">
+              <a:buFont typeface="Arial" panose="020B0604020202020204" pitchFamily="34" charset="0"/>
+              <a:buChar char="•"/>
+            </a:pPr>
+            <a:r>
+              <a:rPr lang="en-US" altLang="zh-CN" sz="1400">
+                <a:latin typeface="微软雅黑" panose="020B0503020204020204" pitchFamily="34" charset="-122"/>
+                <a:ea typeface="微软雅黑" panose="020B0503020204020204" pitchFamily="34" charset="-122"/>
+              </a:rPr>
+              <a:t>features</a:t>
+            </a:r>
+            <a:r>
+              <a:rPr lang="zh-CN" altLang="en-US" sz="1400">
+                <a:latin typeface="微软雅黑" panose="020B0503020204020204" pitchFamily="34" charset="-122"/>
+                <a:ea typeface="微软雅黑" panose="020B0503020204020204" pitchFamily="34" charset="-122"/>
+              </a:rPr>
+              <a:t>：</a:t>
+            </a:r>
+            <a:r>
+              <a:rPr lang="en-US" altLang="zh-CN" sz="1400">
+                <a:latin typeface="微软雅黑" panose="020B0503020204020204" pitchFamily="34" charset="-122"/>
+                <a:ea typeface="微软雅黑" panose="020B0503020204020204" pitchFamily="34" charset="-122"/>
+              </a:rPr>
+              <a:t>tf.train.Features</a:t>
+            </a:r>
+            <a:r>
+              <a:rPr lang="zh-CN" altLang="en-US" sz="1400">
+                <a:latin typeface="微软雅黑" panose="020B0503020204020204" pitchFamily="34" charset="-122"/>
+                <a:ea typeface="微软雅黑" panose="020B0503020204020204" pitchFamily="34" charset="-122"/>
+              </a:rPr>
+              <a:t>类型的特征实例</a:t>
+            </a:r>
+          </a:p>
+          <a:p>
+            <a:pPr marL="742950" lvl="1" indent="-285750">
+              <a:buFont typeface="Arial" panose="020B0604020202020204" pitchFamily="34" charset="0"/>
+              <a:buChar char="•"/>
+            </a:pPr>
+            <a:r>
+              <a:rPr lang="en-US" altLang="zh-CN" sz="1400">
+                <a:latin typeface="微软雅黑" panose="020B0503020204020204" pitchFamily="34" charset="-122"/>
+                <a:ea typeface="微软雅黑" panose="020B0503020204020204" pitchFamily="34" charset="-122"/>
+              </a:rPr>
+              <a:t>return</a:t>
+            </a:r>
+            <a:r>
+              <a:rPr lang="zh-CN" altLang="en-US" sz="1400">
+                <a:latin typeface="微软雅黑" panose="020B0503020204020204" pitchFamily="34" charset="-122"/>
+                <a:ea typeface="微软雅黑" panose="020B0503020204020204" pitchFamily="34" charset="-122"/>
+              </a:rPr>
+              <a:t>：</a:t>
+            </a:r>
+            <a:r>
+              <a:rPr lang="en-US" altLang="zh-CN" sz="1400">
+                <a:latin typeface="微软雅黑" panose="020B0503020204020204" pitchFamily="34" charset="-122"/>
+                <a:ea typeface="微软雅黑" panose="020B0503020204020204" pitchFamily="34" charset="-122"/>
+              </a:rPr>
+              <a:t>example</a:t>
+            </a:r>
+            <a:r>
+              <a:rPr lang="zh-CN" altLang="en-US" sz="1400">
+                <a:latin typeface="微软雅黑" panose="020B0503020204020204" pitchFamily="34" charset="-122"/>
+                <a:ea typeface="微软雅黑" panose="020B0503020204020204" pitchFamily="34" charset="-122"/>
+              </a:rPr>
+              <a:t>格式协议块</a:t>
+            </a:r>
+            <a:endParaRPr lang="en-US" altLang="zh-CN" sz="1400">
+              <a:latin typeface="微软雅黑" panose="020B0503020204020204" pitchFamily="34" charset="-122"/>
+              <a:ea typeface="微软雅黑" panose="020B0503020204020204" pitchFamily="34" charset="-122"/>
+            </a:endParaRPr>
+          </a:p>
+        </p:txBody>
+      </p:sp>
+      <p:sp>
+        <p:nvSpPr>
+          <p:cNvPr id="3" name="文本框 2">
+            <a:extLst>
+              <a:ext uri="{FF2B5EF4-FFF2-40B4-BE49-F238E27FC236}">
+                <a16:creationId xmlns:a16="http://schemas.microsoft.com/office/drawing/2014/main" id="{484E89EE-DC93-4F72-8E54-617FFE154097}"/>
+              </a:ext>
+            </a:extLst>
+          </p:cNvPr>
+          <p:cNvSpPr txBox="1"/>
+          <p:nvPr/>
+        </p:nvSpPr>
+        <p:spPr>
+          <a:xfrm>
+            <a:off x="609600" y="2981325"/>
+            <a:ext cx="184731" cy="369332"/>
+          </a:xfrm>
+          <a:prstGeom prst="rect">
+            <a:avLst/>
+          </a:prstGeom>
+          <a:noFill/>
+        </p:spPr>
+        <p:txBody>
+          <a:bodyPr wrap="none" rtlCol="0">
+            <a:spAutoFit/>
+          </a:bodyPr>
+          <a:lstStyle/>
+          <a:p>
+            <a:endParaRPr lang="zh-CN" altLang="en-US">
+              <a:latin typeface="微软雅黑" panose="020B0503020204020204" pitchFamily="34" charset="-122"/>
+              <a:ea typeface="微软雅黑" panose="020B0503020204020204" pitchFamily="34" charset="-122"/>
+            </a:endParaRPr>
+          </a:p>
+        </p:txBody>
+      </p:sp>
+      <p:pic>
+        <p:nvPicPr>
+          <p:cNvPr id="4" name="图片 3">
+            <a:extLst>
+              <a:ext uri="{FF2B5EF4-FFF2-40B4-BE49-F238E27FC236}">
+                <a16:creationId xmlns:a16="http://schemas.microsoft.com/office/drawing/2014/main" id="{E7018240-4FD2-46C2-91B3-4BF0C7C2D880}"/>
+              </a:ext>
+            </a:extLst>
+          </p:cNvPr>
+          <p:cNvPicPr>
+            <a:picLocks noChangeAspect="1"/>
+          </p:cNvPicPr>
+          <p:nvPr/>
+        </p:nvPicPr>
+        <p:blipFill>
+          <a:blip r:embed="rId3"/>
+          <a:stretch>
+            <a:fillRect/>
+          </a:stretch>
+        </p:blipFill>
+        <p:spPr>
+          <a:xfrm>
+            <a:off x="5418722" y="3314701"/>
+            <a:ext cx="6229350" cy="3258429"/>
+          </a:xfrm>
+          <a:prstGeom prst="rect">
+            <a:avLst/>
+          </a:prstGeom>
+        </p:spPr>
+      </p:pic>
+      <p:sp>
+        <p:nvSpPr>
+          <p:cNvPr id="5" name="矩形 4">
+            <a:extLst>
+              <a:ext uri="{FF2B5EF4-FFF2-40B4-BE49-F238E27FC236}">
+                <a16:creationId xmlns:a16="http://schemas.microsoft.com/office/drawing/2014/main" id="{031C90FA-7FF6-452A-8F0A-5A782AE090D0}"/>
+              </a:ext>
+            </a:extLst>
+          </p:cNvPr>
+          <p:cNvSpPr/>
+          <p:nvPr/>
+        </p:nvSpPr>
+        <p:spPr>
+          <a:xfrm>
+            <a:off x="342899" y="4137365"/>
+            <a:ext cx="6096000" cy="2431435"/>
+          </a:xfrm>
+          <a:prstGeom prst="rect">
+            <a:avLst/>
+          </a:prstGeom>
+        </p:spPr>
+        <p:txBody>
+          <a:bodyPr>
+            <a:spAutoFit/>
+          </a:bodyPr>
+          <a:lstStyle/>
+          <a:p>
+            <a:pPr marL="285750" indent="-285750">
+              <a:buFont typeface="Wingdings" panose="05000000000000000000" pitchFamily="2" charset="2"/>
+              <a:buChar char="l"/>
+            </a:pPr>
+            <a:r>
+              <a:rPr lang="en-US" altLang="zh-CN" sz="1600">
+                <a:latin typeface="微软雅黑" panose="020B0503020204020204" pitchFamily="34" charset="-122"/>
+                <a:ea typeface="微软雅黑" panose="020B0503020204020204" pitchFamily="34" charset="-122"/>
+              </a:rPr>
+              <a:t>tf.train.Features(feature=None)</a:t>
+            </a:r>
+          </a:p>
+          <a:p>
+            <a:pPr marL="742950" lvl="1" indent="-285750">
+              <a:buFont typeface="Arial" panose="020B0604020202020204" pitchFamily="34" charset="0"/>
+              <a:buChar char="•"/>
+            </a:pPr>
+            <a:r>
+              <a:rPr lang="zh-CN" altLang="en-US" sz="1400">
+                <a:latin typeface="微软雅黑" panose="020B0503020204020204" pitchFamily="34" charset="-122"/>
+                <a:ea typeface="微软雅黑" panose="020B0503020204020204" pitchFamily="34" charset="-122"/>
+              </a:rPr>
+              <a:t>构建每个样本的信息键值对</a:t>
+            </a:r>
+          </a:p>
+          <a:p>
+            <a:pPr marL="742950" lvl="1" indent="-285750">
+              <a:buFont typeface="Arial" panose="020B0604020202020204" pitchFamily="34" charset="0"/>
+              <a:buChar char="•"/>
+            </a:pPr>
+            <a:r>
+              <a:rPr lang="en-US" altLang="zh-CN" sz="1400">
+                <a:latin typeface="微软雅黑" panose="020B0503020204020204" pitchFamily="34" charset="-122"/>
+                <a:ea typeface="微软雅黑" panose="020B0503020204020204" pitchFamily="34" charset="-122"/>
+              </a:rPr>
+              <a:t>feature</a:t>
+            </a:r>
+            <a:r>
+              <a:rPr lang="zh-CN" altLang="en-US" sz="1400">
+                <a:latin typeface="微软雅黑" panose="020B0503020204020204" pitchFamily="34" charset="-122"/>
+                <a:ea typeface="微软雅黑" panose="020B0503020204020204" pitchFamily="34" charset="-122"/>
+              </a:rPr>
+              <a:t>：字典数据</a:t>
+            </a:r>
+            <a:r>
+              <a:rPr lang="en-US" altLang="zh-CN" sz="1400">
+                <a:latin typeface="微软雅黑" panose="020B0503020204020204" pitchFamily="34" charset="-122"/>
+                <a:ea typeface="微软雅黑" panose="020B0503020204020204" pitchFamily="34" charset="-122"/>
+              </a:rPr>
+              <a:t>,key</a:t>
+            </a:r>
+            <a:r>
+              <a:rPr lang="zh-CN" altLang="en-US" sz="1400">
+                <a:latin typeface="微软雅黑" panose="020B0503020204020204" pitchFamily="34" charset="-122"/>
+                <a:ea typeface="微软雅黑" panose="020B0503020204020204" pitchFamily="34" charset="-122"/>
+              </a:rPr>
+              <a:t>为要保存的名字，</a:t>
+            </a:r>
+            <a:endParaRPr lang="en-US" altLang="zh-CN" sz="1400">
+              <a:latin typeface="微软雅黑" panose="020B0503020204020204" pitchFamily="34" charset="-122"/>
+              <a:ea typeface="微软雅黑" panose="020B0503020204020204" pitchFamily="34" charset="-122"/>
+            </a:endParaRPr>
+          </a:p>
+          <a:p>
+            <a:pPr lvl="1"/>
+            <a:r>
+              <a:rPr lang="en-US" altLang="zh-CN" sz="1400">
+                <a:latin typeface="微软雅黑" panose="020B0503020204020204" pitchFamily="34" charset="-122"/>
+                <a:ea typeface="微软雅黑" panose="020B0503020204020204" pitchFamily="34" charset="-122"/>
+              </a:rPr>
+              <a:t>     value</a:t>
+            </a:r>
+            <a:r>
+              <a:rPr lang="zh-CN" altLang="en-US" sz="1400">
+                <a:latin typeface="微软雅黑" panose="020B0503020204020204" pitchFamily="34" charset="-122"/>
+                <a:ea typeface="微软雅黑" panose="020B0503020204020204" pitchFamily="34" charset="-122"/>
+              </a:rPr>
+              <a:t>为</a:t>
+            </a:r>
+            <a:r>
+              <a:rPr lang="en-US" altLang="zh-CN" sz="1400">
+                <a:latin typeface="微软雅黑" panose="020B0503020204020204" pitchFamily="34" charset="-122"/>
+                <a:ea typeface="微软雅黑" panose="020B0503020204020204" pitchFamily="34" charset="-122"/>
+              </a:rPr>
+              <a:t>tf.train.Feature</a:t>
+            </a:r>
+            <a:r>
+              <a:rPr lang="zh-CN" altLang="en-US" sz="1400">
+                <a:latin typeface="微软雅黑" panose="020B0503020204020204" pitchFamily="34" charset="-122"/>
+                <a:ea typeface="微软雅黑" panose="020B0503020204020204" pitchFamily="34" charset="-122"/>
+              </a:rPr>
+              <a:t>实例</a:t>
+            </a:r>
+          </a:p>
+          <a:p>
+            <a:pPr marL="742950" lvl="1" indent="-285750">
+              <a:buFont typeface="Arial" panose="020B0604020202020204" pitchFamily="34" charset="0"/>
+              <a:buChar char="•"/>
+            </a:pPr>
+            <a:r>
+              <a:rPr lang="en-US" altLang="zh-CN" sz="1400">
+                <a:latin typeface="微软雅黑" panose="020B0503020204020204" pitchFamily="34" charset="-122"/>
+                <a:ea typeface="微软雅黑" panose="020B0503020204020204" pitchFamily="34" charset="-122"/>
+              </a:rPr>
+              <a:t>return</a:t>
+            </a:r>
+            <a:r>
+              <a:rPr lang="zh-CN" altLang="en-US" sz="1400">
+                <a:latin typeface="微软雅黑" panose="020B0503020204020204" pitchFamily="34" charset="-122"/>
+                <a:ea typeface="微软雅黑" panose="020B0503020204020204" pitchFamily="34" charset="-122"/>
+              </a:rPr>
+              <a:t>：</a:t>
+            </a:r>
+            <a:r>
+              <a:rPr lang="en-US" altLang="zh-CN" sz="1400">
+                <a:latin typeface="微软雅黑" panose="020B0503020204020204" pitchFamily="34" charset="-122"/>
+                <a:ea typeface="微软雅黑" panose="020B0503020204020204" pitchFamily="34" charset="-122"/>
+              </a:rPr>
+              <a:t>Features</a:t>
+            </a:r>
+            <a:r>
+              <a:rPr lang="zh-CN" altLang="en-US" sz="1400">
+                <a:latin typeface="微软雅黑" panose="020B0503020204020204" pitchFamily="34" charset="-122"/>
+                <a:ea typeface="微软雅黑" panose="020B0503020204020204" pitchFamily="34" charset="-122"/>
+              </a:rPr>
+              <a:t>类型</a:t>
+            </a:r>
+            <a:endParaRPr lang="en-US" altLang="zh-CN" sz="1400">
+              <a:latin typeface="微软雅黑" panose="020B0503020204020204" pitchFamily="34" charset="-122"/>
+              <a:ea typeface="微软雅黑" panose="020B0503020204020204" pitchFamily="34" charset="-122"/>
+            </a:endParaRPr>
+          </a:p>
+          <a:p>
+            <a:pPr lvl="1"/>
+            <a:endParaRPr lang="en-US" altLang="zh-CN" sz="1600">
+              <a:latin typeface="微软雅黑" panose="020B0503020204020204" pitchFamily="34" charset="-122"/>
+              <a:ea typeface="微软雅黑" panose="020B0503020204020204" pitchFamily="34" charset="-122"/>
+            </a:endParaRPr>
+          </a:p>
+          <a:p>
+            <a:pPr marL="285750" indent="-285750">
+              <a:buFont typeface="Wingdings" panose="05000000000000000000" pitchFamily="2" charset="2"/>
+              <a:buChar char="l"/>
+            </a:pPr>
+            <a:r>
+              <a:rPr lang="en-US" altLang="zh-CN" sz="1600">
+                <a:latin typeface="微软雅黑" panose="020B0503020204020204" pitchFamily="34" charset="-122"/>
+                <a:ea typeface="微软雅黑" panose="020B0503020204020204" pitchFamily="34" charset="-122"/>
+              </a:rPr>
+              <a:t>tf.train.Feature(**options)</a:t>
+            </a:r>
+          </a:p>
+          <a:p>
+            <a:pPr marL="742950" lvl="1" indent="-285750">
+              <a:buFont typeface="Arial" panose="020B0604020202020204" pitchFamily="34" charset="0"/>
+              <a:buChar char="•"/>
+            </a:pPr>
+            <a:r>
+              <a:rPr lang="en-US" altLang="zh-CN" sz="1400">
+                <a:latin typeface="微软雅黑" panose="020B0503020204020204" pitchFamily="34" charset="-122"/>
+                <a:ea typeface="微软雅黑" panose="020B0503020204020204" pitchFamily="34" charset="-122"/>
+              </a:rPr>
+              <a:t>**options</a:t>
+            </a:r>
+            <a:r>
+              <a:rPr lang="zh-CN" altLang="en-US" sz="1400">
+                <a:latin typeface="微软雅黑" panose="020B0503020204020204" pitchFamily="34" charset="-122"/>
+                <a:ea typeface="微软雅黑" panose="020B0503020204020204" pitchFamily="34" charset="-122"/>
+              </a:rPr>
+              <a:t>：例如</a:t>
+            </a:r>
+          </a:p>
+          <a:p>
+            <a:pPr lvl="1"/>
+            <a:r>
+              <a:rPr lang="en-US" altLang="zh-CN" sz="1400">
+                <a:latin typeface="微软雅黑" panose="020B0503020204020204" pitchFamily="34" charset="-122"/>
+                <a:ea typeface="微软雅黑" panose="020B0503020204020204" pitchFamily="34" charset="-122"/>
+              </a:rPr>
+              <a:t>bytes_list=tf.train. BytesList(value=[Bytes])</a:t>
+            </a:r>
+          </a:p>
+          <a:p>
+            <a:pPr lvl="1"/>
+            <a:r>
+              <a:rPr lang="en-US" altLang="zh-CN" sz="1400">
+                <a:latin typeface="微软雅黑" panose="020B0503020204020204" pitchFamily="34" charset="-122"/>
+                <a:ea typeface="微软雅黑" panose="020B0503020204020204" pitchFamily="34" charset="-122"/>
+              </a:rPr>
+              <a:t>int64_list=tf.train. Int64List(value=[Value])</a:t>
+            </a:r>
+          </a:p>
+        </p:txBody>
+      </p:sp>
+      <p:sp>
+        <p:nvSpPr>
+          <p:cNvPr id="6" name="文本框 5">
+            <a:extLst>
+              <a:ext uri="{FF2B5EF4-FFF2-40B4-BE49-F238E27FC236}">
+                <a16:creationId xmlns:a16="http://schemas.microsoft.com/office/drawing/2014/main" id="{D4FF9EA8-FC94-4A1E-B87D-071020288D89}"/>
+              </a:ext>
+            </a:extLst>
+          </p:cNvPr>
+          <p:cNvSpPr txBox="1"/>
+          <p:nvPr/>
+        </p:nvSpPr>
+        <p:spPr>
+          <a:xfrm>
+            <a:off x="141554" y="90885"/>
+            <a:ext cx="1800493" cy="369332"/>
+          </a:xfrm>
+          <a:prstGeom prst="rect">
+            <a:avLst/>
+          </a:prstGeom>
+          <a:noFill/>
+        </p:spPr>
+        <p:txBody>
+          <a:bodyPr wrap="none" rtlCol="0">
+            <a:spAutoFit/>
+          </a:bodyPr>
+          <a:lstStyle/>
+          <a:p>
+            <a:r>
+              <a:rPr lang="zh-CN" altLang="en-US">
+                <a:solidFill>
+                  <a:srgbClr val="006666"/>
+                </a:solidFill>
+                <a:latin typeface="微软雅黑" panose="020B0503020204020204" pitchFamily="34" charset="-122"/>
+                <a:ea typeface="微软雅黑" panose="020B0503020204020204" pitchFamily="34" charset="-122"/>
+              </a:rPr>
+              <a:t>数据集格式转换</a:t>
+            </a:r>
+          </a:p>
+        </p:txBody>
+      </p:sp>
     </p:spTree>
     <p:extLst>
       <p:ext uri="{BB962C8B-B14F-4D97-AF65-F5344CB8AC3E}">
-        <p14:creationId xmlns:p14="http://schemas.microsoft.com/office/powerpoint/2010/main" val="139562994"/>
+        <p14:creationId xmlns:p14="http://schemas.microsoft.com/office/powerpoint/2010/main" val="4127781426"/>
       </p:ext>
     </p:extLst>
   </p:cSld>
@@ -5739,10 +8351,336 @@
           <a:chExt cx="0" cy="0"/>
         </a:xfrm>
       </p:grpSpPr>
+      <p:sp>
+        <p:nvSpPr>
+          <p:cNvPr id="2" name="文本框 1">
+            <a:extLst>
+              <a:ext uri="{FF2B5EF4-FFF2-40B4-BE49-F238E27FC236}">
+                <a16:creationId xmlns:a16="http://schemas.microsoft.com/office/drawing/2014/main" id="{252545FA-72B3-4C8B-9CC7-29E230C4CD13}"/>
+              </a:ext>
+            </a:extLst>
+          </p:cNvPr>
+          <p:cNvSpPr txBox="1"/>
+          <p:nvPr/>
+        </p:nvSpPr>
+        <p:spPr>
+          <a:xfrm>
+            <a:off x="440656" y="4024048"/>
+            <a:ext cx="1293944" cy="830997"/>
+          </a:xfrm>
+          <a:prstGeom prst="rect">
+            <a:avLst/>
+          </a:prstGeom>
+          <a:noFill/>
+        </p:spPr>
+        <p:txBody>
+          <a:bodyPr wrap="none" rtlCol="0">
+            <a:spAutoFit/>
+          </a:bodyPr>
+          <a:lstStyle/>
+          <a:p>
+            <a:pPr lvl="1"/>
+            <a:endParaRPr lang="en-US" altLang="zh-CN" sz="1400">
+              <a:latin typeface="微软雅黑" panose="020B0503020204020204" pitchFamily="34" charset="-122"/>
+              <a:ea typeface="微软雅黑" panose="020B0503020204020204" pitchFamily="34" charset="-122"/>
+            </a:endParaRPr>
+          </a:p>
+          <a:p>
+            <a:pPr marL="285750" indent="-285750">
+              <a:buFont typeface="Wingdings" panose="05000000000000000000" pitchFamily="2" charset="2"/>
+              <a:buChar char="l"/>
+            </a:pPr>
+            <a:r>
+              <a:rPr lang="zh-CN" altLang="en-US" sz="1600">
+                <a:latin typeface="微软雅黑" panose="020B0503020204020204" pitchFamily="34" charset="-122"/>
+                <a:ea typeface="微软雅黑" panose="020B0503020204020204" pitchFamily="34" charset="-122"/>
+              </a:rPr>
+              <a:t>随机裁剪</a:t>
+            </a:r>
+            <a:endParaRPr lang="en-US" altLang="zh-CN" sz="1600">
+              <a:latin typeface="微软雅黑" panose="020B0503020204020204" pitchFamily="34" charset="-122"/>
+              <a:ea typeface="微软雅黑" panose="020B0503020204020204" pitchFamily="34" charset="-122"/>
+            </a:endParaRPr>
+          </a:p>
+          <a:p>
+            <a:pPr algn="l"/>
+            <a:endParaRPr lang="zh-CN" altLang="en-US">
+              <a:latin typeface="微软雅黑" panose="020B0503020204020204" pitchFamily="34" charset="-122"/>
+              <a:ea typeface="微软雅黑" panose="020B0503020204020204" pitchFamily="34" charset="-122"/>
+            </a:endParaRPr>
+          </a:p>
+        </p:txBody>
+      </p:sp>
+      <p:pic>
+        <p:nvPicPr>
+          <p:cNvPr id="3" name="图片 2">
+            <a:extLst>
+              <a:ext uri="{FF2B5EF4-FFF2-40B4-BE49-F238E27FC236}">
+                <a16:creationId xmlns:a16="http://schemas.microsoft.com/office/drawing/2014/main" id="{6720278A-E66B-43EB-9B86-F321A77E5502}"/>
+              </a:ext>
+            </a:extLst>
+          </p:cNvPr>
+          <p:cNvPicPr>
+            <a:picLocks noChangeAspect="1"/>
+          </p:cNvPicPr>
+          <p:nvPr/>
+        </p:nvPicPr>
+        <p:blipFill>
+          <a:blip r:embed="rId3"/>
+          <a:stretch>
+            <a:fillRect/>
+          </a:stretch>
+        </p:blipFill>
+        <p:spPr>
+          <a:xfrm>
+            <a:off x="460841" y="1179459"/>
+            <a:ext cx="4694346" cy="2704690"/>
+          </a:xfrm>
+          <a:prstGeom prst="rect">
+            <a:avLst/>
+          </a:prstGeom>
+        </p:spPr>
+      </p:pic>
+      <p:sp>
+        <p:nvSpPr>
+          <p:cNvPr id="4" name="矩形 3">
+            <a:extLst>
+              <a:ext uri="{FF2B5EF4-FFF2-40B4-BE49-F238E27FC236}">
+                <a16:creationId xmlns:a16="http://schemas.microsoft.com/office/drawing/2014/main" id="{B045F09A-3251-4B77-9CB4-D8DA91FB1003}"/>
+              </a:ext>
+            </a:extLst>
+          </p:cNvPr>
+          <p:cNvSpPr/>
+          <p:nvPr/>
+        </p:nvSpPr>
+        <p:spPr>
+          <a:xfrm>
+            <a:off x="440656" y="753030"/>
+            <a:ext cx="3039807" cy="338554"/>
+          </a:xfrm>
+          <a:prstGeom prst="rect">
+            <a:avLst/>
+          </a:prstGeom>
+        </p:spPr>
+        <p:txBody>
+          <a:bodyPr wrap="none">
+            <a:spAutoFit/>
+          </a:bodyPr>
+          <a:lstStyle/>
+          <a:p>
+            <a:pPr marL="285750" indent="-285750">
+              <a:buFont typeface="Wingdings" panose="05000000000000000000" pitchFamily="2" charset="2"/>
+              <a:buChar char="l"/>
+            </a:pPr>
+            <a:r>
+              <a:rPr lang="zh-CN" altLang="en-US" sz="1600">
+                <a:latin typeface="微软雅黑" panose="020B0503020204020204" pitchFamily="34" charset="-122"/>
+                <a:ea typeface="微软雅黑" panose="020B0503020204020204" pitchFamily="34" charset="-122"/>
+              </a:rPr>
+              <a:t>减去图像均值（</a:t>
+            </a:r>
+            <a:r>
+              <a:rPr lang="en-US" altLang="zh-CN" sz="1600">
+                <a:latin typeface="微软雅黑" panose="020B0503020204020204" pitchFamily="34" charset="-122"/>
+                <a:ea typeface="微软雅黑" panose="020B0503020204020204" pitchFamily="34" charset="-122"/>
+              </a:rPr>
+              <a:t>SSD_VGG</a:t>
+            </a:r>
+            <a:r>
+              <a:rPr lang="zh-CN" altLang="en-US" sz="1600">
+                <a:latin typeface="微软雅黑" panose="020B0503020204020204" pitchFamily="34" charset="-122"/>
+                <a:ea typeface="微软雅黑" panose="020B0503020204020204" pitchFamily="34" charset="-122"/>
+              </a:rPr>
+              <a:t>）</a:t>
+            </a:r>
+            <a:endParaRPr lang="zh-CN" altLang="en-US" sz="1600"/>
+          </a:p>
+        </p:txBody>
+      </p:sp>
+      <p:pic>
+        <p:nvPicPr>
+          <p:cNvPr id="5" name="图片 4">
+            <a:extLst>
+              <a:ext uri="{FF2B5EF4-FFF2-40B4-BE49-F238E27FC236}">
+                <a16:creationId xmlns:a16="http://schemas.microsoft.com/office/drawing/2014/main" id="{191C64E6-2437-4F9B-B5FF-B48FADCE2E79}"/>
+              </a:ext>
+            </a:extLst>
+          </p:cNvPr>
+          <p:cNvPicPr>
+            <a:picLocks noChangeAspect="1"/>
+          </p:cNvPicPr>
+          <p:nvPr/>
+        </p:nvPicPr>
+        <p:blipFill>
+          <a:blip r:embed="rId4"/>
+          <a:stretch>
+            <a:fillRect/>
+          </a:stretch>
+        </p:blipFill>
+        <p:spPr>
+          <a:xfrm>
+            <a:off x="6700865" y="1623566"/>
+            <a:ext cx="4694346" cy="3231479"/>
+          </a:xfrm>
+          <a:prstGeom prst="rect">
+            <a:avLst/>
+          </a:prstGeom>
+        </p:spPr>
+      </p:pic>
+      <p:sp>
+        <p:nvSpPr>
+          <p:cNvPr id="6" name="矩形 5">
+            <a:extLst>
+              <a:ext uri="{FF2B5EF4-FFF2-40B4-BE49-F238E27FC236}">
+                <a16:creationId xmlns:a16="http://schemas.microsoft.com/office/drawing/2014/main" id="{63966FE6-C5A9-44CD-B98A-B666D9DFA164}"/>
+              </a:ext>
+            </a:extLst>
+          </p:cNvPr>
+          <p:cNvSpPr/>
+          <p:nvPr/>
+        </p:nvSpPr>
+        <p:spPr>
+          <a:xfrm>
+            <a:off x="6431170" y="753030"/>
+            <a:ext cx="1960345" cy="769441"/>
+          </a:xfrm>
+          <a:prstGeom prst="rect">
+            <a:avLst/>
+          </a:prstGeom>
+        </p:spPr>
+        <p:txBody>
+          <a:bodyPr wrap="square">
+            <a:spAutoFit/>
+          </a:bodyPr>
+          <a:lstStyle/>
+          <a:p>
+            <a:pPr marL="285750" indent="-285750">
+              <a:buFont typeface="Wingdings" panose="05000000000000000000" pitchFamily="2" charset="2"/>
+              <a:buChar char="l"/>
+            </a:pPr>
+            <a:r>
+              <a:rPr lang="zh-CN" altLang="en-US" sz="1600">
+                <a:latin typeface="微软雅黑" panose="020B0503020204020204" pitchFamily="34" charset="-122"/>
+                <a:ea typeface="微软雅黑" panose="020B0503020204020204" pitchFamily="34" charset="-122"/>
+              </a:rPr>
+              <a:t>随机颜色抖动</a:t>
+            </a:r>
+            <a:endParaRPr lang="en-US" altLang="zh-CN" sz="1600">
+              <a:latin typeface="微软雅黑" panose="020B0503020204020204" pitchFamily="34" charset="-122"/>
+              <a:ea typeface="微软雅黑" panose="020B0503020204020204" pitchFamily="34" charset="-122"/>
+            </a:endParaRPr>
+          </a:p>
+          <a:p>
+            <a:pPr marL="742950" lvl="1" indent="-285750">
+              <a:buFont typeface="Arial" panose="020B0604020202020204" pitchFamily="34" charset="0"/>
+              <a:buChar char="•"/>
+            </a:pPr>
+            <a:r>
+              <a:rPr lang="zh-CN" altLang="en-US" sz="1400">
+                <a:latin typeface="微软雅黑" panose="020B0503020204020204" pitchFamily="34" charset="-122"/>
+                <a:ea typeface="微软雅黑" panose="020B0503020204020204" pitchFamily="34" charset="-122"/>
+              </a:rPr>
+              <a:t>明亮程度</a:t>
+            </a:r>
+            <a:endParaRPr lang="en-US" altLang="zh-CN" sz="1400">
+              <a:latin typeface="微软雅黑" panose="020B0503020204020204" pitchFamily="34" charset="-122"/>
+              <a:ea typeface="微软雅黑" panose="020B0503020204020204" pitchFamily="34" charset="-122"/>
+            </a:endParaRPr>
+          </a:p>
+          <a:p>
+            <a:pPr marL="742950" lvl="1" indent="-285750">
+              <a:buFont typeface="Arial" panose="020B0604020202020204" pitchFamily="34" charset="0"/>
+              <a:buChar char="•"/>
+            </a:pPr>
+            <a:r>
+              <a:rPr lang="zh-CN" altLang="en-US" sz="1400">
+                <a:latin typeface="微软雅黑" panose="020B0503020204020204" pitchFamily="34" charset="-122"/>
+                <a:ea typeface="微软雅黑" panose="020B0503020204020204" pitchFamily="34" charset="-122"/>
+              </a:rPr>
+              <a:t>饱和度</a:t>
+            </a:r>
+            <a:endParaRPr lang="en-US" altLang="zh-CN" sz="1400">
+              <a:latin typeface="微软雅黑" panose="020B0503020204020204" pitchFamily="34" charset="-122"/>
+              <a:ea typeface="微软雅黑" panose="020B0503020204020204" pitchFamily="34" charset="-122"/>
+            </a:endParaRPr>
+          </a:p>
+        </p:txBody>
+      </p:sp>
+      <p:pic>
+        <p:nvPicPr>
+          <p:cNvPr id="7" name="图片 6">
+            <a:extLst>
+              <a:ext uri="{FF2B5EF4-FFF2-40B4-BE49-F238E27FC236}">
+                <a16:creationId xmlns:a16="http://schemas.microsoft.com/office/drawing/2014/main" id="{8D869F05-6E42-48CB-A948-243853D11BC3}"/>
+              </a:ext>
+            </a:extLst>
+          </p:cNvPr>
+          <p:cNvPicPr>
+            <a:picLocks noChangeAspect="1"/>
+          </p:cNvPicPr>
+          <p:nvPr/>
+        </p:nvPicPr>
+        <p:blipFill>
+          <a:blip r:embed="rId5"/>
+          <a:stretch>
+            <a:fillRect/>
+          </a:stretch>
+        </p:blipFill>
+        <p:spPr>
+          <a:xfrm>
+            <a:off x="440656" y="4710631"/>
+            <a:ext cx="4694346" cy="1911184"/>
+          </a:xfrm>
+          <a:prstGeom prst="rect">
+            <a:avLst/>
+          </a:prstGeom>
+        </p:spPr>
+      </p:pic>
+      <p:sp>
+        <p:nvSpPr>
+          <p:cNvPr id="8" name="文本框 7">
+            <a:extLst>
+              <a:ext uri="{FF2B5EF4-FFF2-40B4-BE49-F238E27FC236}">
+                <a16:creationId xmlns:a16="http://schemas.microsoft.com/office/drawing/2014/main" id="{B8A5FE0A-A2EB-40ED-A7A6-0360E23C5996}"/>
+              </a:ext>
+            </a:extLst>
+          </p:cNvPr>
+          <p:cNvSpPr txBox="1"/>
+          <p:nvPr/>
+        </p:nvSpPr>
+        <p:spPr>
+          <a:xfrm>
+            <a:off x="170430" y="212220"/>
+            <a:ext cx="1107996" cy="369332"/>
+          </a:xfrm>
+          <a:prstGeom prst="rect">
+            <a:avLst/>
+          </a:prstGeom>
+          <a:noFill/>
+        </p:spPr>
+        <p:txBody>
+          <a:bodyPr wrap="none" rtlCol="0">
+            <a:spAutoFit/>
+          </a:bodyPr>
+          <a:lstStyle/>
+          <a:p>
+            <a:r>
+              <a:rPr lang="zh-CN" altLang="en-US">
+                <a:solidFill>
+                  <a:srgbClr val="006666"/>
+                </a:solidFill>
+                <a:latin typeface="微软雅黑" panose="020B0503020204020204" pitchFamily="34" charset="-122"/>
+                <a:ea typeface="微软雅黑" panose="020B0503020204020204" pitchFamily="34" charset="-122"/>
+              </a:rPr>
+              <a:t>数据增强</a:t>
+            </a:r>
+          </a:p>
+        </p:txBody>
+      </p:sp>
     </p:spTree>
     <p:extLst>
       <p:ext uri="{BB962C8B-B14F-4D97-AF65-F5344CB8AC3E}">
-        <p14:creationId xmlns:p14="http://schemas.microsoft.com/office/powerpoint/2010/main" val="3392660019"/>
+        <p14:creationId xmlns:p14="http://schemas.microsoft.com/office/powerpoint/2010/main" val="1509286996"/>
       </p:ext>
     </p:extLst>
   </p:cSld>
@@ -5769,10 +8707,82 @@
           <a:chExt cx="0" cy="0"/>
         </a:xfrm>
       </p:grpSpPr>
+      <p:sp>
+        <p:nvSpPr>
+          <p:cNvPr id="2" name="文本框 1">
+            <a:extLst>
+              <a:ext uri="{FF2B5EF4-FFF2-40B4-BE49-F238E27FC236}">
+                <a16:creationId xmlns:a16="http://schemas.microsoft.com/office/drawing/2014/main" id="{E43659B1-01A3-4424-93F3-88BF34D040DF}"/>
+              </a:ext>
+            </a:extLst>
+          </p:cNvPr>
+          <p:cNvSpPr txBox="1"/>
+          <p:nvPr/>
+        </p:nvSpPr>
+        <p:spPr>
+          <a:xfrm>
+            <a:off x="5402630" y="3044344"/>
+            <a:ext cx="1386740" cy="769313"/>
+          </a:xfrm>
+          <a:prstGeom prst="rect">
+            <a:avLst/>
+          </a:prstGeom>
+          <a:noFill/>
+        </p:spPr>
+        <p:txBody>
+          <a:bodyPr wrap="square" rtlCol="0">
+            <a:spAutoFit/>
+          </a:bodyPr>
+          <a:lstStyle/>
+          <a:p>
+            <a:pPr defTabSz="914126"/>
+            <a:r>
+              <a:rPr lang="zh-CN" altLang="en-US" sz="4399" b="1">
+                <a:solidFill>
+                  <a:srgbClr val="006666"/>
+                </a:solidFill>
+                <a:latin typeface="Arial" panose="020B0604020202020204" pitchFamily="34" charset="0"/>
+                <a:cs typeface="Arial" panose="020B0604020202020204" pitchFamily="34" charset="0"/>
+              </a:rPr>
+              <a:t>训练</a:t>
+            </a:r>
+          </a:p>
+        </p:txBody>
+      </p:sp>
+      <p:pic>
+        <p:nvPicPr>
+          <p:cNvPr id="4" name="图片 3">
+            <a:extLst>
+              <a:ext uri="{FF2B5EF4-FFF2-40B4-BE49-F238E27FC236}">
+                <a16:creationId xmlns:a16="http://schemas.microsoft.com/office/drawing/2014/main" id="{BA363772-B2D7-4499-ACDA-20E4E891C74E}"/>
+              </a:ext>
+            </a:extLst>
+          </p:cNvPr>
+          <p:cNvPicPr>
+            <a:picLocks noChangeAspect="1"/>
+          </p:cNvPicPr>
+          <p:nvPr/>
+        </p:nvPicPr>
+        <p:blipFill>
+          <a:blip r:embed="rId2"/>
+          <a:stretch>
+            <a:fillRect/>
+          </a:stretch>
+        </p:blipFill>
+        <p:spPr>
+          <a:xfrm>
+            <a:off x="1589" y="895"/>
+            <a:ext cx="1009261" cy="3170603"/>
+          </a:xfrm>
+          <a:prstGeom prst="rect">
+            <a:avLst/>
+          </a:prstGeom>
+        </p:spPr>
+      </p:pic>
     </p:spTree>
     <p:extLst>
       <p:ext uri="{BB962C8B-B14F-4D97-AF65-F5344CB8AC3E}">
-        <p14:creationId xmlns:p14="http://schemas.microsoft.com/office/powerpoint/2010/main" val="901833887"/>
+        <p14:creationId xmlns:p14="http://schemas.microsoft.com/office/powerpoint/2010/main" val="2602486041"/>
       </p:ext>
     </p:extLst>
   </p:cSld>
@@ -5804,7 +8814,7 @@
           <p:cNvPr id="2" name="文本框 1">
             <a:extLst>
               <a:ext uri="{FF2B5EF4-FFF2-40B4-BE49-F238E27FC236}">
-                <a16:creationId xmlns:a16="http://schemas.microsoft.com/office/drawing/2014/main" id="{7C180F8A-4CC8-485F-9BD4-65A351FC5FCE}"/>
+                <a16:creationId xmlns:a16="http://schemas.microsoft.com/office/drawing/2014/main" id="{379CD314-419A-45AC-BD65-22FD1BBE3361}"/>
               </a:ext>
             </a:extLst>
           </p:cNvPr>
@@ -5813,8 +8823,8 @@
         </p:nvSpPr>
         <p:spPr>
           <a:xfrm>
-            <a:off x="590550" y="476250"/>
-            <a:ext cx="1338828" cy="369332"/>
+            <a:off x="170430" y="212220"/>
+            <a:ext cx="1107996" cy="369332"/>
           </a:xfrm>
           <a:prstGeom prst="rect">
             <a:avLst/>
@@ -5827,13 +8837,15 @@
           </a:bodyPr>
           <a:lstStyle/>
           <a:p>
-            <a:pPr algn="l"/>
             <a:r>
               <a:rPr lang="zh-CN" altLang="en-US">
-                <a:latin typeface="微软雅黑" panose="020B0503020204020204" pitchFamily="34" charset="-122"/>
-                <a:ea typeface="微软雅黑" panose="020B0503020204020204" pitchFamily="34" charset="-122"/>
-              </a:rPr>
-              <a:t>下一步工作</a:t>
+                <a:solidFill>
+                  <a:srgbClr val="006666"/>
+                </a:solidFill>
+                <a:latin typeface="微软雅黑" panose="020B0503020204020204" pitchFamily="34" charset="-122"/>
+                <a:ea typeface="微软雅黑" panose="020B0503020204020204" pitchFamily="34" charset="-122"/>
+              </a:rPr>
+              <a:t>代码逻辑</a:t>
             </a:r>
           </a:p>
         </p:txBody>
@@ -5843,7 +8855,7 @@
           <p:cNvPr id="3" name="文本框 2">
             <a:extLst>
               <a:ext uri="{FF2B5EF4-FFF2-40B4-BE49-F238E27FC236}">
-                <a16:creationId xmlns:a16="http://schemas.microsoft.com/office/drawing/2014/main" id="{0AC7C2F0-4C47-46ED-ACF6-835E55EAE83E}"/>
+                <a16:creationId xmlns:a16="http://schemas.microsoft.com/office/drawing/2014/main" id="{C2812D29-5B66-43E2-A404-27C93BC0E450}"/>
               </a:ext>
             </a:extLst>
           </p:cNvPr>
@@ -5852,8 +8864,8 @@
         </p:nvSpPr>
         <p:spPr>
           <a:xfrm>
-            <a:off x="1259964" y="1571625"/>
-            <a:ext cx="3320140" cy="923330"/>
+            <a:off x="193582" y="901191"/>
+            <a:ext cx="11804835" cy="646331"/>
           </a:xfrm>
           <a:prstGeom prst="rect">
             <a:avLst/>
@@ -5866,20 +8878,23 @@
           </a:bodyPr>
           <a:lstStyle/>
           <a:p>
-            <a:pPr algn="l"/>
+            <a:pPr marL="285750" indent="-285750">
+              <a:buFont typeface="Arial" panose="020B0604020202020204" pitchFamily="34" charset="0"/>
+              <a:buChar char="•"/>
+            </a:pPr>
             <a:r>
               <a:rPr lang="en-US" altLang="zh-CN">
                 <a:latin typeface="微软雅黑" panose="020B0503020204020204" pitchFamily="34" charset="-122"/>
                 <a:ea typeface="微软雅黑" panose="020B0503020204020204" pitchFamily="34" charset="-122"/>
               </a:rPr>
-              <a:t>1</a:t>
+              <a:t>DeploymentConfig </a:t>
             </a:r>
             <a:r>
               <a:rPr lang="zh-CN" altLang="en-US">
                 <a:latin typeface="微软雅黑" panose="020B0503020204020204" pitchFamily="34" charset="-122"/>
                 <a:ea typeface="微软雅黑" panose="020B0503020204020204" pitchFamily="34" charset="-122"/>
               </a:rPr>
-              <a:t>、用检测模型将车辆检测出来</a:t>
+              <a:t>在训练之前配置相应的设备信息</a:t>
             </a:r>
             <a:endParaRPr lang="en-US" altLang="zh-CN">
               <a:latin typeface="微软雅黑" panose="020B0503020204020204" pitchFamily="34" charset="-122"/>
@@ -5887,35 +8902,192 @@
             </a:endParaRPr>
           </a:p>
           <a:p>
-            <a:pPr algn="l"/>
-            <a:endParaRPr lang="en-US" altLang="zh-CN">
-              <a:latin typeface="微软雅黑" panose="020B0503020204020204" pitchFamily="34" charset="-122"/>
-              <a:ea typeface="微软雅黑" panose="020B0503020204020204" pitchFamily="34" charset="-122"/>
-            </a:endParaRPr>
-          </a:p>
-          <a:p>
-            <a:pPr algn="l"/>
+            <a:r>
+              <a:rPr lang="zh-CN" altLang="en-US">
+                <a:latin typeface="微软雅黑" panose="020B0503020204020204" pitchFamily="34" charset="-122"/>
+                <a:ea typeface="微软雅黑" panose="020B0503020204020204" pitchFamily="34" charset="-122"/>
+              </a:rPr>
+              <a:t>（是用</a:t>
+            </a:r>
             <a:r>
               <a:rPr lang="en-US" altLang="zh-CN">
                 <a:latin typeface="微软雅黑" panose="020B0503020204020204" pitchFamily="34" charset="-122"/>
                 <a:ea typeface="微软雅黑" panose="020B0503020204020204" pitchFamily="34" charset="-122"/>
               </a:rPr>
-              <a:t>2</a:t>
+              <a:t>GPU</a:t>
             </a:r>
             <a:r>
               <a:rPr lang="zh-CN" altLang="en-US">
                 <a:latin typeface="微软雅黑" panose="020B0503020204020204" pitchFamily="34" charset="-122"/>
                 <a:ea typeface="微软雅黑" panose="020B0503020204020204" pitchFamily="34" charset="-122"/>
               </a:rPr>
-              <a:t>、用分类网络进行细分</a:t>
-            </a:r>
-          </a:p>
-        </p:txBody>
-      </p:sp>
+              <a:t>训练还是</a:t>
+            </a:r>
+            <a:r>
+              <a:rPr lang="en-US" altLang="zh-CN">
+                <a:latin typeface="微软雅黑" panose="020B0503020204020204" pitchFamily="34" charset="-122"/>
+                <a:ea typeface="微软雅黑" panose="020B0503020204020204" pitchFamily="34" charset="-122"/>
+              </a:rPr>
+              <a:t>CPU</a:t>
+            </a:r>
+            <a:r>
+              <a:rPr lang="zh-CN" altLang="en-US">
+                <a:latin typeface="微软雅黑" panose="020B0503020204020204" pitchFamily="34" charset="-122"/>
+                <a:ea typeface="微软雅黑" panose="020B0503020204020204" pitchFamily="34" charset="-122"/>
+              </a:rPr>
+              <a:t>训练，是用多个</a:t>
+            </a:r>
+            <a:r>
+              <a:rPr lang="en-US" altLang="zh-CN">
+                <a:latin typeface="微软雅黑" panose="020B0503020204020204" pitchFamily="34" charset="-122"/>
+                <a:ea typeface="微软雅黑" panose="020B0503020204020204" pitchFamily="34" charset="-122"/>
+              </a:rPr>
+              <a:t>GPU</a:t>
+            </a:r>
+            <a:r>
+              <a:rPr lang="zh-CN" altLang="en-US">
+                <a:latin typeface="微软雅黑" panose="020B0503020204020204" pitchFamily="34" charset="-122"/>
+                <a:ea typeface="微软雅黑" panose="020B0503020204020204" pitchFamily="34" charset="-122"/>
+              </a:rPr>
+              <a:t>训练还是单个</a:t>
+            </a:r>
+            <a:r>
+              <a:rPr lang="en-US" altLang="zh-CN">
+                <a:latin typeface="微软雅黑" panose="020B0503020204020204" pitchFamily="34" charset="-122"/>
+                <a:ea typeface="微软雅黑" panose="020B0503020204020204" pitchFamily="34" charset="-122"/>
+              </a:rPr>
+              <a:t>GPU</a:t>
+            </a:r>
+            <a:r>
+              <a:rPr lang="zh-CN" altLang="en-US">
+                <a:latin typeface="微软雅黑" panose="020B0503020204020204" pitchFamily="34" charset="-122"/>
+                <a:ea typeface="微软雅黑" panose="020B0503020204020204" pitchFamily="34" charset="-122"/>
+              </a:rPr>
+              <a:t>训练，是用多台计算机训练还是一台计算机训练）</a:t>
+            </a:r>
+          </a:p>
+        </p:txBody>
+      </p:sp>
+      <p:sp>
+        <p:nvSpPr>
+          <p:cNvPr id="6" name="文本框 5">
+            <a:extLst>
+              <a:ext uri="{FF2B5EF4-FFF2-40B4-BE49-F238E27FC236}">
+                <a16:creationId xmlns:a16="http://schemas.microsoft.com/office/drawing/2014/main" id="{2B76F6D9-4F0A-4EF0-A108-448BD85D3823}"/>
+              </a:ext>
+            </a:extLst>
+          </p:cNvPr>
+          <p:cNvSpPr txBox="1"/>
+          <p:nvPr/>
+        </p:nvSpPr>
+        <p:spPr>
+          <a:xfrm>
+            <a:off x="193582" y="3947061"/>
+            <a:ext cx="2762295" cy="369332"/>
+          </a:xfrm>
+          <a:prstGeom prst="rect">
+            <a:avLst/>
+          </a:prstGeom>
+          <a:noFill/>
+        </p:spPr>
+        <p:txBody>
+          <a:bodyPr wrap="none" rtlCol="0">
+            <a:spAutoFit/>
+          </a:bodyPr>
+          <a:lstStyle/>
+          <a:p>
+            <a:pPr marL="285750" indent="-285750">
+              <a:buFont typeface="Arial" panose="020B0604020202020204" pitchFamily="34" charset="0"/>
+              <a:buChar char="•"/>
+            </a:pPr>
+            <a:r>
+              <a:rPr lang="zh-CN" altLang="en-US">
+                <a:latin typeface="微软雅黑" panose="020B0503020204020204" pitchFamily="34" charset="-122"/>
+                <a:ea typeface="微软雅黑" panose="020B0503020204020204" pitchFamily="34" charset="-122"/>
+              </a:rPr>
+              <a:t>生成一个</a:t>
+            </a:r>
+            <a:r>
+              <a:rPr lang="en-US" altLang="zh-CN">
+                <a:latin typeface="微软雅黑" panose="020B0503020204020204" pitchFamily="34" charset="-122"/>
+                <a:ea typeface="微软雅黑" panose="020B0503020204020204" pitchFamily="34" charset="-122"/>
+              </a:rPr>
+              <a:t>SSD</a:t>
+            </a:r>
+            <a:r>
+              <a:rPr lang="zh-CN" altLang="en-US">
+                <a:latin typeface="微软雅黑" panose="020B0503020204020204" pitchFamily="34" charset="-122"/>
+                <a:ea typeface="微软雅黑" panose="020B0503020204020204" pitchFamily="34" charset="-122"/>
+              </a:rPr>
+              <a:t>网络实例</a:t>
+            </a:r>
+          </a:p>
+        </p:txBody>
+      </p:sp>
+      <p:pic>
+        <p:nvPicPr>
+          <p:cNvPr id="8" name="图片 7">
+            <a:extLst>
+              <a:ext uri="{FF2B5EF4-FFF2-40B4-BE49-F238E27FC236}">
+                <a16:creationId xmlns:a16="http://schemas.microsoft.com/office/drawing/2014/main" id="{801F75C3-6AC9-4BEE-A356-F04B02BFBEF6}"/>
+              </a:ext>
+            </a:extLst>
+          </p:cNvPr>
+          <p:cNvPicPr>
+            <a:picLocks noChangeAspect="1"/>
+          </p:cNvPicPr>
+          <p:nvPr/>
+        </p:nvPicPr>
+        <p:blipFill>
+          <a:blip r:embed="rId2"/>
+          <a:stretch>
+            <a:fillRect/>
+          </a:stretch>
+        </p:blipFill>
+        <p:spPr>
+          <a:xfrm>
+            <a:off x="557719" y="1605891"/>
+            <a:ext cx="4510392" cy="2241528"/>
+          </a:xfrm>
+          <a:prstGeom prst="rect">
+            <a:avLst/>
+          </a:prstGeom>
+        </p:spPr>
+      </p:pic>
+      <p:pic>
+        <p:nvPicPr>
+          <p:cNvPr id="9" name="图片 8">
+            <a:extLst>
+              <a:ext uri="{FF2B5EF4-FFF2-40B4-BE49-F238E27FC236}">
+                <a16:creationId xmlns:a16="http://schemas.microsoft.com/office/drawing/2014/main" id="{91EAE58B-40CB-4646-A948-DBA9D270D441}"/>
+              </a:ext>
+            </a:extLst>
+          </p:cNvPr>
+          <p:cNvPicPr>
+            <a:picLocks noChangeAspect="1"/>
+          </p:cNvPicPr>
+          <p:nvPr/>
+        </p:nvPicPr>
+        <p:blipFill>
+          <a:blip r:embed="rId3"/>
+          <a:stretch>
+            <a:fillRect/>
+          </a:stretch>
+        </p:blipFill>
+        <p:spPr>
+          <a:xfrm>
+            <a:off x="557719" y="4386852"/>
+            <a:ext cx="5103209" cy="2353327"/>
+          </a:xfrm>
+          <a:prstGeom prst="rect">
+            <a:avLst/>
+          </a:prstGeom>
+        </p:spPr>
+      </p:pic>
     </p:spTree>
     <p:extLst>
       <p:ext uri="{BB962C8B-B14F-4D97-AF65-F5344CB8AC3E}">
-        <p14:creationId xmlns:p14="http://schemas.microsoft.com/office/powerpoint/2010/main" val="3469158366"/>
+        <p14:creationId xmlns:p14="http://schemas.microsoft.com/office/powerpoint/2010/main" val="139562994"/>
       </p:ext>
     </p:extLst>
   </p:cSld>
